--- a/Web Services and Cloud Technologies/02. ASP.NET Web API/ASP.NET-Web-API.pptx
+++ b/Web Services and Cloud Technologies/02. ASP.NET Web API/ASP.NET-Web-API.pptx
@@ -232,7 +232,7 @@
       </p14:sectionLst>
     </p:ext>
     <p:ext uri="{EFAFB233-063F-42B5-8137-9DF3F51BA10A}">
-      <p15:sldGuideLst xmlns:p15="http://schemas.microsoft.com/office/powerpoint/2012/main" xmlns="">
+      <p15:sldGuideLst xmlns:p15="http://schemas.microsoft.com/office/powerpoint/2012/main">
         <p15:guide id="1" orient="horz" pos="2160">
           <p15:clr>
             <a:srgbClr val="A4A3A4"/>
@@ -246,7 +246,7 @@
       </p15:sldGuideLst>
     </p:ext>
     <p:ext uri="{2D200454-40CA-4A62-9FC3-DE9A4176ACB9}">
-      <p15:notesGuideLst xmlns:p15="http://schemas.microsoft.com/office/powerpoint/2012/main" xmlns="">
+      <p15:notesGuideLst xmlns:p15="http://schemas.microsoft.com/office/powerpoint/2012/main">
         <p15:guide id="1" orient="horz" pos="2928">
           <p15:clr>
             <a:srgbClr val="A4A3A4"/>
@@ -378,7 +378,7 @@
             <a:fld id="{3BF7C7B5-275F-4D1F-9AB4-9255447DBC73}" type="datetimeFigureOut">
               <a:rPr lang="en-US"/>
               <a:pPr/>
-              <a:t>9/9/2014</a:t>
+              <a:t>8/28/2020</a:t>
             </a:fld>
             <a:endParaRPr lang="en-US" dirty="0"/>
           </a:p>
@@ -609,7 +609,7 @@
             <a:fld id="{9B46F231-FB2B-4655-A644-E2477325E686}" type="datetimeFigureOut">
               <a:rPr lang="en-US"/>
               <a:pPr/>
-              <a:t>9/9/2014</a:t>
+              <a:t>8/28/2020</a:t>
             </a:fld>
             <a:endParaRPr lang="en-US" dirty="0"/>
           </a:p>
@@ -685,38 +685,37 @@
           <a:p>
             <a:pPr lvl="0"/>
             <a:r>
-              <a:rPr lang="en-US" noProof="0" smtClean="0"/>
+              <a:rPr lang="en-US" noProof="0"/>
               <a:t>Click to edit Master text styles</a:t>
             </a:r>
           </a:p>
           <a:p>
             <a:pPr lvl="1"/>
             <a:r>
-              <a:rPr lang="en-US" noProof="0" smtClean="0"/>
+              <a:rPr lang="en-US" noProof="0"/>
               <a:t>Second level</a:t>
             </a:r>
           </a:p>
           <a:p>
             <a:pPr lvl="2"/>
             <a:r>
-              <a:rPr lang="en-US" noProof="0" smtClean="0"/>
+              <a:rPr lang="en-US" noProof="0"/>
               <a:t>Third level</a:t>
             </a:r>
           </a:p>
           <a:p>
             <a:pPr lvl="3"/>
             <a:r>
-              <a:rPr lang="en-US" noProof="0" smtClean="0"/>
+              <a:rPr lang="en-US" noProof="0"/>
               <a:t>Fourth level</a:t>
             </a:r>
           </a:p>
           <a:p>
             <a:pPr lvl="4"/>
             <a:r>
-              <a:rPr lang="en-US" noProof="0" smtClean="0"/>
+              <a:rPr lang="en-US" noProof="0"/>
               <a:t>Fifth level</a:t>
             </a:r>
-            <a:endParaRPr lang="en-US" noProof="0"/>
           </a:p>
         </p:txBody>
       </p:sp>
@@ -1439,10 +1438,9 @@
           </a:lstStyle>
           <a:p>
             <a:r>
-              <a:rPr lang="en-US" dirty="0" smtClean="0"/>
+              <a:rPr lang="en-US" dirty="0"/>
               <a:t>Presentation Title</a:t>
             </a:r>
-            <a:endParaRPr lang="en-US" dirty="0"/>
           </a:p>
         </p:txBody>
       </p:sp>
@@ -1503,10 +1501,9 @@
           </a:lstStyle>
           <a:p>
             <a:r>
-              <a:rPr lang="en-US" dirty="0" smtClean="0"/>
+              <a:rPr lang="en-US" dirty="0"/>
               <a:t>Presentation Subtitle</a:t>
             </a:r>
-            <a:endParaRPr lang="en-US" dirty="0"/>
           </a:p>
         </p:txBody>
       </p:sp>
@@ -1609,10 +1606,9 @@
           <a:p>
             <a:pPr lvl="0"/>
             <a:r>
-              <a:rPr lang="en-US" dirty="0" smtClean="0"/>
+              <a:rPr lang="en-US" dirty="0"/>
               <a:t>Author Name</a:t>
             </a:r>
-            <a:endParaRPr lang="en-US" dirty="0"/>
           </a:p>
         </p:txBody>
       </p:sp>
@@ -1688,7 +1684,7 @@
               <a:buNone/>
             </a:pPr>
             <a:r>
-              <a:rPr lang="en-US" sz="1800" b="1" dirty="0" smtClean="0">
+              <a:rPr lang="en-US" sz="1800" b="1" dirty="0">
                 <a:solidFill>
                   <a:srgbClr val="0EFE58"/>
                 </a:solidFill>
@@ -1702,18 +1698,6 @@
               </a:rPr>
               <a:t>Company Name</a:t>
             </a:r>
-            <a:endParaRPr lang="en-US" sz="1800" b="1" dirty="0">
-              <a:solidFill>
-                <a:srgbClr val="0EFE58"/>
-              </a:solidFill>
-              <a:effectLst>
-                <a:outerShdw blurRad="38100" dist="38100" dir="2700000" algn="tl">
-                  <a:srgbClr val="000000">
-                    <a:alpha val="43137"/>
-                  </a:srgbClr>
-                </a:outerShdw>
-              </a:effectLst>
-            </a:endParaRPr>
           </a:p>
         </p:txBody>
       </p:sp>
@@ -1770,7 +1754,7 @@
           <a:p>
             <a:pPr algn="l"/>
             <a:r>
-              <a:rPr lang="en-US" sz="1600" b="1" dirty="0" smtClean="0">
+              <a:rPr lang="en-US" sz="1600" b="1" dirty="0">
                 <a:solidFill>
                   <a:schemeClr val="tx1">
                     <a:lumMod val="50000"/>
@@ -1786,20 +1770,6 @@
               </a:rPr>
               <a:t>Company Web Site</a:t>
             </a:r>
-            <a:endParaRPr lang="en-US" sz="1600" b="1" dirty="0">
-              <a:solidFill>
-                <a:schemeClr val="tx1">
-                  <a:lumMod val="50000"/>
-                </a:schemeClr>
-              </a:solidFill>
-              <a:effectLst>
-                <a:outerShdw blurRad="38100" dist="38100" dir="2700000" algn="tl">
-                  <a:srgbClr val="000000">
-                    <a:alpha val="43137"/>
-                  </a:srgbClr>
-                </a:outerShdw>
-              </a:effectLst>
-            </a:endParaRPr>
           </a:p>
         </p:txBody>
       </p:sp>
@@ -1858,10 +1828,9 @@
           <a:p>
             <a:pPr lvl="0"/>
             <a:r>
-              <a:rPr lang="en-US" dirty="0" smtClean="0"/>
+              <a:rPr lang="en-US" dirty="0"/>
               <a:t>Position</a:t>
             </a:r>
-            <a:endParaRPr lang="en-US" dirty="0"/>
           </a:p>
         </p:txBody>
       </p:sp>
@@ -1920,7 +1889,7 @@
           <a:p>
             <a:pPr lvl="0"/>
             <a:r>
-              <a:rPr lang="en-US" smtClean="0"/>
+              <a:rPr lang="en-US"/>
               <a:t>Web Site</a:t>
             </a:r>
             <a:endParaRPr lang="en-US" dirty="0"/>
@@ -1956,10 +1925,9 @@
           </a:lstStyle>
           <a:p>
             <a:r>
-              <a:rPr lang="en-US" dirty="0" smtClean="0"/>
+              <a:rPr lang="en-US" dirty="0"/>
               <a:t>Insert a Picture Here</a:t>
             </a:r>
-            <a:endParaRPr lang="en-US" dirty="0"/>
           </a:p>
         </p:txBody>
       </p:sp>
@@ -1968,13 +1936,6 @@
   <p:clrMapOvr>
     <a:masterClrMapping/>
   </p:clrMapOvr>
-  <p:timing>
-    <p:tnLst>
-      <p:par>
-        <p:cTn id="1" dur="indefinite" restart="never" nodeType="tmRoot"/>
-      </p:par>
-    </p:tnLst>
-  </p:timing>
 </p:sldLayout>
 </file>
 
@@ -2052,10 +2013,9 @@
           </a:lstStyle>
           <a:p>
             <a:r>
-              <a:rPr lang="en-US" dirty="0" smtClean="0"/>
+              <a:rPr lang="en-US" dirty="0"/>
               <a:t>Slide Title</a:t>
             </a:r>
-            <a:endParaRPr lang="en-US" dirty="0"/>
           </a:p>
         </p:txBody>
       </p:sp>
@@ -2192,38 +2152,37 @@
           <a:p>
             <a:pPr lvl="0"/>
             <a:r>
-              <a:rPr lang="en-US" dirty="0" smtClean="0"/>
+              <a:rPr lang="en-US" dirty="0"/>
               <a:t>First Level</a:t>
             </a:r>
           </a:p>
           <a:p>
             <a:pPr lvl="1"/>
             <a:r>
-              <a:rPr lang="en-US" dirty="0" smtClean="0"/>
+              <a:rPr lang="en-US" dirty="0"/>
               <a:t>Second level</a:t>
             </a:r>
           </a:p>
           <a:p>
             <a:pPr lvl="2"/>
             <a:r>
-              <a:rPr lang="en-US" dirty="0" smtClean="0"/>
+              <a:rPr lang="en-US" dirty="0"/>
               <a:t>Third level</a:t>
             </a:r>
           </a:p>
           <a:p>
             <a:pPr lvl="3"/>
             <a:r>
-              <a:rPr lang="en-US" dirty="0" smtClean="0"/>
+              <a:rPr lang="en-US" dirty="0"/>
               <a:t>Fourth level</a:t>
             </a:r>
           </a:p>
           <a:p>
             <a:pPr lvl="4"/>
             <a:r>
-              <a:rPr lang="en-US" dirty="0" smtClean="0"/>
+              <a:rPr lang="en-US" dirty="0"/>
               <a:t>Fifth level</a:t>
             </a:r>
-            <a:endParaRPr lang="en-US" dirty="0"/>
           </a:p>
         </p:txBody>
       </p:sp>
@@ -2273,13 +2232,6 @@
   <p:clrMapOvr>
     <a:masterClrMapping/>
   </p:clrMapOvr>
-  <p:timing>
-    <p:tnLst>
-      <p:par>
-        <p:cTn id="1" dur="indefinite" restart="never" nodeType="tmRoot"/>
-      </p:par>
-    </p:tnLst>
-  </p:timing>
 </p:sldLayout>
 </file>
 
@@ -2342,10 +2294,9 @@
           </a:lstStyle>
           <a:p>
             <a:r>
-              <a:rPr lang="en-US" dirty="0" smtClean="0"/>
+              <a:rPr lang="en-US" dirty="0"/>
               <a:t>Slide Title</a:t>
             </a:r>
-            <a:endParaRPr lang="en-US" dirty="0"/>
           </a:p>
         </p:txBody>
       </p:sp>
@@ -2512,7 +2463,7 @@
               <a:defRPr/>
             </a:pPr>
             <a:r>
-              <a:rPr kumimoji="0" lang="en-US" sz="3200" b="1" i="0" u="none" strike="noStrike" kern="1200" cap="none" spc="0" normalizeH="0" baseline="0" noProof="0" dirty="0" smtClean="0">
+              <a:rPr kumimoji="0" lang="en-US" sz="3200" b="1" i="0" u="none" strike="noStrike" kern="1200" cap="none" spc="0" normalizeH="0" baseline="0" noProof="0" dirty="0">
                 <a:ln>
                   <a:noFill/>
                 </a:ln>
@@ -2596,65 +2547,65 @@
           <a:p>
             <a:pPr lvl="0"/>
             <a:r>
-              <a:rPr lang="en-US" noProof="1" smtClean="0"/>
+              <a:rPr lang="en-US" noProof="1"/>
               <a:t>Enter source code here</a:t>
             </a:r>
           </a:p>
           <a:p>
             <a:pPr lvl="0"/>
-            <a:endParaRPr lang="en-US" noProof="1" smtClean="0"/>
+            <a:endParaRPr lang="en-US" noProof="1"/>
           </a:p>
           <a:p>
             <a:pPr lvl="0"/>
-            <a:endParaRPr lang="en-US" noProof="1" smtClean="0"/>
+            <a:endParaRPr lang="en-US" noProof="1"/>
           </a:p>
           <a:p>
             <a:pPr lvl="0"/>
-            <a:endParaRPr lang="en-US" noProof="1" smtClean="0"/>
+            <a:endParaRPr lang="en-US" noProof="1"/>
           </a:p>
           <a:p>
             <a:pPr lvl="0"/>
-            <a:endParaRPr lang="en-US" noProof="1" smtClean="0"/>
+            <a:endParaRPr lang="en-US" noProof="1"/>
           </a:p>
           <a:p>
             <a:pPr lvl="0"/>
-            <a:endParaRPr lang="en-US" noProof="1" smtClean="0"/>
+            <a:endParaRPr lang="en-US" noProof="1"/>
           </a:p>
           <a:p>
             <a:pPr lvl="0"/>
-            <a:endParaRPr lang="en-US" noProof="1" smtClean="0"/>
+            <a:endParaRPr lang="en-US" noProof="1"/>
           </a:p>
           <a:p>
             <a:pPr lvl="0"/>
-            <a:endParaRPr lang="en-US" noProof="1" smtClean="0"/>
+            <a:endParaRPr lang="en-US" noProof="1"/>
           </a:p>
           <a:p>
             <a:pPr lvl="0"/>
-            <a:endParaRPr lang="en-US" noProof="1" smtClean="0"/>
+            <a:endParaRPr lang="en-US" noProof="1"/>
           </a:p>
           <a:p>
             <a:pPr lvl="0"/>
-            <a:endParaRPr lang="en-US" noProof="1" smtClean="0"/>
+            <a:endParaRPr lang="en-US" noProof="1"/>
           </a:p>
           <a:p>
             <a:pPr lvl="0"/>
-            <a:endParaRPr lang="en-US" noProof="1" smtClean="0"/>
+            <a:endParaRPr lang="en-US" noProof="1"/>
           </a:p>
           <a:p>
             <a:pPr lvl="0"/>
-            <a:endParaRPr lang="en-US" noProof="1" smtClean="0"/>
+            <a:endParaRPr lang="en-US" noProof="1"/>
           </a:p>
           <a:p>
             <a:pPr lvl="0"/>
-            <a:endParaRPr lang="en-US" noProof="1" smtClean="0"/>
+            <a:endParaRPr lang="en-US" noProof="1"/>
           </a:p>
           <a:p>
             <a:pPr lvl="0"/>
-            <a:endParaRPr lang="en-US" noProof="1" smtClean="0"/>
+            <a:endParaRPr lang="en-US" noProof="1"/>
           </a:p>
           <a:p>
             <a:pPr lvl="0"/>
-            <a:endParaRPr lang="en-US" noProof="1" smtClean="0"/>
+            <a:endParaRPr lang="en-US" noProof="1"/>
           </a:p>
         </p:txBody>
       </p:sp>
@@ -2771,10 +2722,9 @@
           </a:lstStyle>
           <a:p>
             <a:r>
-              <a:rPr lang="en-US" dirty="0" smtClean="0"/>
+              <a:rPr lang="en-US" dirty="0"/>
               <a:t>Section Title</a:t>
             </a:r>
-            <a:endParaRPr lang="en-US" dirty="0"/>
           </a:p>
         </p:txBody>
       </p:sp>
@@ -2859,10 +2809,9 @@
           </a:lstStyle>
           <a:p>
             <a:r>
-              <a:rPr lang="en-US" dirty="0" smtClean="0"/>
+              <a:rPr lang="en-US" dirty="0"/>
               <a:t>Section Subtitle</a:t>
             </a:r>
-            <a:endParaRPr lang="en-US" dirty="0"/>
           </a:p>
         </p:txBody>
       </p:sp>
@@ -2871,13 +2820,6 @@
   <p:clrMapOvr>
     <a:masterClrMapping/>
   </p:clrMapOvr>
-  <p:timing>
-    <p:tnLst>
-      <p:par>
-        <p:cTn id="1" dur="indefinite" restart="never" nodeType="tmRoot"/>
-      </p:par>
-    </p:tnLst>
-  </p:timing>
 </p:sldLayout>
 </file>
 
@@ -2946,7 +2888,7 @@
             <a:p>
               <a:pPr lvl="0"/>
               <a:r>
-                <a:rPr lang="bg-BG" sz="200" noProof="1" smtClean="0">
+                <a:rPr lang="bg-BG" sz="200" noProof="1">
                   <a:ln w="0">
                     <a:noFill/>
                   </a:ln>
@@ -2957,15 +2899,6 @@
                 </a:rPr>
                 <a:t>форум програмиране, форум уеб дизайн</a:t>
               </a:r>
-              <a:endParaRPr lang="bg-BG" sz="200" noProof="1">
-                <a:ln w="0">
-                  <a:noFill/>
-                </a:ln>
-                <a:solidFill>
-                  <a:schemeClr val="bg1"/>
-                </a:solidFill>
-                <a:effectLst/>
-              </a:endParaRPr>
             </a:p>
           </p:txBody>
         </p:sp>
@@ -2999,7 +2932,7 @@
                 </a:lnSpc>
               </a:pPr>
               <a:r>
-                <a:rPr lang="bg-BG" sz="200" kern="1200" noProof="1" smtClean="0">
+                <a:rPr lang="bg-BG" sz="200" kern="1200" noProof="1">
                   <a:ln w="0">
                     <a:noFill/>
                   </a:ln>
@@ -3013,18 +2946,6 @@
                 </a:rPr>
                 <a:t>курсове и уроци по програмиране, уеб дизайн – безплатно</a:t>
               </a:r>
-              <a:endParaRPr lang="bg-BG" sz="200" kern="1200" noProof="1">
-                <a:ln w="0">
-                  <a:noFill/>
-                </a:ln>
-                <a:solidFill>
-                  <a:schemeClr val="bg1"/>
-                </a:solidFill>
-                <a:effectLst/>
-                <a:latin typeface="Corbel" pitchFamily="34" charset="0"/>
-                <a:ea typeface="+mn-ea"/>
-                <a:cs typeface="+mn-cs"/>
-              </a:endParaRPr>
             </a:p>
           </p:txBody>
         </p:sp>
@@ -3053,7 +2974,7 @@
             <a:lstStyle/>
             <a:p>
               <a:r>
-                <a:rPr lang="bg-BG" sz="200" kern="1200" noProof="1" smtClean="0">
+                <a:rPr lang="bg-BG" sz="200" kern="1200" noProof="1">
                   <a:ln w="0">
                     <a:noFill/>
                   </a:ln>
@@ -3067,18 +2988,6 @@
                 </a:rPr>
                 <a:t>програмиране за деца – безплатни курсове и уроци</a:t>
               </a:r>
-              <a:endParaRPr lang="bg-BG" sz="200" kern="1200" noProof="1">
-                <a:ln w="0">
-                  <a:noFill/>
-                </a:ln>
-                <a:solidFill>
-                  <a:schemeClr val="bg1"/>
-                </a:solidFill>
-                <a:effectLst/>
-                <a:latin typeface="Corbel" pitchFamily="34" charset="0"/>
-                <a:ea typeface="+mn-ea"/>
-                <a:cs typeface="+mn-cs"/>
-              </a:endParaRPr>
             </a:p>
           </p:txBody>
         </p:sp>
@@ -3115,7 +3024,7 @@
             <a:p>
               <a:pPr lvl="0" algn="l"/>
               <a:r>
-                <a:rPr lang="bg-BG" sz="200" noProof="1" smtClean="0">
+                <a:rPr lang="bg-BG" sz="200" noProof="1">
                   <a:ln w="0">
                     <a:noFill/>
                   </a:ln>
@@ -3126,15 +3035,6 @@
                 </a:rPr>
                 <a:t>безплатен SEO курс - оптимизация за търсачки</a:t>
               </a:r>
-              <a:endParaRPr lang="bg-BG" sz="200" noProof="1">
-                <a:ln w="0">
-                  <a:noFill/>
-                </a:ln>
-                <a:solidFill>
-                  <a:schemeClr val="bg1"/>
-                </a:solidFill>
-                <a:effectLst/>
-              </a:endParaRPr>
             </a:p>
           </p:txBody>
         </p:sp>
@@ -3171,7 +3071,7 @@
             <a:p>
               <a:pPr lvl="0"/>
               <a:r>
-                <a:rPr lang="bg-BG" sz="200" noProof="1" smtClean="0">
+                <a:rPr lang="bg-BG" sz="200" noProof="1">
                   <a:ln w="0">
                     <a:noFill/>
                   </a:ln>
@@ -3182,15 +3082,6 @@
                 </a:rPr>
                 <a:t>уроци по уеб дизайн, HTML, CSS, JavaScript, Photoshop</a:t>
               </a:r>
-              <a:endParaRPr lang="bg-BG" sz="200" noProof="1">
-                <a:ln w="0">
-                  <a:noFill/>
-                </a:ln>
-                <a:solidFill>
-                  <a:schemeClr val="bg1"/>
-                </a:solidFill>
-                <a:effectLst/>
-              </a:endParaRPr>
             </a:p>
           </p:txBody>
         </p:sp>
@@ -3220,7 +3111,7 @@
             <a:p>
               <a:pPr algn="l"/>
               <a:r>
-                <a:rPr lang="bg-BG" sz="200" kern="1200" noProof="1" smtClean="0">
+                <a:rPr lang="bg-BG" sz="200" kern="1200" noProof="1">
                   <a:ln w="0">
                     <a:noFill/>
                   </a:ln>
@@ -3234,18 +3125,6 @@
                 </a:rPr>
                 <a:t>уроци по програмиране и уеб дизайн за ученици</a:t>
               </a:r>
-              <a:endParaRPr lang="bg-BG" sz="200" kern="1200" noProof="1">
-                <a:ln w="0">
-                  <a:noFill/>
-                </a:ln>
-                <a:solidFill>
-                  <a:schemeClr val="bg1"/>
-                </a:solidFill>
-                <a:effectLst/>
-                <a:latin typeface="Corbel" pitchFamily="34" charset="0"/>
-                <a:ea typeface="+mn-ea"/>
-                <a:cs typeface="+mn-cs"/>
-              </a:endParaRPr>
             </a:p>
           </p:txBody>
         </p:sp>
@@ -3282,7 +3161,7 @@
             <a:p>
               <a:pPr lvl="0"/>
               <a:r>
-                <a:rPr lang="bg-BG" sz="200" noProof="1" smtClean="0">
+                <a:rPr lang="bg-BG" sz="200" noProof="1">
                   <a:ln w="0">
                     <a:noFill/>
                   </a:ln>
@@ -3293,15 +3172,6 @@
                 </a:rPr>
                 <a:t>ASP.NET MVC курс – HTML, SQL, C#, .NET, ASP.NET MVC</a:t>
               </a:r>
-              <a:endParaRPr lang="bg-BG" sz="200" noProof="1">
-                <a:ln w="0">
-                  <a:noFill/>
-                </a:ln>
-                <a:solidFill>
-                  <a:schemeClr val="bg1"/>
-                </a:solidFill>
-                <a:effectLst/>
-              </a:endParaRPr>
             </a:p>
           </p:txBody>
         </p:sp>
@@ -3330,7 +3200,7 @@
             <a:lstStyle/>
             <a:p>
               <a:r>
-                <a:rPr lang="bg-BG" sz="200" kern="1200" noProof="1" smtClean="0">
+                <a:rPr lang="bg-BG" sz="200" kern="1200" noProof="1">
                   <a:ln w="0">
                     <a:noFill/>
                   </a:ln>
@@ -3344,18 +3214,6 @@
                 </a:rPr>
                 <a:t>безплатен курс "Разработка на софтуер в cloud среда"</a:t>
               </a:r>
-              <a:endParaRPr lang="bg-BG" sz="200" kern="1200" noProof="1">
-                <a:ln w="0">
-                  <a:noFill/>
-                </a:ln>
-                <a:solidFill>
-                  <a:schemeClr val="bg1"/>
-                </a:solidFill>
-                <a:effectLst/>
-                <a:latin typeface="Corbel" pitchFamily="34" charset="0"/>
-                <a:ea typeface="+mn-ea"/>
-                <a:cs typeface="+mn-cs"/>
-              </a:endParaRPr>
             </a:p>
           </p:txBody>
         </p:sp>
@@ -3392,7 +3250,7 @@
             <a:p>
               <a:pPr lvl="0"/>
               <a:r>
-                <a:rPr lang="bg-BG" sz="200" noProof="1" smtClean="0">
+                <a:rPr lang="bg-BG" sz="200" noProof="1">
                   <a:ln w="0">
                     <a:noFill/>
                   </a:ln>
@@ -3403,15 +3261,6 @@
                 </a:rPr>
                 <a:t>BG Coder - онлайн състезателна система - online judge</a:t>
               </a:r>
-              <a:endParaRPr lang="bg-BG" sz="200" noProof="1">
-                <a:ln w="0">
-                  <a:noFill/>
-                </a:ln>
-                <a:solidFill>
-                  <a:schemeClr val="bg1"/>
-                </a:solidFill>
-                <a:effectLst/>
-              </a:endParaRPr>
             </a:p>
           </p:txBody>
         </p:sp>
@@ -3448,7 +3297,7 @@
             <a:p>
               <a:pPr lvl="0"/>
               <a:r>
-                <a:rPr lang="bg-BG" sz="200" noProof="1" smtClean="0">
+                <a:rPr lang="bg-BG" sz="200" noProof="1">
                   <a:ln w="0">
                     <a:noFill/>
                   </a:ln>
@@ -3459,15 +3308,6 @@
                 </a:rPr>
                 <a:t>курсове и уроци по програмиране, книги – безплатно от Наков</a:t>
               </a:r>
-              <a:endParaRPr lang="bg-BG" sz="200" noProof="1">
-                <a:ln w="0">
-                  <a:noFill/>
-                </a:ln>
-                <a:solidFill>
-                  <a:schemeClr val="bg1"/>
-                </a:solidFill>
-                <a:effectLst/>
-              </a:endParaRPr>
             </a:p>
           </p:txBody>
         </p:sp>
@@ -3496,7 +3336,7 @@
             <a:lstStyle/>
             <a:p>
               <a:r>
-                <a:rPr lang="bg-BG" sz="200" kern="1200" noProof="1" smtClean="0">
+                <a:rPr lang="bg-BG" sz="200" kern="1200" noProof="1">
                   <a:ln w="0">
                     <a:noFill/>
                   </a:ln>
@@ -3510,18 +3350,6 @@
                 </a:rPr>
                 <a:t>безплатен курс "Качествен програмен код"</a:t>
               </a:r>
-              <a:endParaRPr lang="bg-BG" sz="200" kern="1200" noProof="1">
-                <a:ln w="0">
-                  <a:noFill/>
-                </a:ln>
-                <a:solidFill>
-                  <a:schemeClr val="bg1"/>
-                </a:solidFill>
-                <a:effectLst/>
-                <a:latin typeface="Corbel" pitchFamily="34" charset="0"/>
-                <a:ea typeface="+mn-ea"/>
-                <a:cs typeface="+mn-cs"/>
-              </a:endParaRPr>
             </a:p>
           </p:txBody>
         </p:sp>
@@ -3558,7 +3386,7 @@
             <a:p>
               <a:pPr lvl="0"/>
               <a:r>
-                <a:rPr lang="bg-BG" sz="200" noProof="1" smtClean="0">
+                <a:rPr lang="bg-BG" sz="200" noProof="1">
                   <a:ln w="0">
                     <a:noFill/>
                   </a:ln>
@@ -3569,15 +3397,6 @@
                 </a:rPr>
                 <a:t>алго академия – състезателно програмиране, състезания</a:t>
               </a:r>
-              <a:endParaRPr lang="bg-BG" sz="200" noProof="1">
-                <a:ln w="0">
-                  <a:noFill/>
-                </a:ln>
-                <a:solidFill>
-                  <a:schemeClr val="bg1"/>
-                </a:solidFill>
-                <a:effectLst/>
-              </a:endParaRPr>
             </a:p>
           </p:txBody>
         </p:sp>
@@ -3614,7 +3433,7 @@
             <a:p>
               <a:pPr lvl="0"/>
               <a:r>
-                <a:rPr lang="bg-BG" sz="200" noProof="1" smtClean="0">
+                <a:rPr lang="bg-BG" sz="200" noProof="1">
                   <a:ln w="0">
                     <a:noFill/>
                   </a:ln>
@@ -3625,15 +3444,6 @@
                 </a:rPr>
                 <a:t>ASP.NET курс - уеб програмиране, бази данни, C#, .NET, ASP.NET</a:t>
               </a:r>
-              <a:endParaRPr lang="bg-BG" sz="200" noProof="1">
-                <a:ln w="0">
-                  <a:noFill/>
-                </a:ln>
-                <a:solidFill>
-                  <a:schemeClr val="bg1"/>
-                </a:solidFill>
-                <a:effectLst/>
-              </a:endParaRPr>
             </a:p>
           </p:txBody>
         </p:sp>
@@ -3670,7 +3480,7 @@
             <a:p>
               <a:pPr lvl="0" algn="l"/>
               <a:r>
-                <a:rPr lang="bg-BG" sz="200" noProof="1" smtClean="0">
+                <a:rPr lang="bg-BG" sz="200" noProof="1">
                   <a:ln w="0">
                     <a:noFill/>
                   </a:ln>
@@ -3682,7 +3492,7 @@
                 <a:t>курсове и уроци по </a:t>
               </a:r>
               <a:r>
-                <a:rPr lang="bg-BG" sz="200" kern="1200" noProof="1" smtClean="0">
+                <a:rPr lang="bg-BG" sz="200" kern="1200" noProof="1">
                   <a:ln w="0">
                     <a:noFill/>
                   </a:ln>
@@ -3696,18 +3506,6 @@
                 </a:rPr>
                 <a:t>програмиране – Телерик академия</a:t>
               </a:r>
-              <a:endParaRPr lang="bg-BG" sz="200" kern="1200" noProof="1">
-                <a:ln w="0">
-                  <a:noFill/>
-                </a:ln>
-                <a:solidFill>
-                  <a:schemeClr val="bg1"/>
-                </a:solidFill>
-                <a:effectLst/>
-                <a:latin typeface="Corbel" pitchFamily="34" charset="0"/>
-                <a:ea typeface="+mn-ea"/>
-                <a:cs typeface="+mn-cs"/>
-              </a:endParaRPr>
             </a:p>
           </p:txBody>
         </p:sp>
@@ -3744,7 +3542,7 @@
             <a:p>
               <a:pPr lvl="0"/>
               <a:r>
-                <a:rPr lang="bg-BG" sz="200" noProof="1" smtClean="0">
+                <a:rPr lang="bg-BG" sz="200" noProof="1">
                   <a:ln w="0">
                     <a:noFill/>
                   </a:ln>
@@ -3755,15 +3553,6 @@
                 </a:rPr>
                 <a:t>курс мобилни приложения с iPhone, Android, WP7, PhoneGap</a:t>
               </a:r>
-              <a:endParaRPr lang="bg-BG" sz="200" noProof="1">
-                <a:ln w="0">
-                  <a:noFill/>
-                </a:ln>
-                <a:solidFill>
-                  <a:schemeClr val="bg1"/>
-                </a:solidFill>
-                <a:effectLst/>
-              </a:endParaRPr>
             </a:p>
           </p:txBody>
         </p:sp>
@@ -3792,7 +3581,7 @@
             <a:lstStyle/>
             <a:p>
               <a:r>
-                <a:rPr lang="bg-BG" sz="200" kern="1200" noProof="1" smtClean="0">
+                <a:rPr lang="bg-BG" sz="200" kern="1200" noProof="1">
                   <a:ln w="0">
                     <a:noFill/>
                   </a:ln>
@@ -3806,18 +3595,6 @@
                 </a:rPr>
                 <a:t>free C# book, безплатна книга C#, книга Java, книга C#</a:t>
               </a:r>
-              <a:endParaRPr lang="bg-BG" sz="200" kern="1200" noProof="1">
-                <a:ln w="0">
-                  <a:noFill/>
-                </a:ln>
-                <a:solidFill>
-                  <a:schemeClr val="bg1"/>
-                </a:solidFill>
-                <a:effectLst/>
-                <a:latin typeface="Corbel" pitchFamily="34" charset="0"/>
-                <a:ea typeface="+mn-ea"/>
-                <a:cs typeface="+mn-cs"/>
-              </a:endParaRPr>
             </a:p>
           </p:txBody>
         </p:sp>
@@ -3861,7 +3638,7 @@
             <a:p>
               <a:pPr lvl="0"/>
               <a:r>
-                <a:rPr lang="bg-BG" sz="200" noProof="1" smtClean="0">
+                <a:rPr lang="bg-BG" sz="200" noProof="1">
                   <a:ln w="0">
                     <a:noFill/>
                   </a:ln>
@@ -3871,14 +3648,6 @@
                 </a:rPr>
                 <a:t>Дончо Минков - сайт за програмиране</a:t>
               </a:r>
-              <a:endParaRPr lang="bg-BG" sz="200" noProof="1">
-                <a:ln w="0">
-                  <a:noFill/>
-                </a:ln>
-                <a:solidFill>
-                  <a:schemeClr val="bg1"/>
-                </a:solidFill>
-              </a:endParaRPr>
             </a:p>
           </p:txBody>
         </p:sp>
@@ -3908,7 +3677,7 @@
             <a:p>
               <a:pPr algn="l"/>
               <a:r>
-                <a:rPr lang="bg-BG" sz="200" kern="1200" noProof="1" smtClean="0">
+                <a:rPr lang="bg-BG" sz="200" kern="1200" noProof="1">
                   <a:ln w="0">
                     <a:noFill/>
                   </a:ln>
@@ -3922,18 +3691,6 @@
                 </a:rPr>
                 <a:t>Николай Костов - блог за програмиране</a:t>
               </a:r>
-              <a:endParaRPr lang="bg-BG" sz="200" kern="1200" noProof="1">
-                <a:ln w="0">
-                  <a:noFill/>
-                </a:ln>
-                <a:solidFill>
-                  <a:schemeClr val="bg1"/>
-                </a:solidFill>
-                <a:effectLst/>
-                <a:latin typeface="Corbel" pitchFamily="34" charset="0"/>
-                <a:ea typeface="+mn-ea"/>
-                <a:cs typeface="+mn-cs"/>
-              </a:endParaRPr>
             </a:p>
           </p:txBody>
         </p:sp>
@@ -3977,7 +3734,7 @@
             <a:p>
               <a:pPr lvl="0"/>
               <a:r>
-                <a:rPr lang="bg-BG" sz="200" noProof="1" smtClean="0">
+                <a:rPr lang="bg-BG" sz="200" noProof="1">
                   <a:ln w="0">
                     <a:noFill/>
                   </a:ln>
@@ -3987,14 +3744,6 @@
                 </a:rPr>
                 <a:t>C# курс, програмиране, безплатно</a:t>
               </a:r>
-              <a:endParaRPr lang="bg-BG" sz="200" noProof="1">
-                <a:ln w="0">
-                  <a:noFill/>
-                </a:ln>
-                <a:solidFill>
-                  <a:schemeClr val="bg1"/>
-                </a:solidFill>
-              </a:endParaRPr>
             </a:p>
           </p:txBody>
         </p:sp>
@@ -4056,10 +3805,9 @@
           </a:lstStyle>
           <a:p>
             <a:r>
-              <a:rPr lang="en-US" dirty="0" smtClean="0"/>
+              <a:rPr lang="en-US" dirty="0"/>
               <a:t>Presentation Title</a:t>
             </a:r>
-            <a:endParaRPr lang="en-US" dirty="0"/>
           </a:p>
         </p:txBody>
       </p:sp>
@@ -4095,7 +3843,7 @@
           <a:lstStyle/>
           <a:p>
             <a:r>
-              <a:rPr lang="en-US" sz="9600" b="1" dirty="0" smtClean="0">
+              <a:rPr lang="en-US" sz="9600" b="1" dirty="0">
                 <a:solidFill>
                   <a:schemeClr val="tx1">
                     <a:lumMod val="75000"/>
@@ -4107,16 +3855,6 @@
               </a:rPr>
               <a:t>?</a:t>
             </a:r>
-            <a:endParaRPr lang="en-US" sz="9600" b="1" dirty="0">
-              <a:solidFill>
-                <a:schemeClr val="tx1">
-                  <a:lumMod val="75000"/>
-                </a:schemeClr>
-              </a:solidFill>
-              <a:effectLst>
-                <a:reflection blurRad="6350" stA="55000" endA="300" endPos="45500" dir="5400000" sy="-100000" algn="bl" rotWithShape="0"/>
-              </a:effectLst>
-            </a:endParaRPr>
           </a:p>
         </p:txBody>
       </p:sp>
@@ -4152,7 +3890,7 @@
           <a:lstStyle/>
           <a:p>
             <a:r>
-              <a:rPr lang="en-US" sz="8800" dirty="0" smtClean="0">
+              <a:rPr lang="en-US" sz="8800" dirty="0">
                 <a:solidFill>
                   <a:schemeClr val="accent5">
                     <a:lumMod val="60000"/>
@@ -4165,17 +3903,6 @@
               </a:rPr>
               <a:t>?</a:t>
             </a:r>
-            <a:endParaRPr lang="en-US" sz="8800" dirty="0">
-              <a:solidFill>
-                <a:schemeClr val="accent5">
-                  <a:lumMod val="60000"/>
-                  <a:lumOff val="40000"/>
-                </a:schemeClr>
-              </a:solidFill>
-              <a:effectLst>
-                <a:reflection blurRad="6350" stA="55000" endA="300" endPos="45500" dir="5400000" sy="-100000" algn="bl" rotWithShape="0"/>
-              </a:effectLst>
-            </a:endParaRPr>
           </a:p>
         </p:txBody>
       </p:sp>
@@ -4211,7 +3938,7 @@
           <a:lstStyle/>
           <a:p>
             <a:r>
-              <a:rPr lang="en-US" sz="11500" b="1" dirty="0" smtClean="0">
+              <a:rPr lang="en-US" sz="11500" b="1" dirty="0">
                 <a:solidFill>
                   <a:srgbClr val="FF831D"/>
                 </a:solidFill>
@@ -4221,14 +3948,6 @@
               </a:rPr>
               <a:t>?</a:t>
             </a:r>
-            <a:endParaRPr lang="en-US" sz="11500" b="1" dirty="0">
-              <a:solidFill>
-                <a:srgbClr val="FF831D"/>
-              </a:solidFill>
-              <a:effectLst>
-                <a:reflection blurRad="6350" stA="55000" endA="300" endPos="45500" dir="5400000" sy="-100000" algn="bl" rotWithShape="0"/>
-              </a:effectLst>
-            </a:endParaRPr>
           </a:p>
         </p:txBody>
       </p:sp>
@@ -4271,7 +3990,7 @@
           <a:lstStyle/>
           <a:p>
             <a:r>
-              <a:rPr lang="en-US" sz="12800" b="1" dirty="0" smtClean="0">
+              <a:rPr lang="en-US" sz="12800" b="1" dirty="0">
                 <a:ln w="11430"/>
                 <a:gradFill>
                   <a:gsLst>
@@ -4319,52 +4038,6 @@
               </a:rPr>
               <a:t>?</a:t>
             </a:r>
-            <a:endParaRPr lang="en-US" sz="12800" b="1" dirty="0">
-              <a:ln w="11430"/>
-              <a:gradFill>
-                <a:gsLst>
-                  <a:gs pos="0">
-                    <a:schemeClr val="accent6">
-                      <a:tint val="90000"/>
-                      <a:satMod val="120000"/>
-                    </a:schemeClr>
-                  </a:gs>
-                  <a:gs pos="25000">
-                    <a:schemeClr val="accent6">
-                      <a:tint val="93000"/>
-                      <a:satMod val="120000"/>
-                    </a:schemeClr>
-                  </a:gs>
-                  <a:gs pos="50000">
-                    <a:schemeClr val="accent6">
-                      <a:shade val="89000"/>
-                      <a:satMod val="110000"/>
-                    </a:schemeClr>
-                  </a:gs>
-                  <a:gs pos="75000">
-                    <a:schemeClr val="accent6">
-                      <a:tint val="93000"/>
-                      <a:satMod val="120000"/>
-                    </a:schemeClr>
-                  </a:gs>
-                  <a:gs pos="100000">
-                    <a:schemeClr val="accent6">
-                      <a:tint val="90000"/>
-                      <a:satMod val="120000"/>
-                    </a:schemeClr>
-                  </a:gs>
-                </a:gsLst>
-                <a:lin ang="5400000"/>
-              </a:gradFill>
-              <a:effectLst>
-                <a:innerShdw blurRad="63500" dist="50800" dir="8100000">
-                  <a:prstClr val="black">
-                    <a:alpha val="50000"/>
-                  </a:prstClr>
-                </a:innerShdw>
-                <a:reflection blurRad="6350" stA="55000" endA="300" endPos="45500" dir="5400000" sy="-100000" algn="bl" rotWithShape="0"/>
-              </a:effectLst>
-            </a:endParaRPr>
           </a:p>
         </p:txBody>
       </p:sp>
@@ -4400,7 +4073,7 @@
           <a:lstStyle/>
           <a:p>
             <a:r>
-              <a:rPr lang="en-US" sz="5600" dirty="0" smtClean="0">
+              <a:rPr lang="en-US" sz="5600" dirty="0">
                 <a:solidFill>
                   <a:schemeClr val="tx2">
                     <a:lumMod val="75000"/>
@@ -4412,16 +4085,6 @@
               </a:rPr>
               <a:t>?</a:t>
             </a:r>
-            <a:endParaRPr lang="en-US" sz="5600" dirty="0">
-              <a:solidFill>
-                <a:schemeClr val="tx2">
-                  <a:lumMod val="75000"/>
-                </a:schemeClr>
-              </a:solidFill>
-              <a:effectLst>
-                <a:reflection blurRad="6350" stA="55000" endA="300" endPos="45500" dir="5400000" sy="-100000" algn="bl" rotWithShape="0"/>
-              </a:effectLst>
-            </a:endParaRPr>
           </a:p>
         </p:txBody>
       </p:sp>
@@ -4457,7 +4120,7 @@
           <a:lstStyle/>
           <a:p>
             <a:r>
-              <a:rPr lang="en-US" sz="9600" dirty="0" smtClean="0">
+              <a:rPr lang="en-US" sz="9600" dirty="0">
                 <a:solidFill>
                   <a:srgbClr val="FF4A37"/>
                 </a:solidFill>
@@ -4467,14 +4130,6 @@
               </a:rPr>
               <a:t>?</a:t>
             </a:r>
-            <a:endParaRPr lang="en-US" sz="9600" dirty="0">
-              <a:solidFill>
-                <a:srgbClr val="FF4A37"/>
-              </a:solidFill>
-              <a:effectLst>
-                <a:reflection blurRad="6350" stA="60000" endA="900" endPos="60000" dist="29997" dir="5400000" sy="-100000" algn="bl" rotWithShape="0"/>
-              </a:effectLst>
-            </a:endParaRPr>
           </a:p>
         </p:txBody>
       </p:sp>
@@ -4510,7 +4165,7 @@
           <a:lstStyle/>
           <a:p>
             <a:r>
-              <a:rPr lang="en-US" sz="3600" dirty="0" smtClean="0">
+              <a:rPr lang="en-US" sz="3600" dirty="0">
                 <a:solidFill>
                   <a:schemeClr val="tx2">
                     <a:lumMod val="40000"/>
@@ -4523,17 +4178,6 @@
               </a:rPr>
               <a:t>?</a:t>
             </a:r>
-            <a:endParaRPr lang="en-US" sz="3600" dirty="0">
-              <a:solidFill>
-                <a:schemeClr val="tx2">
-                  <a:lumMod val="40000"/>
-                  <a:lumOff val="60000"/>
-                </a:schemeClr>
-              </a:solidFill>
-              <a:effectLst>
-                <a:reflection blurRad="6350" stA="55000" endA="300" endPos="45500" dir="5400000" sy="-100000" algn="bl" rotWithShape="0"/>
-              </a:effectLst>
-            </a:endParaRPr>
           </a:p>
         </p:txBody>
       </p:sp>
@@ -4569,7 +4213,7 @@
           <a:lstStyle/>
           <a:p>
             <a:r>
-              <a:rPr lang="en-US" sz="6600" dirty="0" smtClean="0">
+              <a:rPr lang="en-US" sz="6600" dirty="0">
                 <a:solidFill>
                   <a:srgbClr val="9966FF"/>
                 </a:solidFill>
@@ -4579,14 +4223,6 @@
               </a:rPr>
               <a:t>?</a:t>
             </a:r>
-            <a:endParaRPr lang="en-US" sz="6600" dirty="0">
-              <a:solidFill>
-                <a:srgbClr val="9966FF"/>
-              </a:solidFill>
-              <a:effectLst>
-                <a:reflection blurRad="6350" stA="55000" endA="300" endPos="45500" dir="5400000" sy="-100000" algn="bl" rotWithShape="0"/>
-              </a:effectLst>
-            </a:endParaRPr>
           </a:p>
         </p:txBody>
       </p:sp>
@@ -4625,7 +4261,7 @@
           <a:lstStyle/>
           <a:p>
             <a:r>
-              <a:rPr lang="en-US" sz="4400" dirty="0" smtClean="0">
+              <a:rPr lang="en-US" sz="4400" dirty="0">
                 <a:solidFill>
                   <a:srgbClr val="FF6699"/>
                 </a:solidFill>
@@ -4635,14 +4271,6 @@
               </a:rPr>
               <a:t>?</a:t>
             </a:r>
-            <a:endParaRPr lang="en-US" sz="4400" dirty="0">
-              <a:solidFill>
-                <a:srgbClr val="FF6699"/>
-              </a:solidFill>
-              <a:effectLst>
-                <a:reflection blurRad="6350" stA="55000" endA="300" endPos="45500" dir="5400000" sy="-100000" algn="bl" rotWithShape="0"/>
-              </a:effectLst>
-            </a:endParaRPr>
           </a:p>
         </p:txBody>
       </p:sp>
@@ -4678,7 +4306,7 @@
           <a:lstStyle/>
           <a:p>
             <a:r>
-              <a:rPr lang="en-US" sz="3600" dirty="0" smtClean="0">
+              <a:rPr lang="en-US" sz="3600" dirty="0">
                 <a:solidFill>
                   <a:schemeClr val="tx2">
                     <a:lumMod val="40000"/>
@@ -4691,17 +4319,6 @@
               </a:rPr>
               <a:t>?</a:t>
             </a:r>
-            <a:endParaRPr lang="en-US" sz="3600" dirty="0">
-              <a:solidFill>
-                <a:schemeClr val="tx2">
-                  <a:lumMod val="40000"/>
-                  <a:lumOff val="60000"/>
-                </a:schemeClr>
-              </a:solidFill>
-              <a:effectLst>
-                <a:reflection blurRad="6350" stA="55000" endA="300" endPos="45500" dir="5400000" sy="-100000" algn="bl" rotWithShape="0"/>
-              </a:effectLst>
-            </a:endParaRPr>
           </a:p>
         </p:txBody>
       </p:sp>
@@ -4730,7 +4347,7 @@
           <a:lstStyle/>
           <a:p>
             <a:r>
-              <a:rPr lang="en-US" sz="6000" b="1" dirty="0" smtClean="0">
+              <a:rPr lang="en-US" sz="6000" b="1" dirty="0">
                 <a:ln w="1905"/>
                 <a:gradFill>
                   <a:gsLst>
@@ -4766,40 +4383,6 @@
               </a:rPr>
               <a:t>?</a:t>
             </a:r>
-            <a:endParaRPr lang="en-US" sz="6000" b="1" dirty="0">
-              <a:ln w="1905"/>
-              <a:gradFill>
-                <a:gsLst>
-                  <a:gs pos="0">
-                    <a:schemeClr val="accent6">
-                      <a:shade val="20000"/>
-                      <a:satMod val="200000"/>
-                    </a:schemeClr>
-                  </a:gs>
-                  <a:gs pos="78000">
-                    <a:schemeClr val="accent6">
-                      <a:tint val="90000"/>
-                      <a:shade val="89000"/>
-                      <a:satMod val="220000"/>
-                    </a:schemeClr>
-                  </a:gs>
-                  <a:gs pos="100000">
-                    <a:schemeClr val="accent6">
-                      <a:tint val="12000"/>
-                      <a:satMod val="255000"/>
-                    </a:schemeClr>
-                  </a:gs>
-                </a:gsLst>
-                <a:lin ang="5400000"/>
-              </a:gradFill>
-              <a:effectLst>
-                <a:innerShdw blurRad="69850" dist="43180" dir="5400000">
-                  <a:srgbClr val="000000">
-                    <a:alpha val="65000"/>
-                  </a:srgbClr>
-                </a:innerShdw>
-              </a:effectLst>
-            </a:endParaRPr>
           </a:p>
         </p:txBody>
       </p:sp>
@@ -4835,7 +4418,7 @@
           <a:lstStyle/>
           <a:p>
             <a:r>
-              <a:rPr lang="en-US" sz="4000" dirty="0" smtClean="0">
+              <a:rPr lang="en-US" sz="4000" dirty="0">
                 <a:solidFill>
                   <a:schemeClr val="accent4">
                     <a:lumMod val="60000"/>
@@ -4848,17 +4431,6 @@
               </a:rPr>
               <a:t>?</a:t>
             </a:r>
-            <a:endParaRPr lang="en-US" sz="4000" dirty="0">
-              <a:solidFill>
-                <a:schemeClr val="accent4">
-                  <a:lumMod val="60000"/>
-                  <a:lumOff val="40000"/>
-                </a:schemeClr>
-              </a:solidFill>
-              <a:effectLst>
-                <a:reflection blurRad="6350" stA="55000" endA="300" endPos="45500" dir="5400000" sy="-100000" algn="bl" rotWithShape="0"/>
-              </a:effectLst>
-            </a:endParaRPr>
           </a:p>
         </p:txBody>
       </p:sp>
@@ -4899,7 +4471,7 @@
           <a:lstStyle/>
           <a:p>
             <a:r>
-              <a:rPr lang="en-US" sz="4000" b="1" spc="150" dirty="0" smtClean="0">
+              <a:rPr lang="en-US" sz="4000" b="1" spc="150" dirty="0">
                 <a:ln w="11430"/>
                 <a:solidFill>
                   <a:schemeClr val="accent4">
@@ -4917,22 +4489,6 @@
               </a:rPr>
               <a:t>?</a:t>
             </a:r>
-            <a:endParaRPr lang="en-US" sz="4000" b="1" spc="150" dirty="0">
-              <a:ln w="11430"/>
-              <a:solidFill>
-                <a:schemeClr val="accent4">
-                  <a:lumMod val="60000"/>
-                  <a:lumOff val="40000"/>
-                </a:schemeClr>
-              </a:solidFill>
-              <a:effectLst>
-                <a:outerShdw blurRad="25400" algn="tl" rotWithShape="0">
-                  <a:srgbClr val="000000">
-                    <a:alpha val="43000"/>
-                  </a:srgbClr>
-                </a:outerShdw>
-              </a:effectLst>
-            </a:endParaRPr>
           </a:p>
         </p:txBody>
       </p:sp>
@@ -4961,7 +4517,7 @@
           <a:lstStyle/>
           <a:p>
             <a:r>
-              <a:rPr lang="en-US" sz="3600" b="1" dirty="0" smtClean="0">
+              <a:rPr lang="en-US" sz="3600" b="1" dirty="0">
                 <a:ln w="19050">
                   <a:solidFill>
                     <a:schemeClr val="accent4">
@@ -5050,7 +4606,7 @@
           <a:lstStyle/>
           <a:p>
             <a:r>
-              <a:rPr lang="en-US" sz="4400" dirty="0" smtClean="0">
+              <a:rPr lang="en-US" sz="4400" dirty="0">
                 <a:ln>
                   <a:solidFill>
                     <a:schemeClr val="accent2">
@@ -5071,25 +4627,6 @@
               </a:rPr>
               <a:t>?</a:t>
             </a:r>
-            <a:endParaRPr lang="en-US" sz="4400" dirty="0">
-              <a:ln>
-                <a:solidFill>
-                  <a:schemeClr val="accent2">
-                    <a:lumMod val="40000"/>
-                    <a:lumOff val="60000"/>
-                  </a:schemeClr>
-                </a:solidFill>
-              </a:ln>
-              <a:solidFill>
-                <a:schemeClr val="accent6">
-                  <a:lumMod val="60000"/>
-                  <a:lumOff val="40000"/>
-                </a:schemeClr>
-              </a:solidFill>
-              <a:effectLst>
-                <a:reflection blurRad="6350" stA="55000" endA="300" endPos="45500" dir="5400000" sy="-100000" algn="bl" rotWithShape="0"/>
-              </a:effectLst>
-            </a:endParaRPr>
           </a:p>
         </p:txBody>
       </p:sp>
@@ -5125,7 +4662,7 @@
           <a:lstStyle/>
           <a:p>
             <a:r>
-              <a:rPr lang="en-US" sz="2800" dirty="0" smtClean="0">
+              <a:rPr lang="en-US" sz="2800" dirty="0">
                 <a:ln>
                   <a:solidFill>
                     <a:schemeClr val="tx1">
@@ -5145,24 +4682,6 @@
               </a:rPr>
               <a:t>?</a:t>
             </a:r>
-            <a:endParaRPr lang="en-US" sz="2800" dirty="0">
-              <a:ln>
-                <a:solidFill>
-                  <a:schemeClr val="tx1">
-                    <a:lumMod val="75000"/>
-                  </a:schemeClr>
-                </a:solidFill>
-              </a:ln>
-              <a:solidFill>
-                <a:schemeClr val="accent4">
-                  <a:lumMod val="60000"/>
-                  <a:lumOff val="40000"/>
-                </a:schemeClr>
-              </a:solidFill>
-              <a:effectLst>
-                <a:reflection blurRad="6350" stA="55000" endA="300" endPos="45500" dir="5400000" sy="-100000" algn="bl" rotWithShape="0"/>
-              </a:effectLst>
-            </a:endParaRPr>
           </a:p>
         </p:txBody>
       </p:sp>
@@ -5198,7 +4717,7 @@
           <a:lstStyle/>
           <a:p>
             <a:r>
-              <a:rPr lang="en-US" sz="2800" b="1" dirty="0" smtClean="0">
+              <a:rPr lang="en-US" sz="2800" b="1" dirty="0">
                 <a:ln w="31550" cmpd="sng">
                   <a:solidFill>
                     <a:schemeClr val="tx2">
@@ -5281,7 +4800,7 @@
           <a:lstStyle/>
           <a:p>
             <a:r>
-              <a:rPr lang="en-US" sz="3200" dirty="0" smtClean="0">
+              <a:rPr lang="en-US" sz="3200" dirty="0">
                 <a:ln>
                   <a:solidFill>
                     <a:schemeClr val="accent1">
@@ -5302,25 +4821,6 @@
               </a:rPr>
               <a:t>?</a:t>
             </a:r>
-            <a:endParaRPr lang="en-US" sz="3200" dirty="0">
-              <a:ln>
-                <a:solidFill>
-                  <a:schemeClr val="accent1">
-                    <a:lumMod val="40000"/>
-                    <a:lumOff val="60000"/>
-                  </a:schemeClr>
-                </a:solidFill>
-              </a:ln>
-              <a:solidFill>
-                <a:schemeClr val="accent4">
-                  <a:lumMod val="60000"/>
-                  <a:lumOff val="40000"/>
-                </a:schemeClr>
-              </a:solidFill>
-              <a:effectLst>
-                <a:reflection blurRad="6350" stA="55000" endA="300" endPos="45500" dir="5400000" sy="-100000" algn="bl" rotWithShape="0"/>
-              </a:effectLst>
-            </a:endParaRPr>
           </a:p>
         </p:txBody>
       </p:sp>
@@ -5378,7 +4878,7 @@
               <a:buNone/>
             </a:pPr>
             <a:r>
-              <a:rPr lang="en-US" sz="7600" b="1" spc="150" noProof="0" dirty="0" smtClean="0">
+              <a:rPr lang="en-US" sz="7600" b="1" spc="150" noProof="0" dirty="0">
                 <a:ln w="11430"/>
                 <a:solidFill>
                   <a:schemeClr val="tx1">
@@ -5449,10 +4949,9 @@
           <a:p>
             <a:pPr lvl="0"/>
             <a:r>
-              <a:rPr lang="en-US" dirty="0" smtClean="0"/>
+              <a:rPr lang="en-US" dirty="0"/>
               <a:t>Course web site URL</a:t>
             </a:r>
-            <a:endParaRPr lang="en-US" dirty="0"/>
           </a:p>
         </p:txBody>
       </p:sp>
@@ -5493,7 +4992,7 @@
               </a:lnSpc>
             </a:pPr>
             <a:r>
-              <a:rPr lang="en-US" sz="12000" b="1" dirty="0" smtClean="0">
+              <a:rPr lang="en-US" sz="12000" b="1" dirty="0">
                 <a:solidFill>
                   <a:srgbClr val="FFBF8B"/>
                 </a:solidFill>
@@ -5504,15 +5003,6 @@
               </a:rPr>
               <a:t>?</a:t>
             </a:r>
-            <a:endParaRPr lang="en-US" sz="12000" b="1" dirty="0">
-              <a:solidFill>
-                <a:srgbClr val="FFBF8B"/>
-              </a:solidFill>
-              <a:effectLst>
-                <a:reflection blurRad="6350" stA="55000" endA="300" endPos="45500" dir="5400000" sy="-100000" algn="bl" rotWithShape="0"/>
-              </a:effectLst>
-              <a:latin typeface="Cambria" pitchFamily="18" charset="0"/>
-            </a:endParaRPr>
           </a:p>
         </p:txBody>
       </p:sp>
@@ -5521,13 +5011,6 @@
   <p:clrMapOvr>
     <a:masterClrMapping/>
   </p:clrMapOvr>
-  <p:timing>
-    <p:tnLst>
-      <p:par>
-        <p:cTn id="1" dur="indefinite" restart="never" nodeType="tmRoot"/>
-      </p:par>
-    </p:tnLst>
-  </p:timing>
 </p:sldLayout>
 </file>
 
@@ -5793,13 +5276,6 @@
     <p:sldLayoutId id="2147483689" r:id="rId4"/>
     <p:sldLayoutId id="2147483703" r:id="rId5"/>
   </p:sldLayoutIdLst>
-  <p:timing>
-    <p:tnLst>
-      <p:par>
-        <p:cTn id="1" dur="indefinite" restart="never" nodeType="tmRoot"/>
-      </p:par>
-    </p:tnLst>
-  </p:timing>
   <p:hf hdr="0" ftr="0" dt="0"/>
   <p:txStyles>
     <p:titleStyle>
@@ -6497,7 +5973,6 @@
           <a:effectLst>
             <a:reflection blurRad="12700" stA="38000" endPos="28000" dist="5000" dir="5400000" sy="-100000" algn="bl" rotWithShape="0"/>
           </a:effectLst>
-          <a:extLst/>
         </p:spPr>
       </p:pic>
       <p:pic>
@@ -7203,16 +6678,15 @@
           </a:lstStyle>
           <a:p>
             <a:r>
-              <a:rPr lang="en-US" dirty="0" smtClean="0">
+              <a:rPr lang="en-US" dirty="0">
                 <a:hlinkClick r:id="rId13"/>
               </a:rPr>
               <a:t>http://academy.telerik.com</a:t>
             </a:r>
             <a:r>
-              <a:rPr lang="en-US" dirty="0" smtClean="0"/>
+              <a:rPr lang="en-US" dirty="0"/>
               <a:t> </a:t>
             </a:r>
-            <a:endParaRPr lang="en-US" dirty="0"/>
           </a:p>
         </p:txBody>
       </p:sp>
@@ -7477,10 +6951,9 @@
           </a:lstStyle>
           <a:p>
             <a:r>
-              <a:rPr lang="en-US" dirty="0" smtClean="0"/>
+              <a:rPr lang="en-US" dirty="0"/>
               <a:t>Web Services and Cloud</a:t>
             </a:r>
-            <a:endParaRPr lang="en-US" dirty="0"/>
           </a:p>
         </p:txBody>
       </p:sp>
@@ -7494,13 +6967,6 @@
   <p:clrMapOvr>
     <a:masterClrMapping/>
   </p:clrMapOvr>
-  <p:timing>
-    <p:tnLst>
-      <p:par>
-        <p:cTn id="1" dur="indefinite" restart="never" nodeType="tmRoot"/>
-      </p:par>
-    </p:tnLst>
-  </p:timing>
 </p:sld>
 </file>
 
@@ -7605,7 +7071,7 @@
           </a:p>
           <a:p>
             <a:r>
-              <a:rPr lang="en-US" dirty="0" smtClean="0">
+              <a:rPr lang="en-US" dirty="0">
                 <a:solidFill>
                   <a:schemeClr val="accent6">
                     <a:lumMod val="20000"/>
@@ -7616,18 +7082,9 @@
               <a:t>CORS</a:t>
             </a:r>
             <a:r>
-              <a:rPr lang="en-US" dirty="0" smtClean="0"/>
-              <a:t> (</a:t>
-            </a:r>
-            <a:r>
-              <a:rPr lang="en-US" dirty="0"/>
-              <a:t>Cross-origin resource </a:t>
-            </a:r>
-            <a:r>
-              <a:rPr lang="en-US" dirty="0" smtClean="0"/>
-              <a:t>sharing)</a:t>
-            </a:r>
-            <a:endParaRPr lang="en-US" dirty="0"/>
+              <a:rPr lang="en-US" dirty="0"/>
+              <a:t> (Cross-origin resource sharing)</a:t>
+            </a:r>
           </a:p>
           <a:p>
             <a:r>
@@ -7637,7 +7094,7 @@
           </a:p>
           <a:p>
             <a:r>
-              <a:rPr lang="en-US" dirty="0" smtClean="0">
+              <a:rPr lang="en-US" dirty="0">
                 <a:solidFill>
                   <a:schemeClr val="accent6">
                     <a:lumMod val="20000"/>
@@ -7648,28 +7105,19 @@
               <a:t>OWIN</a:t>
             </a:r>
             <a:r>
-              <a:rPr lang="en-US" dirty="0" smtClean="0"/>
-              <a:t> </a:t>
-            </a:r>
-            <a:r>
-              <a:rPr lang="en-US" dirty="0"/>
-              <a:t>support and integration </a:t>
-            </a:r>
-            <a:r>
-              <a:rPr lang="en-US" dirty="0" smtClean="0"/>
-              <a:t>(</a:t>
-            </a:r>
-            <a:r>
-              <a:rPr lang="en-US" dirty="0" smtClean="0">
+              <a:rPr lang="en-US" dirty="0"/>
+              <a:t> support and integration (</a:t>
+            </a:r>
+            <a:r>
+              <a:rPr lang="en-US" dirty="0">
                 <a:hlinkClick r:id="rId2"/>
               </a:rPr>
               <a:t>owin.org</a:t>
             </a:r>
             <a:r>
-              <a:rPr lang="en-US" dirty="0" smtClean="0"/>
+              <a:rPr lang="en-US" dirty="0"/>
               <a:t>)</a:t>
             </a:r>
-            <a:endParaRPr lang="en-US" dirty="0"/>
           </a:p>
         </p:txBody>
       </p:sp>
@@ -7712,18 +7160,11 @@
   <p:clrMapOvr>
     <a:masterClrMapping/>
   </p:clrMapOvr>
-  <p:timing>
-    <p:tnLst>
-      <p:par>
-        <p:cTn id="1" dur="indefinite" restart="never" nodeType="tmRoot"/>
-      </p:par>
-    </p:tnLst>
-  </p:timing>
 </p:sld>
 </file>
 
 <file path=ppt/slides/slide11.xml><?xml version="1.0" encoding="utf-8"?>
-<p:sld xmlns:a="http://schemas.openxmlformats.org/drawingml/2006/main" xmlns:r="http://schemas.openxmlformats.org/officeDocument/2006/relationships" xmlns:p="http://schemas.openxmlformats.org/presentationml/2006/main">
+<p:sld xmlns:a="http://schemas.openxmlformats.org/drawingml/2006/main" xmlns:r="http://schemas.openxmlformats.org/officeDocument/2006/relationships" xmlns:p="http://schemas.openxmlformats.org/presentationml/2006/main" show="0">
   <p:cSld>
     <p:spTree>
       <p:nvGrpSpPr>
@@ -7755,10 +7196,9 @@
           <a:lstStyle/>
           <a:p>
             <a:r>
-              <a:rPr lang="en-US" dirty="0" smtClean="0"/>
+              <a:rPr lang="en-US" dirty="0"/>
               <a:t>WCF vs. ASP.NET Web API</a:t>
             </a:r>
-            <a:endParaRPr lang="en-US" dirty="0"/>
           </a:p>
         </p:txBody>
       </p:sp>
@@ -7791,7 +7231,7 @@
               </a:spcAft>
             </a:pPr>
             <a:r>
-              <a:rPr lang="en-US" dirty="0" smtClean="0">
+              <a:rPr lang="en-US" dirty="0">
                 <a:solidFill>
                   <a:schemeClr val="accent6">
                     <a:lumMod val="20000"/>
@@ -7802,11 +7242,11 @@
               <a:t>WCF </a:t>
             </a:r>
             <a:r>
-              <a:rPr lang="en-US" dirty="0" smtClean="0"/>
+              <a:rPr lang="en-US" dirty="0"/>
               <a:t>is also a good framework for building </a:t>
             </a:r>
             <a:r>
-              <a:rPr lang="en-US" dirty="0" smtClean="0">
+              <a:rPr lang="en-US" dirty="0">
                 <a:solidFill>
                   <a:schemeClr val="accent6">
                     <a:lumMod val="20000"/>
@@ -7817,7 +7257,7 @@
               <a:t>HTTP</a:t>
             </a:r>
             <a:r>
-              <a:rPr lang="en-US" dirty="0" smtClean="0"/>
+              <a:rPr lang="en-US" dirty="0"/>
               <a:t> based services</a:t>
             </a:r>
           </a:p>
@@ -7903,13 +7343,6 @@
   <p:clrMapOvr>
     <a:masterClrMapping/>
   </p:clrMapOvr>
-  <p:timing>
-    <p:tnLst>
-      <p:par>
-        <p:cTn id="1" dur="indefinite" restart="never" nodeType="tmRoot"/>
-      </p:par>
-    </p:tnLst>
-  </p:timing>
 </p:sld>
 </file>
 
@@ -7951,10 +7384,9 @@
           <a:lstStyle/>
           <a:p>
             <a:r>
-              <a:rPr lang="en-US" dirty="0" smtClean="0"/>
+              <a:rPr lang="en-US" dirty="0"/>
               <a:t>Demo: Creating ASP.NET Web API Project</a:t>
             </a:r>
-            <a:endParaRPr lang="en-US" dirty="0"/>
           </a:p>
         </p:txBody>
       </p:sp>
@@ -8013,10 +7445,9 @@
           <a:lstStyle/>
           <a:p>
             <a:r>
-              <a:rPr lang="en-US" dirty="0" smtClean="0"/>
+              <a:rPr lang="en-US" dirty="0"/>
               <a:t>Default ASP.NET Web API project template</a:t>
             </a:r>
-            <a:endParaRPr lang="en-US" dirty="0"/>
           </a:p>
         </p:txBody>
       </p:sp>
@@ -8030,13 +7461,6 @@
   <p:clrMapOvr>
     <a:masterClrMapping/>
   </p:clrMapOvr>
-  <p:timing>
-    <p:tnLst>
-      <p:par>
-        <p:cTn id="1" dur="indefinite" restart="never" nodeType="tmRoot"/>
-      </p:par>
-    </p:tnLst>
-  </p:timing>
 </p:sld>
 </file>
 
@@ -8078,10 +7502,9 @@
           <a:lstStyle/>
           <a:p>
             <a:r>
-              <a:rPr lang="en-US" dirty="0" smtClean="0"/>
+              <a:rPr lang="en-US" dirty="0"/>
               <a:t>Web API Controllers</a:t>
             </a:r>
-            <a:endParaRPr lang="en-US" dirty="0"/>
           </a:p>
         </p:txBody>
       </p:sp>
@@ -8159,13 +7582,6 @@
   <p:clrMapOvr>
     <a:masterClrMapping/>
   </p:clrMapOvr>
-  <p:timing>
-    <p:tnLst>
-      <p:par>
-        <p:cTn id="1" dur="indefinite" restart="never" nodeType="tmRoot"/>
-      </p:par>
-    </p:tnLst>
-  </p:timing>
 </p:sld>
 </file>
 
@@ -8279,11 +7695,7 @@
             </a:r>
             <a:r>
               <a:rPr lang="en-US" dirty="0"/>
-              <a:t> </a:t>
-            </a:r>
-            <a:r>
-              <a:rPr lang="en-US" dirty="0" smtClean="0"/>
-              <a:t>requests</a:t>
+              <a:t> requests</a:t>
             </a:r>
           </a:p>
           <a:p>
@@ -8296,11 +7708,11 @@
               </a:spcAft>
             </a:pPr>
             <a:r>
-              <a:rPr lang="en-US" dirty="0" smtClean="0"/>
+              <a:rPr lang="en-US" dirty="0"/>
               <a:t>All API controllers derive from </a:t>
             </a:r>
             <a:r>
-              <a:rPr lang="en-US" dirty="0" err="1" smtClean="0">
+              <a:rPr lang="en-US" dirty="0" err="1">
                 <a:solidFill>
                   <a:schemeClr val="accent6">
                     <a:lumMod val="20000"/>
@@ -8310,7 +7722,7 @@
               </a:rPr>
               <a:t>ApiController</a:t>
             </a:r>
-            <a:endParaRPr lang="en-US" dirty="0" smtClean="0">
+            <a:endParaRPr lang="en-US" dirty="0">
               <a:solidFill>
                 <a:schemeClr val="accent6">
                   <a:lumMod val="20000"/>
@@ -8329,11 +7741,11 @@
               </a:spcAft>
             </a:pPr>
             <a:r>
-              <a:rPr lang="en-US" dirty="0" smtClean="0"/>
+              <a:rPr lang="en-US" dirty="0"/>
               <a:t>By default </a:t>
             </a:r>
             <a:r>
-              <a:rPr lang="en-US" dirty="0" smtClean="0">
+              <a:rPr lang="en-US" dirty="0">
                 <a:solidFill>
                   <a:schemeClr val="accent6">
                     <a:lumMod val="20000"/>
@@ -8344,11 +7756,11 @@
               <a:t>ASP.NET Web API </a:t>
             </a:r>
             <a:r>
-              <a:rPr lang="en-US" dirty="0" smtClean="0"/>
+              <a:rPr lang="en-US" dirty="0"/>
               <a:t>will map </a:t>
             </a:r>
             <a:r>
-              <a:rPr lang="en-US" dirty="0" smtClean="0">
+              <a:rPr lang="en-US" dirty="0">
                 <a:solidFill>
                   <a:schemeClr val="accent6">
                     <a:lumMod val="20000"/>
@@ -8359,10 +7771,9 @@
               <a:t>HTTP</a:t>
             </a:r>
             <a:r>
-              <a:rPr lang="en-US" dirty="0" smtClean="0"/>
+              <a:rPr lang="en-US" dirty="0"/>
               <a:t> requests to specific methods called actions</a:t>
             </a:r>
-            <a:endParaRPr lang="en-US" dirty="0"/>
           </a:p>
         </p:txBody>
       </p:sp>
@@ -8391,10 +7802,34 @@
                 <a:tableStyleId>{5C22544A-7EE6-4342-B048-85BDC9FD1C3A}</a:tableStyleId>
               </a:tblPr>
               <a:tblGrid>
-                <a:gridCol w="2133600"/>
-                <a:gridCol w="1600200"/>
-                <a:gridCol w="2057400"/>
-                <a:gridCol w="2362200"/>
+                <a:gridCol w="2133600">
+                  <a:extLst>
+                    <a:ext uri="{9D8B030D-6E8A-4147-A177-3AD203B41FA5}">
+                      <a16:colId xmlns:a16="http://schemas.microsoft.com/office/drawing/2014/main" val="20000"/>
+                    </a:ext>
+                  </a:extLst>
+                </a:gridCol>
+                <a:gridCol w="1600200">
+                  <a:extLst>
+                    <a:ext uri="{9D8B030D-6E8A-4147-A177-3AD203B41FA5}">
+                      <a16:colId xmlns:a16="http://schemas.microsoft.com/office/drawing/2014/main" val="20001"/>
+                    </a:ext>
+                  </a:extLst>
+                </a:gridCol>
+                <a:gridCol w="2057400">
+                  <a:extLst>
+                    <a:ext uri="{9D8B030D-6E8A-4147-A177-3AD203B41FA5}">
+                      <a16:colId xmlns:a16="http://schemas.microsoft.com/office/drawing/2014/main" val="20002"/>
+                    </a:ext>
+                  </a:extLst>
+                </a:gridCol>
+                <a:gridCol w="2362200">
+                  <a:extLst>
+                    <a:ext uri="{9D8B030D-6E8A-4147-A177-3AD203B41FA5}">
+                      <a16:colId xmlns:a16="http://schemas.microsoft.com/office/drawing/2014/main" val="20003"/>
+                    </a:ext>
+                  </a:extLst>
+                </a:gridCol>
               </a:tblGrid>
               <a:tr h="370840">
                 <a:tc>
@@ -8442,14 +7877,18 @@
                     <a:lstStyle/>
                     <a:p>
                       <a:r>
-                        <a:rPr lang="en-US" dirty="0" smtClean="0"/>
+                        <a:rPr lang="en-US" dirty="0"/>
                         <a:t>Method</a:t>
                       </a:r>
-                      <a:endParaRPr lang="en-US" dirty="0"/>
                     </a:p>
                   </a:txBody>
                   <a:tcPr anchor="ctr"/>
                 </a:tc>
+                <a:extLst>
+                  <a:ext uri="{0D108BD9-81ED-4DB2-BD59-A6C34878D82A}">
+                    <a16:rowId xmlns:a16="http://schemas.microsoft.com/office/drawing/2014/main" val="10000"/>
+                  </a:ext>
+                </a:extLst>
               </a:tr>
               <a:tr h="370840">
                 <a:tc>
@@ -8459,13 +7898,8 @@
                     <a:p>
                       <a:r>
                         <a:rPr lang="en-US" dirty="0"/>
-                        <a:t>Get a list of all </a:t>
+                        <a:t>Get a list of all posts</a:t>
                       </a:r>
-                      <a:r>
-                        <a:rPr lang="en-US" dirty="0" smtClean="0"/>
-                        <a:t>posts</a:t>
-                      </a:r>
-                      <a:endParaRPr lang="en-US" dirty="0"/>
                     </a:p>
                   </a:txBody>
                   <a:tcPr anchor="ctr"/>
@@ -8493,14 +7927,13 @@
                         <a:t>/</a:t>
                       </a:r>
                       <a:r>
-                        <a:rPr lang="en-US" dirty="0" err="1" smtClean="0"/>
+                        <a:rPr lang="en-US" dirty="0" err="1"/>
                         <a:t>api</a:t>
                       </a:r>
                       <a:r>
-                        <a:rPr lang="en-US" dirty="0" smtClean="0"/>
+                        <a:rPr lang="en-US" dirty="0"/>
                         <a:t>/posts</a:t>
                       </a:r>
-                      <a:endParaRPr lang="en-US" dirty="0"/>
                     </a:p>
                   </a:txBody>
                   <a:tcPr anchor="ctr"/>
@@ -8511,7 +7944,7 @@
                     <a:lstStyle/>
                     <a:p>
                       <a:r>
-                        <a:rPr lang="en-US" sz="1800" kern="1200" dirty="0" smtClean="0">
+                        <a:rPr lang="en-US" sz="1800" kern="1200" dirty="0">
                           <a:solidFill>
                             <a:schemeClr val="dk1"/>
                           </a:solidFill>
@@ -8526,6 +7959,11 @@
                   </a:txBody>
                   <a:tcPr anchor="ctr"/>
                 </a:tc>
+                <a:extLst>
+                  <a:ext uri="{0D108BD9-81ED-4DB2-BD59-A6C34878D82A}">
+                    <a16:rowId xmlns:a16="http://schemas.microsoft.com/office/drawing/2014/main" val="10001"/>
+                  </a:ext>
+                </a:extLst>
               </a:tr>
               <a:tr h="370840">
                 <a:tc>
@@ -8535,23 +7973,15 @@
                     <a:p>
                       <a:r>
                         <a:rPr lang="en-US" dirty="0"/>
-                        <a:t>Get a </a:t>
+                        <a:t>Get a post</a:t>
                       </a:r>
                       <a:r>
-                        <a:rPr lang="en-US" dirty="0" smtClean="0"/>
-                        <a:t>post</a:t>
-                      </a:r>
-                      <a:r>
-                        <a:rPr lang="en-US" baseline="0" dirty="0" smtClean="0"/>
+                        <a:rPr lang="en-US" baseline="0" dirty="0"/>
                         <a:t> </a:t>
                       </a:r>
                       <a:r>
-                        <a:rPr lang="en-US" dirty="0" smtClean="0"/>
-                        <a:t>by </a:t>
-                      </a:r>
-                      <a:r>
                         <a:rPr lang="en-US" dirty="0"/>
-                        <a:t>ID</a:t>
+                        <a:t>by ID</a:t>
                       </a:r>
                     </a:p>
                   </a:txBody>
@@ -8580,15 +8010,15 @@
                         <a:t>/</a:t>
                       </a:r>
                       <a:r>
-                        <a:rPr lang="en-US" dirty="0" err="1" smtClean="0"/>
+                        <a:rPr lang="en-US" dirty="0" err="1"/>
                         <a:t>api</a:t>
                       </a:r>
                       <a:r>
-                        <a:rPr lang="en-US" dirty="0" smtClean="0"/>
+                        <a:rPr lang="en-US" dirty="0"/>
                         <a:t>/posts/</a:t>
                       </a:r>
                       <a:r>
-                        <a:rPr lang="en-US" i="1" dirty="0" smtClean="0"/>
+                        <a:rPr lang="en-US" i="1" dirty="0"/>
                         <a:t>id</a:t>
                       </a:r>
                       <a:endParaRPr lang="en-US" dirty="0"/>
@@ -8602,7 +8032,7 @@
                     <a:lstStyle/>
                     <a:p>
                       <a:r>
-                        <a:rPr lang="en-US" sz="1800" kern="1200" dirty="0" smtClean="0">
+                        <a:rPr lang="en-US" sz="1800" kern="1200" dirty="0">
                           <a:solidFill>
                             <a:schemeClr val="dk1"/>
                           </a:solidFill>
@@ -8613,7 +8043,7 @@
                         <a:t>Get(</a:t>
                       </a:r>
                       <a:r>
-                        <a:rPr lang="en-US" sz="1800" kern="1200" dirty="0" err="1" smtClean="0">
+                        <a:rPr lang="en-US" sz="1800" kern="1200" dirty="0" err="1">
                           <a:solidFill>
                             <a:schemeClr val="dk1"/>
                           </a:solidFill>
@@ -8624,7 +8054,7 @@
                         <a:t>int</a:t>
                       </a:r>
                       <a:r>
-                        <a:rPr lang="en-US" sz="1800" kern="1200" dirty="0" smtClean="0">
+                        <a:rPr lang="en-US" sz="1800" kern="1200" dirty="0">
                           <a:solidFill>
                             <a:schemeClr val="dk1"/>
                           </a:solidFill>
@@ -8639,6 +8069,11 @@
                   </a:txBody>
                   <a:tcPr anchor="ctr"/>
                 </a:tc>
+                <a:extLst>
+                  <a:ext uri="{0D108BD9-81ED-4DB2-BD59-A6C34878D82A}">
+                    <a16:rowId xmlns:a16="http://schemas.microsoft.com/office/drawing/2014/main" val="10002"/>
+                  </a:ext>
+                </a:extLst>
               </a:tr>
               <a:tr h="370840">
                 <a:tc>
@@ -8648,13 +8083,8 @@
                     <a:p>
                       <a:r>
                         <a:rPr lang="en-US" dirty="0"/>
-                        <a:t>Create a new </a:t>
+                        <a:t>Create a new post</a:t>
                       </a:r>
-                      <a:r>
-                        <a:rPr lang="en-US" dirty="0" smtClean="0"/>
-                        <a:t>post</a:t>
-                      </a:r>
-                      <a:endParaRPr lang="en-US" dirty="0"/>
                     </a:p>
                   </a:txBody>
                   <a:tcPr anchor="ctr"/>
@@ -8682,14 +8112,13 @@
                         <a:t>/</a:t>
                       </a:r>
                       <a:r>
-                        <a:rPr lang="en-US" dirty="0" err="1" smtClean="0"/>
+                        <a:rPr lang="en-US" dirty="0" err="1"/>
                         <a:t>api</a:t>
                       </a:r>
                       <a:r>
-                        <a:rPr lang="en-US" dirty="0" smtClean="0"/>
+                        <a:rPr lang="en-US" dirty="0"/>
                         <a:t>/posts</a:t>
                       </a:r>
-                      <a:endParaRPr lang="en-US" dirty="0"/>
                     </a:p>
                   </a:txBody>
                   <a:tcPr anchor="ctr"/>
@@ -8700,7 +8129,7 @@
                     <a:lstStyle/>
                     <a:p>
                       <a:r>
-                        <a:rPr lang="en-US" sz="1800" kern="1200" dirty="0" smtClean="0">
+                        <a:rPr lang="en-US" sz="1800" kern="1200" dirty="0">
                           <a:solidFill>
                             <a:schemeClr val="dk1"/>
                           </a:solidFill>
@@ -8711,7 +8140,7 @@
                         <a:t>Post(</a:t>
                       </a:r>
                       <a:r>
-                        <a:rPr lang="en-US" sz="1800" kern="1200" dirty="0" err="1" smtClean="0">
+                        <a:rPr lang="en-US" sz="1800" kern="1200" dirty="0" err="1">
                           <a:solidFill>
                             <a:schemeClr val="dk1"/>
                           </a:solidFill>
@@ -8722,7 +8151,7 @@
                         <a:t>PostModel</a:t>
                       </a:r>
                       <a:r>
-                        <a:rPr lang="en-US" sz="1800" kern="1200" dirty="0" smtClean="0">
+                        <a:rPr lang="en-US" sz="1800" kern="1200" dirty="0">
                           <a:solidFill>
                             <a:schemeClr val="dk1"/>
                           </a:solidFill>
@@ -8737,6 +8166,11 @@
                   </a:txBody>
                   <a:tcPr anchor="ctr"/>
                 </a:tc>
+                <a:extLst>
+                  <a:ext uri="{0D108BD9-81ED-4DB2-BD59-A6C34878D82A}">
+                    <a16:rowId xmlns:a16="http://schemas.microsoft.com/office/drawing/2014/main" val="10003"/>
+                  </a:ext>
+                </a:extLst>
               </a:tr>
               <a:tr h="370840">
                 <a:tc>
@@ -8746,13 +8180,8 @@
                     <a:p>
                       <a:r>
                         <a:rPr lang="en-US" dirty="0"/>
-                        <a:t>Update a </a:t>
+                        <a:t>Update a post</a:t>
                       </a:r>
-                      <a:r>
-                        <a:rPr lang="en-US" dirty="0" smtClean="0"/>
-                        <a:t>post</a:t>
-                      </a:r>
-                      <a:endParaRPr lang="en-US" dirty="0"/>
                     </a:p>
                   </a:txBody>
                   <a:tcPr anchor="ctr"/>
@@ -8780,15 +8209,15 @@
                         <a:t>/</a:t>
                       </a:r>
                       <a:r>
-                        <a:rPr lang="en-US" dirty="0" err="1" smtClean="0"/>
+                        <a:rPr lang="en-US" dirty="0" err="1"/>
                         <a:t>api</a:t>
                       </a:r>
                       <a:r>
-                        <a:rPr lang="en-US" dirty="0" smtClean="0"/>
+                        <a:rPr lang="en-US" dirty="0"/>
                         <a:t>/posts/</a:t>
                       </a:r>
                       <a:r>
-                        <a:rPr lang="en-US" i="1" dirty="0" smtClean="0"/>
+                        <a:rPr lang="en-US" i="1" dirty="0"/>
                         <a:t>id</a:t>
                       </a:r>
                       <a:endParaRPr lang="en-US" dirty="0"/>
@@ -8802,7 +8231,7 @@
                     <a:lstStyle/>
                     <a:p>
                       <a:r>
-                        <a:rPr lang="en-US" sz="1800" kern="1200" dirty="0" smtClean="0">
+                        <a:rPr lang="en-US" sz="1800" kern="1200" dirty="0">
                           <a:solidFill>
                             <a:schemeClr val="dk1"/>
                           </a:solidFill>
@@ -8813,7 +8242,7 @@
                         <a:t>Put(</a:t>
                       </a:r>
                       <a:r>
-                        <a:rPr lang="en-US" sz="1800" kern="1200" dirty="0" err="1" smtClean="0">
+                        <a:rPr lang="en-US" sz="1800" kern="1200" dirty="0" err="1">
                           <a:solidFill>
                             <a:schemeClr val="dk1"/>
                           </a:solidFill>
@@ -8824,7 +8253,7 @@
                         <a:t>int</a:t>
                       </a:r>
                       <a:r>
-                        <a:rPr lang="en-US" sz="1800" kern="1200" dirty="0" smtClean="0">
+                        <a:rPr lang="en-US" sz="1800" kern="1200" dirty="0">
                           <a:solidFill>
                             <a:schemeClr val="dk1"/>
                           </a:solidFill>
@@ -8835,7 +8264,7 @@
                         <a:t> id, </a:t>
                       </a:r>
                       <a:r>
-                        <a:rPr lang="en-US" sz="1800" kern="1200" dirty="0" err="1" smtClean="0">
+                        <a:rPr lang="en-US" sz="1800" kern="1200" dirty="0" err="1">
                           <a:solidFill>
                             <a:schemeClr val="dk1"/>
                           </a:solidFill>
@@ -8846,7 +8275,7 @@
                         <a:t>PostModel</a:t>
                       </a:r>
                       <a:r>
-                        <a:rPr lang="en-US" sz="1800" kern="1200" dirty="0" smtClean="0">
+                        <a:rPr lang="en-US" sz="1800" kern="1200" dirty="0">
                           <a:solidFill>
                             <a:schemeClr val="dk1"/>
                           </a:solidFill>
@@ -8861,6 +8290,11 @@
                   </a:txBody>
                   <a:tcPr anchor="ctr"/>
                 </a:tc>
+                <a:extLst>
+                  <a:ext uri="{0D108BD9-81ED-4DB2-BD59-A6C34878D82A}">
+                    <a16:rowId xmlns:a16="http://schemas.microsoft.com/office/drawing/2014/main" val="10004"/>
+                  </a:ext>
+                </a:extLst>
               </a:tr>
               <a:tr h="370840">
                 <a:tc>
@@ -8870,13 +8304,8 @@
                     <a:p>
                       <a:r>
                         <a:rPr lang="en-US" dirty="0"/>
-                        <a:t>Delete a </a:t>
+                        <a:t>Delete a post</a:t>
                       </a:r>
-                      <a:r>
-                        <a:rPr lang="en-US" dirty="0" smtClean="0"/>
-                        <a:t>post</a:t>
-                      </a:r>
-                      <a:endParaRPr lang="en-US" dirty="0"/>
                     </a:p>
                   </a:txBody>
                   <a:tcPr anchor="ctr"/>
@@ -8904,15 +8333,15 @@
                         <a:t>/</a:t>
                       </a:r>
                       <a:r>
-                        <a:rPr lang="en-US" dirty="0" err="1" smtClean="0"/>
+                        <a:rPr lang="en-US" dirty="0" err="1"/>
                         <a:t>api</a:t>
                       </a:r>
                       <a:r>
-                        <a:rPr lang="en-US" dirty="0" smtClean="0"/>
+                        <a:rPr lang="en-US" dirty="0"/>
                         <a:t>/posts/</a:t>
                       </a:r>
                       <a:r>
-                        <a:rPr lang="en-US" i="1" dirty="0" smtClean="0"/>
+                        <a:rPr lang="en-US" i="1" dirty="0"/>
                         <a:t>id</a:t>
                       </a:r>
                       <a:endParaRPr lang="en-US" dirty="0"/>
@@ -8926,22 +8355,26 @@
                     <a:lstStyle/>
                     <a:p>
                       <a:r>
-                        <a:rPr lang="en-US" dirty="0" smtClean="0"/>
+                        <a:rPr lang="en-US" dirty="0"/>
                         <a:t>Delete(</a:t>
                       </a:r>
                       <a:r>
-                        <a:rPr lang="en-US" dirty="0" err="1" smtClean="0"/>
+                        <a:rPr lang="en-US" dirty="0" err="1"/>
                         <a:t>int</a:t>
                       </a:r>
                       <a:r>
-                        <a:rPr lang="en-US" dirty="0" smtClean="0"/>
+                        <a:rPr lang="en-US" dirty="0"/>
                         <a:t> id)</a:t>
                       </a:r>
-                      <a:endParaRPr lang="en-US" dirty="0"/>
                     </a:p>
                   </a:txBody>
                   <a:tcPr anchor="ctr"/>
                 </a:tc>
+                <a:extLst>
+                  <a:ext uri="{0D108BD9-81ED-4DB2-BD59-A6C34878D82A}">
+                    <a16:rowId xmlns:a16="http://schemas.microsoft.com/office/drawing/2014/main" val="10005"/>
+                  </a:ext>
+                </a:extLst>
               </a:tr>
               <a:tr h="370840">
                 <a:tc>
@@ -8951,23 +8384,15 @@
                     <a:p>
                       <a:r>
                         <a:rPr lang="en-US" dirty="0"/>
-                        <a:t>Get a </a:t>
+                        <a:t>Get a post</a:t>
                       </a:r>
                       <a:r>
-                        <a:rPr lang="en-US" dirty="0" smtClean="0"/>
-                        <a:t>post</a:t>
-                      </a:r>
-                      <a:r>
-                        <a:rPr lang="en-US" baseline="0" dirty="0" smtClean="0"/>
+                        <a:rPr lang="en-US" baseline="0" dirty="0"/>
                         <a:t> </a:t>
                       </a:r>
                       <a:r>
-                        <a:rPr lang="en-US" dirty="0" smtClean="0"/>
-                        <a:t>by </a:t>
-                      </a:r>
-                      <a:r>
                         <a:rPr lang="en-US" dirty="0"/>
-                        <a:t>category</a:t>
+                        <a:t>by category</a:t>
                       </a:r>
                     </a:p>
                   </a:txBody>
@@ -8996,23 +8421,23 @@
                         <a:t>/</a:t>
                       </a:r>
                       <a:r>
-                        <a:rPr lang="en-US" dirty="0" err="1" smtClean="0"/>
+                        <a:rPr lang="en-US" dirty="0" err="1"/>
                         <a:t>api</a:t>
                       </a:r>
                       <a:r>
-                        <a:rPr lang="en-US" dirty="0" smtClean="0"/>
+                        <a:rPr lang="en-US" dirty="0"/>
                         <a:t>/</a:t>
                       </a:r>
                       <a:r>
-                        <a:rPr lang="en-US" dirty="0" err="1" smtClean="0"/>
+                        <a:rPr lang="en-US" dirty="0" err="1"/>
                         <a:t>posts?category</a:t>
                       </a:r>
                       <a:r>
-                        <a:rPr lang="en-US" dirty="0" smtClean="0"/>
+                        <a:rPr lang="en-US" dirty="0"/>
                         <a:t>=</a:t>
                       </a:r>
                       <a:r>
-                        <a:rPr lang="en-US" i="1" dirty="0" smtClean="0"/>
+                        <a:rPr lang="en-US" i="1" dirty="0"/>
                         <a:t>category</a:t>
                       </a:r>
                       <a:endParaRPr lang="en-US" dirty="0"/>
@@ -9026,7 +8451,7 @@
                     <a:lstStyle/>
                     <a:p>
                       <a:r>
-                        <a:rPr lang="en-US" sz="1800" kern="1200" dirty="0" smtClean="0">
+                        <a:rPr lang="en-US" sz="1800" kern="1200" dirty="0">
                           <a:solidFill>
                             <a:schemeClr val="dk1"/>
                           </a:solidFill>
@@ -9041,6 +8466,11 @@
                   </a:txBody>
                   <a:tcPr anchor="ctr"/>
                 </a:tc>
+                <a:extLst>
+                  <a:ext uri="{0D108BD9-81ED-4DB2-BD59-A6C34878D82A}">
+                    <a16:rowId xmlns:a16="http://schemas.microsoft.com/office/drawing/2014/main" val="10006"/>
+                  </a:ext>
+                </a:extLst>
               </a:tr>
             </a:tbl>
           </a:graphicData>
@@ -9085,13 +8515,6 @@
   <p:clrMapOvr>
     <a:masterClrMapping/>
   </p:clrMapOvr>
-  <p:timing>
-    <p:tnLst>
-      <p:par>
-        <p:cTn id="1" dur="indefinite" restart="never" nodeType="tmRoot"/>
-      </p:par>
-    </p:tnLst>
-  </p:timing>
 </p:sld>
 </file>
 
@@ -9128,10 +8551,9 @@
           <a:lstStyle/>
           <a:p>
             <a:r>
-              <a:rPr lang="en-US" dirty="0" smtClean="0"/>
+              <a:rPr lang="en-US" dirty="0"/>
               <a:t>Web API Default Behavior</a:t>
             </a:r>
-            <a:endParaRPr lang="en-US" dirty="0"/>
           </a:p>
         </p:txBody>
       </p:sp>
@@ -9199,10 +8621,9 @@
           <a:p>
             <a:pPr algn="ctr"/>
             <a:r>
-              <a:rPr lang="en-US" dirty="0" smtClean="0"/>
+              <a:rPr lang="en-US" dirty="0"/>
               <a:t>Web Request</a:t>
             </a:r>
-            <a:endParaRPr lang="en-US" dirty="0"/>
           </a:p>
         </p:txBody>
       </p:sp>
@@ -9241,10 +8662,9 @@
           <a:p>
             <a:pPr algn="ctr"/>
             <a:r>
-              <a:rPr lang="en-US" dirty="0" smtClean="0"/>
+              <a:rPr lang="en-US" dirty="0"/>
               <a:t>Match a Route</a:t>
             </a:r>
-            <a:endParaRPr lang="en-US" dirty="0"/>
           </a:p>
         </p:txBody>
       </p:sp>
@@ -9283,10 +8703,9 @@
           <a:p>
             <a:pPr algn="ctr"/>
             <a:r>
-              <a:rPr lang="en-US" dirty="0" smtClean="0"/>
+              <a:rPr lang="en-US" dirty="0"/>
               <a:t>API Controller Responds</a:t>
             </a:r>
-            <a:endParaRPr lang="en-US" dirty="0"/>
           </a:p>
         </p:txBody>
       </p:sp>
@@ -9344,7 +8763,7 @@
               <a:buNone/>
             </a:pPr>
             <a:r>
-              <a:rPr lang="en-US" sz="2000" b="1" noProof="1" smtClean="0">
+              <a:rPr lang="en-US" sz="2000" b="1" noProof="1">
                 <a:solidFill>
                   <a:srgbClr val="8CF4F2"/>
                 </a:solidFill>
@@ -9656,7 +9075,7 @@
               <a:buNone/>
             </a:pPr>
             <a:r>
-              <a:rPr lang="en-US" sz="2000" noProof="1" smtClean="0">
+              <a:rPr lang="en-US" sz="2000" noProof="1">
                 <a:solidFill>
                   <a:srgbClr val="8CF4F2"/>
                 </a:solidFill>
@@ -9678,7 +9097,7 @@
               <a:buNone/>
             </a:pPr>
             <a:r>
-              <a:rPr lang="en-US" sz="2000" noProof="1" smtClean="0">
+              <a:rPr lang="en-US" sz="2000" noProof="1">
                 <a:solidFill>
                   <a:srgbClr val="8CF4F2"/>
                 </a:solidFill>
@@ -9707,17 +9126,7 @@
                 <a:latin typeface="Consolas" pitchFamily="49" charset="0"/>
                 <a:cs typeface="Consolas" pitchFamily="49" charset="0"/>
               </a:rPr>
-              <a:t> </a:t>
-            </a:r>
-            <a:r>
-              <a:rPr lang="en-US" sz="2000" noProof="1" smtClean="0">
-                <a:solidFill>
-                  <a:srgbClr val="8CF4F2"/>
-                </a:solidFill>
-                <a:latin typeface="Consolas" pitchFamily="49" charset="0"/>
-                <a:cs typeface="Consolas" pitchFamily="49" charset="0"/>
-              </a:rPr>
-              <a:t>   public string Get()</a:t>
+              <a:t>    public string Get()</a:t>
             </a:r>
           </a:p>
           <a:p>
@@ -9739,17 +9148,7 @@
                 <a:latin typeface="Consolas" pitchFamily="49" charset="0"/>
                 <a:cs typeface="Consolas" pitchFamily="49" charset="0"/>
               </a:rPr>
-              <a:t> </a:t>
-            </a:r>
-            <a:r>
-              <a:rPr lang="en-US" sz="2000" noProof="1" smtClean="0">
-                <a:solidFill>
-                  <a:srgbClr val="8CF4F2"/>
-                </a:solidFill>
-                <a:latin typeface="Consolas" pitchFamily="49" charset="0"/>
-                <a:cs typeface="Consolas" pitchFamily="49" charset="0"/>
-              </a:rPr>
-              <a:t>   {</a:t>
+              <a:t>    {</a:t>
             </a:r>
           </a:p>
           <a:p>
@@ -9771,20 +9170,10 @@
                 <a:latin typeface="Consolas" pitchFamily="49" charset="0"/>
                 <a:cs typeface="Consolas" pitchFamily="49" charset="0"/>
               </a:rPr>
-              <a:t> </a:t>
-            </a:r>
-            <a:r>
-              <a:rPr lang="en-US" sz="2000" noProof="1" smtClean="0">
-                <a:solidFill>
-                  <a:srgbClr val="8CF4F2"/>
-                </a:solidFill>
-                <a:latin typeface="Consolas" pitchFamily="49" charset="0"/>
-                <a:cs typeface="Consolas" pitchFamily="49" charset="0"/>
-              </a:rPr>
-              <a:t>       return "Some data";</a:t>
+              <a:t>        return "Some data";</a:t>
             </a:r>
             <a:br>
-              <a:rPr lang="en-US" sz="2000" noProof="1" smtClean="0">
+              <a:rPr lang="en-US" sz="2000" noProof="1">
                 <a:solidFill>
                   <a:srgbClr val="8CF4F2"/>
                 </a:solidFill>
@@ -9793,7 +9182,7 @@
               </a:rPr>
             </a:br>
             <a:r>
-              <a:rPr lang="en-US" sz="2000" noProof="1" smtClean="0">
+              <a:rPr lang="en-US" sz="2000" noProof="1">
                 <a:solidFill>
                   <a:srgbClr val="8CF4F2"/>
                 </a:solidFill>
@@ -9824,13 +9213,6 @@
               </a:rPr>
               <a:t>}</a:t>
             </a:r>
-            <a:endParaRPr lang="en-US" sz="2000" noProof="1" smtClean="0">
-              <a:solidFill>
-                <a:srgbClr val="8CF4F2"/>
-              </a:solidFill>
-              <a:latin typeface="Consolas" pitchFamily="49" charset="0"/>
-              <a:cs typeface="Consolas" pitchFamily="49" charset="0"/>
-            </a:endParaRPr>
           </a:p>
         </p:txBody>
       </p:sp>
@@ -9983,10 +9365,9 @@
           <a:p>
             <a:pPr algn="ctr"/>
             <a:r>
-              <a:rPr lang="en-US" dirty="0" smtClean="0"/>
+              <a:rPr lang="en-US" dirty="0"/>
               <a:t>HTTP GET Request</a:t>
             </a:r>
-            <a:endParaRPr lang="en-US" dirty="0"/>
           </a:p>
         </p:txBody>
       </p:sp>
@@ -10025,10 +9406,9 @@
           <a:p>
             <a:pPr algn="ctr"/>
             <a:r>
-              <a:rPr lang="en-US" dirty="0" smtClean="0"/>
+              <a:rPr lang="en-US" dirty="0"/>
               <a:t>1</a:t>
             </a:r>
-            <a:endParaRPr lang="en-US" dirty="0"/>
           </a:p>
         </p:txBody>
       </p:sp>
@@ -10067,10 +9447,9 @@
           <a:p>
             <a:pPr algn="ctr"/>
             <a:r>
-              <a:rPr lang="en-US" dirty="0" smtClean="0"/>
+              <a:rPr lang="en-US" dirty="0"/>
               <a:t>2</a:t>
             </a:r>
-            <a:endParaRPr lang="en-US" dirty="0"/>
           </a:p>
         </p:txBody>
       </p:sp>
@@ -10109,10 +9488,9 @@
           <a:p>
             <a:pPr algn="ctr"/>
             <a:r>
-              <a:rPr lang="en-US" dirty="0" smtClean="0"/>
+              <a:rPr lang="en-US" dirty="0"/>
               <a:t>3</a:t>
             </a:r>
-            <a:endParaRPr lang="en-US" dirty="0"/>
           </a:p>
         </p:txBody>
       </p:sp>
@@ -10189,10 +9567,9 @@
           <a:p>
             <a:pPr algn="ctr"/>
             <a:r>
-              <a:rPr lang="en-US" dirty="0" smtClean="0"/>
+              <a:rPr lang="en-US" dirty="0"/>
               <a:t>Controller Name</a:t>
             </a:r>
-            <a:endParaRPr lang="en-US" dirty="0"/>
           </a:p>
         </p:txBody>
       </p:sp>
@@ -10987,10 +10364,9 @@
           <a:lstStyle/>
           <a:p>
             <a:r>
-              <a:rPr lang="en-US" dirty="0" smtClean="0"/>
+              <a:rPr lang="en-US" dirty="0"/>
               <a:t>Routing</a:t>
             </a:r>
-            <a:endParaRPr lang="en-US" dirty="0"/>
           </a:p>
         </p:txBody>
       </p:sp>
@@ -11014,7 +10390,7 @@
               <a:t>Routing is how </a:t>
             </a:r>
             <a:r>
-              <a:rPr lang="en-US" dirty="0" smtClean="0">
+              <a:rPr lang="en-US" dirty="0">
                 <a:solidFill>
                   <a:schemeClr val="accent6">
                     <a:lumMod val="20000"/>
@@ -11025,11 +10401,11 @@
               <a:t>ASP.NET Web API </a:t>
             </a:r>
             <a:r>
-              <a:rPr lang="en-US" dirty="0" smtClean="0"/>
+              <a:rPr lang="en-US" dirty="0"/>
               <a:t>matches a </a:t>
             </a:r>
             <a:r>
-              <a:rPr lang="en-US" dirty="0" smtClean="0">
+              <a:rPr lang="en-US" dirty="0">
                 <a:solidFill>
                   <a:schemeClr val="accent6">
                     <a:lumMod val="20000"/>
@@ -11040,29 +10416,17 @@
               <a:t>URI</a:t>
             </a:r>
             <a:r>
-              <a:rPr lang="en-US" dirty="0" smtClean="0"/>
-              <a:t> to a controller and an </a:t>
-            </a:r>
-            <a:r>
-              <a:rPr lang="en-US" dirty="0"/>
-              <a:t>action</a:t>
-            </a:r>
-          </a:p>
-          <a:p>
-            <a:r>
-              <a:rPr lang="en-US" dirty="0" smtClean="0"/>
-              <a:t>Web </a:t>
-            </a:r>
-            <a:r>
-              <a:rPr lang="en-US" dirty="0"/>
-              <a:t>APIs support the full set of routing capabilities </a:t>
-            </a:r>
-            <a:r>
-              <a:rPr lang="en-US" dirty="0" smtClean="0"/>
-              <a:t>from </a:t>
-            </a:r>
-            <a:r>
-              <a:rPr lang="en-US" dirty="0" smtClean="0">
+              <a:rPr lang="en-US" dirty="0"/>
+              <a:t> to a controller and an action</a:t>
+            </a:r>
+          </a:p>
+          <a:p>
+            <a:r>
+              <a:rPr lang="en-US" dirty="0"/>
+              <a:t>Web APIs support the full set of routing capabilities from </a:t>
+            </a:r>
+            <a:r>
+              <a:rPr lang="en-US" dirty="0">
                 <a:solidFill>
                   <a:schemeClr val="accent6">
                     <a:lumMod val="20000"/>
@@ -11076,39 +10440,35 @@
           <a:p>
             <a:pPr lvl="1"/>
             <a:r>
-              <a:rPr lang="en-US" dirty="0" smtClean="0"/>
+              <a:rPr lang="en-US" dirty="0"/>
               <a:t>Route parameters</a:t>
             </a:r>
           </a:p>
           <a:p>
             <a:pPr lvl="1"/>
             <a:r>
-              <a:rPr lang="en-US" dirty="0" smtClean="0"/>
+              <a:rPr lang="en-US" dirty="0"/>
               <a:t>Constraints (using regular expressions)</a:t>
             </a:r>
           </a:p>
           <a:p>
             <a:pPr lvl="1"/>
             <a:r>
-              <a:rPr lang="en-US" dirty="0" smtClean="0"/>
+              <a:rPr lang="en-US" dirty="0"/>
               <a:t>Extensible with own conventions</a:t>
             </a:r>
           </a:p>
           <a:p>
             <a:pPr lvl="1"/>
             <a:r>
-              <a:rPr lang="en-US" dirty="0" smtClean="0">
+              <a:rPr lang="en-US" dirty="0">
                 <a:hlinkClick r:id="rId2"/>
               </a:rPr>
               <a:t>Attribute routing</a:t>
             </a:r>
             <a:r>
               <a:rPr lang="en-US" dirty="0"/>
-              <a:t> </a:t>
-            </a:r>
-            <a:r>
-              <a:rPr lang="en-US" dirty="0" smtClean="0"/>
-              <a:t>is available in version 2</a:t>
+              <a:t> is available in version 2</a:t>
             </a:r>
           </a:p>
         </p:txBody>
@@ -11152,13 +10512,6 @@
   <p:clrMapOvr>
     <a:masterClrMapping/>
   </p:clrMapOvr>
-  <p:timing>
-    <p:tnLst>
-      <p:par>
-        <p:cTn id="1" dur="indefinite" restart="never" nodeType="tmRoot"/>
-      </p:par>
-    </p:tnLst>
-  </p:timing>
 </p:sld>
 </file>
 
@@ -11195,10 +10548,9 @@
           <a:lstStyle/>
           <a:p>
             <a:r>
-              <a:rPr lang="en-US" dirty="0" smtClean="0"/>
+              <a:rPr lang="en-US" dirty="0"/>
               <a:t>Default Route</a:t>
             </a:r>
-            <a:endParaRPr lang="en-US" dirty="0"/>
           </a:p>
         </p:txBody>
       </p:sp>
@@ -11230,22 +10582,14 @@
             </a:r>
             <a:r>
               <a:rPr lang="en-US" dirty="0"/>
-              <a:t>also provides smart conventions by </a:t>
-            </a:r>
-            <a:r>
-              <a:rPr lang="en-US" dirty="0" smtClean="0"/>
-              <a:t>default</a:t>
+              <a:t>also provides smart conventions by default</a:t>
             </a:r>
           </a:p>
           <a:p>
             <a:pPr lvl="1"/>
             <a:r>
-              <a:rPr lang="en-US" dirty="0" smtClean="0"/>
-              <a:t>We can create </a:t>
-            </a:r>
-            <a:r>
-              <a:rPr lang="en-US" dirty="0"/>
-              <a:t>classes that implement </a:t>
+              <a:rPr lang="en-US" dirty="0"/>
+              <a:t>We can create classes that implement </a:t>
             </a:r>
             <a:r>
               <a:rPr lang="en-US" dirty="0">
@@ -11259,14 +10603,14 @@
               <a:t>Web APIs </a:t>
             </a:r>
             <a:r>
-              <a:rPr lang="en-US" dirty="0" smtClean="0"/>
+              <a:rPr lang="en-US" dirty="0"/>
               <a:t>without having to explicitly write code</a:t>
             </a:r>
           </a:p>
           <a:p>
             <a:pPr lvl="1"/>
             <a:r>
-              <a:rPr lang="en-US" dirty="0" smtClean="0">
+              <a:rPr lang="en-US" dirty="0">
                 <a:solidFill>
                   <a:schemeClr val="accent6">
                     <a:lumMod val="20000"/>
@@ -11277,10 +10621,9 @@
               <a:t>HTTP Verb </a:t>
             </a:r>
             <a:r>
-              <a:rPr lang="en-US" dirty="0" smtClean="0"/>
+              <a:rPr lang="en-US" dirty="0"/>
               <a:t>is mapped to an action name</a:t>
             </a:r>
-            <a:endParaRPr lang="en-US" dirty="0"/>
           </a:p>
         </p:txBody>
       </p:sp>
@@ -11606,7 +10949,7 @@
               <a:buNone/>
             </a:pPr>
             <a:r>
-              <a:rPr lang="en-US" sz="2000" noProof="1" smtClean="0">
+              <a:rPr lang="en-US" sz="2000" noProof="1">
                 <a:solidFill>
                   <a:srgbClr val="8CF4F2"/>
                 </a:solidFill>
@@ -11635,17 +10978,7 @@
                 <a:latin typeface="Consolas" pitchFamily="49" charset="0"/>
                 <a:cs typeface="Consolas" pitchFamily="49" charset="0"/>
               </a:rPr>
-              <a:t> </a:t>
-            </a:r>
-            <a:r>
-              <a:rPr lang="en-US" sz="2000" noProof="1" smtClean="0">
-                <a:solidFill>
-                  <a:srgbClr val="8CF4F2"/>
-                </a:solidFill>
-                <a:latin typeface="Consolas" pitchFamily="49" charset="0"/>
-                <a:cs typeface="Consolas" pitchFamily="49" charset="0"/>
-              </a:rPr>
-              <a:t>   routeTemplate: "api/{controller}/{id}",</a:t>
+              <a:t>    routeTemplate: "api/{controller}/{id}",</a:t>
             </a:r>
           </a:p>
           <a:p>
@@ -11667,17 +11000,7 @@
                 <a:latin typeface="Consolas" pitchFamily="49" charset="0"/>
                 <a:cs typeface="Consolas" pitchFamily="49" charset="0"/>
               </a:rPr>
-              <a:t> </a:t>
-            </a:r>
-            <a:r>
-              <a:rPr lang="en-US" sz="2000" noProof="1" smtClean="0">
-                <a:solidFill>
-                  <a:srgbClr val="8CF4F2"/>
-                </a:solidFill>
-                <a:latin typeface="Consolas" pitchFamily="49" charset="0"/>
-                <a:cs typeface="Consolas" pitchFamily="49" charset="0"/>
-              </a:rPr>
-              <a:t>   defaults: new { id = RoutesParameter.Optional });</a:t>
+              <a:t>    defaults: new { id = RoutesParameter.Optional });</a:t>
             </a:r>
           </a:p>
         </p:txBody>
@@ -11972,7 +11295,7 @@
               <a:buNone/>
             </a:pPr>
             <a:r>
-              <a:rPr lang="en-US" sz="2000" noProof="1" smtClean="0">
+              <a:rPr lang="en-US" sz="2000" noProof="1">
                 <a:solidFill>
                   <a:srgbClr val="8CF4F2"/>
                 </a:solidFill>
@@ -12403,10 +11726,9 @@
           <a:lstStyle/>
           <a:p>
             <a:r>
-              <a:rPr lang="en-US" dirty="0" smtClean="0"/>
+              <a:rPr lang="en-US" dirty="0"/>
               <a:t>Model Binding &amp; Formatters</a:t>
             </a:r>
-            <a:endParaRPr lang="en-US" dirty="0"/>
           </a:p>
         </p:txBody>
       </p:sp>
@@ -12439,11 +11761,11 @@
               </a:spcAft>
             </a:pPr>
             <a:r>
-              <a:rPr lang="en-US" dirty="0" smtClean="0"/>
+              <a:rPr lang="en-US" dirty="0"/>
               <a:t>By default the </a:t>
             </a:r>
             <a:r>
-              <a:rPr lang="en-US" dirty="0" smtClean="0">
+              <a:rPr lang="en-US" dirty="0">
                 <a:solidFill>
                   <a:schemeClr val="accent6">
                     <a:lumMod val="20000"/>
@@ -12454,11 +11776,11 @@
               <a:t>Web API </a:t>
             </a:r>
             <a:r>
-              <a:rPr lang="en-US" dirty="0" smtClean="0"/>
+              <a:rPr lang="en-US" dirty="0"/>
               <a:t>will bind incoming data to </a:t>
             </a:r>
             <a:r>
-              <a:rPr lang="en-US" dirty="0" smtClean="0">
+              <a:rPr lang="en-US" dirty="0">
                 <a:solidFill>
                   <a:schemeClr val="accent6">
                     <a:lumMod val="20000"/>
@@ -12469,7 +11791,7 @@
               <a:t>POCO (CLR) </a:t>
             </a:r>
             <a:r>
-              <a:rPr lang="en-US" dirty="0" smtClean="0"/>
+              <a:rPr lang="en-US" dirty="0"/>
               <a:t>types</a:t>
             </a:r>
           </a:p>
@@ -12483,7 +11805,7 @@
               </a:spcAft>
             </a:pPr>
             <a:r>
-              <a:rPr lang="en-US" dirty="0" smtClean="0"/>
+              <a:rPr lang="en-US" dirty="0"/>
               <a:t>Will look in body, header and query string</a:t>
             </a:r>
           </a:p>
@@ -12497,7 +11819,7 @@
               </a:spcAft>
             </a:pPr>
             <a:r>
-              <a:rPr lang="en-US" dirty="0" smtClean="0"/>
+              <a:rPr lang="en-US" dirty="0"/>
               <a:t>ASP.NET MVC has similar model binder</a:t>
             </a:r>
           </a:p>
@@ -12511,7 +11833,7 @@
               </a:spcAft>
             </a:pPr>
             <a:r>
-              <a:rPr lang="en-US" dirty="0" err="1" smtClean="0">
+              <a:rPr lang="en-US" dirty="0" err="1">
                 <a:solidFill>
                   <a:schemeClr val="accent6">
                     <a:lumMod val="20000"/>
@@ -12522,7 +11844,7 @@
               <a:t>MediaTypeFormatters</a:t>
             </a:r>
             <a:r>
-              <a:rPr lang="en-US" dirty="0" smtClean="0">
+              <a:rPr lang="en-US" dirty="0">
                 <a:solidFill>
                   <a:schemeClr val="accent6">
                     <a:lumMod val="20000"/>
@@ -12533,7 +11855,7 @@
               <a:t> </a:t>
             </a:r>
             <a:r>
-              <a:rPr lang="en-US" dirty="0" smtClean="0"/>
+              <a:rPr lang="en-US" dirty="0"/>
               <a:t>are used to bind both input and output</a:t>
             </a:r>
           </a:p>
@@ -12547,7 +11869,7 @@
               </a:spcAft>
             </a:pPr>
             <a:r>
-              <a:rPr lang="en-US" dirty="0" smtClean="0"/>
+              <a:rPr lang="en-US" dirty="0"/>
               <a:t>Mapped to content types</a:t>
             </a:r>
           </a:p>
@@ -12561,7 +11883,7 @@
               </a:spcAft>
             </a:pPr>
             <a:r>
-              <a:rPr lang="en-US" dirty="0" smtClean="0"/>
+              <a:rPr lang="en-US" dirty="0"/>
               <a:t>Validation attributes can also be used</a:t>
             </a:r>
           </a:p>
@@ -12575,11 +11897,11 @@
               </a:spcAft>
             </a:pPr>
             <a:r>
-              <a:rPr lang="en-US" dirty="0" smtClean="0"/>
+              <a:rPr lang="en-US" dirty="0"/>
               <a:t>To go down further into the HTTP (set headers, etc.) we can use </a:t>
             </a:r>
             <a:r>
-              <a:rPr lang="en-US" dirty="0" err="1" smtClean="0">
+              <a:rPr lang="en-US" dirty="0" err="1">
                 <a:solidFill>
                   <a:schemeClr val="accent6">
                     <a:lumMod val="20000"/>
@@ -12590,7 +11912,7 @@
               <a:t>HttpRequestMessage</a:t>
             </a:r>
             <a:r>
-              <a:rPr lang="en-US" dirty="0" smtClean="0">
+              <a:rPr lang="en-US" dirty="0">
                 <a:solidFill>
                   <a:schemeClr val="accent6">
                     <a:lumMod val="20000"/>
@@ -12601,11 +11923,11 @@
               <a:t> </a:t>
             </a:r>
             <a:r>
-              <a:rPr lang="en-US" dirty="0" smtClean="0"/>
+              <a:rPr lang="en-US" dirty="0"/>
               <a:t>and </a:t>
             </a:r>
             <a:r>
-              <a:rPr lang="en-US" dirty="0" err="1" smtClean="0">
+              <a:rPr lang="en-US" dirty="0" err="1">
                 <a:solidFill>
                   <a:schemeClr val="accent6">
                     <a:lumMod val="20000"/>
@@ -12665,13 +11987,6 @@
   <p:clrMapOvr>
     <a:masterClrMapping/>
   </p:clrMapOvr>
-  <p:timing>
-    <p:tnLst>
-      <p:par>
-        <p:cTn id="1" dur="indefinite" restart="never" nodeType="tmRoot"/>
-      </p:par>
-    </p:tnLst>
-  </p:timing>
 </p:sld>
 </file>
 
@@ -12713,10 +12028,9 @@
           <a:lstStyle/>
           <a:p>
             <a:r>
-              <a:rPr lang="en-US" dirty="0" smtClean="0"/>
+              <a:rPr lang="en-US" dirty="0"/>
               <a:t>Demo: Create API Controller</a:t>
             </a:r>
-            <a:endParaRPr lang="en-US" dirty="0"/>
           </a:p>
         </p:txBody>
       </p:sp>
@@ -12767,13 +12081,6 @@
   <p:clrMapOvr>
     <a:masterClrMapping/>
   </p:clrMapOvr>
-  <p:timing>
-    <p:tnLst>
-      <p:par>
-        <p:cTn id="1" dur="indefinite" restart="never" nodeType="tmRoot"/>
-      </p:par>
-    </p:tnLst>
-  </p:timing>
 </p:sld>
 </file>
 
@@ -12810,10 +12117,9 @@
           <a:lstStyle/>
           <a:p>
             <a:r>
-              <a:rPr lang="en-US" dirty="0" smtClean="0"/>
+              <a:rPr lang="en-US" dirty="0"/>
               <a:t>Table of Contents</a:t>
             </a:r>
-            <a:endParaRPr lang="en-US" dirty="0"/>
           </a:p>
         </p:txBody>
       </p:sp>
@@ -12838,7 +12144,7 @@
           <a:lstStyle/>
           <a:p>
             <a:r>
-              <a:rPr lang="en-US" dirty="0" smtClean="0"/>
+              <a:rPr lang="en-US" dirty="0"/>
               <a:t>What is ASP.NET Web API?</a:t>
             </a:r>
           </a:p>
@@ -12846,74 +12152,53 @@
             <a:pPr lvl="1"/>
             <a:r>
               <a:rPr lang="en-US" dirty="0"/>
-              <a:t>Web API </a:t>
-            </a:r>
-            <a:r>
-              <a:rPr lang="en-US" dirty="0" smtClean="0"/>
-              <a:t>Features</a:t>
+              <a:t>Web API Features</a:t>
             </a:r>
           </a:p>
           <a:p>
             <a:pPr lvl="1"/>
             <a:r>
-              <a:rPr lang="en-US" dirty="0" smtClean="0"/>
+              <a:rPr lang="en-US" dirty="0"/>
               <a:t>Demo: Default Project Template</a:t>
             </a:r>
           </a:p>
           <a:p>
             <a:r>
-              <a:rPr lang="en-US" dirty="0" smtClean="0"/>
-              <a:t>Web </a:t>
-            </a:r>
-            <a:r>
-              <a:rPr lang="en-US" dirty="0"/>
-              <a:t>API </a:t>
-            </a:r>
-            <a:r>
-              <a:rPr lang="en-US" dirty="0" smtClean="0"/>
-              <a:t>Controllers</a:t>
+              <a:rPr lang="en-US" dirty="0"/>
+              <a:t>Web API Controllers</a:t>
             </a:r>
           </a:p>
           <a:p>
             <a:pPr lvl="1"/>
             <a:r>
-              <a:rPr lang="en-US" dirty="0" smtClean="0"/>
+              <a:rPr lang="en-US" dirty="0"/>
               <a:t>Routes</a:t>
             </a:r>
           </a:p>
           <a:p>
             <a:pPr lvl="1"/>
             <a:r>
-              <a:rPr lang="en-US" dirty="0" smtClean="0"/>
+              <a:rPr lang="en-US" dirty="0"/>
               <a:t>Demo: Create API Controller</a:t>
             </a:r>
           </a:p>
           <a:p>
             <a:pPr lvl="1"/>
             <a:r>
-              <a:rPr lang="en-US" dirty="0" smtClean="0"/>
+              <a:rPr lang="en-US" dirty="0"/>
               <a:t>OData queries</a:t>
             </a:r>
-            <a:endParaRPr lang="en-US" dirty="0"/>
-          </a:p>
-          <a:p>
-            <a:r>
-              <a:rPr lang="en-US" dirty="0" smtClean="0"/>
-              <a:t>Web </a:t>
-            </a:r>
-            <a:r>
-              <a:rPr lang="en-US" dirty="0"/>
-              <a:t>API </a:t>
-            </a:r>
-            <a:r>
-              <a:rPr lang="en-US" dirty="0" smtClean="0"/>
-              <a:t>Clients</a:t>
+          </a:p>
+          <a:p>
+            <a:r>
+              <a:rPr lang="en-US" dirty="0"/>
+              <a:t>Web API Clients</a:t>
             </a:r>
           </a:p>
           <a:p>
             <a:pPr lvl="1"/>
             <a:r>
-              <a:rPr lang="en-US" dirty="0" smtClean="0"/>
+              <a:rPr lang="en-US" dirty="0"/>
               <a:t>Demo: Consuming Web API</a:t>
             </a:r>
           </a:p>
@@ -13045,21 +12330,6 @@
   <p:clrMapOvr>
     <a:masterClrMapping/>
   </p:clrMapOvr>
-  <mc:AlternateContent xmlns:mc="http://schemas.openxmlformats.org/markup-compatibility/2006" xmlns:p14="http://schemas.microsoft.com/office/powerpoint/2010/main">
-    <mc:Choice Requires="p14">
-      <p:transition spd="slow" p14:dur="2000"/>
-    </mc:Choice>
-    <mc:Fallback xmlns="">
-      <p:transition spd="slow"/>
-    </mc:Fallback>
-  </mc:AlternateContent>
-  <p:timing>
-    <p:tnLst>
-      <p:par>
-        <p:cTn id="1" dur="indefinite" restart="never" nodeType="tmRoot"/>
-      </p:par>
-    </p:tnLst>
-  </p:timing>
 </p:sld>
 </file>
 
@@ -13096,10 +12366,9 @@
           <a:lstStyle/>
           <a:p>
             <a:r>
-              <a:rPr lang="en-US" dirty="0" smtClean="0"/>
+              <a:rPr lang="en-US" dirty="0"/>
               <a:t>Return Different HTTP Code</a:t>
             </a:r>
-            <a:endParaRPr lang="en-US" dirty="0"/>
           </a:p>
         </p:txBody>
       </p:sp>
@@ -13124,16 +12393,15 @@
           <a:lstStyle/>
           <a:p>
             <a:r>
-              <a:rPr lang="en-US" dirty="0" smtClean="0"/>
+              <a:rPr lang="en-US" dirty="0"/>
               <a:t>By default when everything is OK, we return HTTP status code 200</a:t>
             </a:r>
           </a:p>
           <a:p>
             <a:r>
-              <a:rPr lang="en-US" dirty="0" smtClean="0"/>
+              <a:rPr lang="en-US" dirty="0"/>
               <a:t>Sometimes we need to return error</a:t>
             </a:r>
-            <a:endParaRPr lang="en-US" dirty="0"/>
           </a:p>
         </p:txBody>
       </p:sp>
@@ -13462,7 +12730,7 @@
               <a:buNone/>
             </a:pPr>
             <a:r>
-              <a:rPr lang="en-US" sz="2000" noProof="1" smtClean="0">
+              <a:rPr lang="en-US" sz="2000" noProof="1">
                 <a:solidFill>
                   <a:srgbClr val="8CF4F2"/>
                 </a:solidFill>
@@ -13487,7 +12755,7 @@
               <a:buNone/>
             </a:pPr>
             <a:r>
-              <a:rPr lang="en-US" sz="2000" noProof="1" smtClean="0">
+              <a:rPr lang="en-US" sz="2000" noProof="1">
                 <a:solidFill>
                   <a:srgbClr val="8CF4F2"/>
                 </a:solidFill>
@@ -13512,7 +12780,7 @@
               <a:buNone/>
             </a:pPr>
             <a:r>
-              <a:rPr lang="en-US" sz="2000" noProof="1" smtClean="0">
+              <a:rPr lang="en-US" sz="2000" noProof="1">
                 <a:solidFill>
                   <a:srgbClr val="8CF4F2"/>
                 </a:solidFill>
@@ -13544,17 +12812,7 @@
                 <a:latin typeface="Consolas" pitchFamily="49" charset="0"/>
                 <a:cs typeface="Consolas" pitchFamily="49" charset="0"/>
               </a:rPr>
-              <a:t> </a:t>
-            </a:r>
-            <a:r>
-              <a:rPr lang="en-US" sz="2000" noProof="1" smtClean="0">
-                <a:solidFill>
-                  <a:srgbClr val="8CF4F2"/>
-                </a:solidFill>
-                <a:latin typeface="Consolas" pitchFamily="49" charset="0"/>
-                <a:cs typeface="Consolas" pitchFamily="49" charset="0"/>
-              </a:rPr>
-              <a:t>  {</a:t>
+              <a:t>   {</a:t>
             </a:r>
           </a:p>
           <a:p>
@@ -13579,20 +12837,10 @@
                 <a:latin typeface="Consolas" pitchFamily="49" charset="0"/>
                 <a:cs typeface="Consolas" pitchFamily="49" charset="0"/>
               </a:rPr>
-              <a:t> </a:t>
-            </a:r>
-            <a:r>
-              <a:rPr lang="en-US" sz="2000" noProof="1" smtClean="0">
-                <a:solidFill>
-                  <a:srgbClr val="8CF4F2"/>
-                </a:solidFill>
-                <a:latin typeface="Consolas" pitchFamily="49" charset="0"/>
-                <a:cs typeface="Consolas" pitchFamily="49" charset="0"/>
-              </a:rPr>
-              <a:t>     return Request.CreateResponse(</a:t>
+              <a:t>      return Request.CreateResponse(</a:t>
             </a:r>
             <a:br>
-              <a:rPr lang="en-US" sz="2000" noProof="1" smtClean="0">
+              <a:rPr lang="en-US" sz="2000" noProof="1">
                 <a:solidFill>
                   <a:srgbClr val="8CF4F2"/>
                 </a:solidFill>
@@ -13601,7 +12849,7 @@
               </a:rPr>
             </a:br>
             <a:r>
-              <a:rPr lang="en-US" sz="2000" noProof="1" smtClean="0">
+              <a:rPr lang="en-US" sz="2000" noProof="1">
                 <a:solidFill>
                   <a:srgbClr val="8CF4F2"/>
                 </a:solidFill>
@@ -13611,7 +12859,7 @@
               <a:t>         </a:t>
             </a:r>
             <a:r>
-              <a:rPr lang="en-US" sz="2000" noProof="1" smtClean="0">
+              <a:rPr lang="en-US" sz="2000" noProof="1">
                 <a:solidFill>
                   <a:schemeClr val="tx2">
                     <a:lumMod val="75000"/>
@@ -13623,7 +12871,7 @@
               <a:t>HttpStatusCode.OK</a:t>
             </a:r>
             <a:r>
-              <a:rPr lang="en-US" sz="2000" noProof="1" smtClean="0">
+              <a:rPr lang="en-US" sz="2000" noProof="1">
                 <a:solidFill>
                   <a:srgbClr val="8CF4F2"/>
                 </a:solidFill>
@@ -13655,20 +12903,10 @@
                 <a:latin typeface="Consolas" pitchFamily="49" charset="0"/>
                 <a:cs typeface="Consolas" pitchFamily="49" charset="0"/>
               </a:rPr>
-              <a:t> </a:t>
-            </a:r>
-            <a:r>
-              <a:rPr lang="en-US" sz="2000" noProof="1" smtClean="0">
-                <a:solidFill>
-                  <a:srgbClr val="8CF4F2"/>
-                </a:solidFill>
-                <a:latin typeface="Consolas" pitchFamily="49" charset="0"/>
-                <a:cs typeface="Consolas" pitchFamily="49" charset="0"/>
-              </a:rPr>
-              <a:t>  }</a:t>
+              <a:t>   }</a:t>
             </a:r>
             <a:br>
-              <a:rPr lang="en-US" sz="2000" noProof="1" smtClean="0">
+              <a:rPr lang="en-US" sz="2000" noProof="1">
                 <a:solidFill>
                   <a:srgbClr val="8CF4F2"/>
                 </a:solidFill>
@@ -13677,7 +12915,7 @@
               </a:rPr>
             </a:br>
             <a:r>
-              <a:rPr lang="en-US" sz="2000" noProof="1" smtClean="0">
+              <a:rPr lang="en-US" sz="2000" noProof="1">
                 <a:solidFill>
                   <a:srgbClr val="8CF4F2"/>
                 </a:solidFill>
@@ -13702,7 +12940,7 @@
               <a:buNone/>
             </a:pPr>
             <a:r>
-              <a:rPr lang="en-US" sz="2000" noProof="1" smtClean="0">
+              <a:rPr lang="en-US" sz="2000" noProof="1">
                 <a:solidFill>
                   <a:srgbClr val="8CF4F2"/>
                 </a:solidFill>
@@ -13727,7 +12965,7 @@
               <a:buNone/>
             </a:pPr>
             <a:r>
-              <a:rPr lang="en-US" sz="2000" noProof="1" smtClean="0">
+              <a:rPr lang="en-US" sz="2000" noProof="1">
                 <a:solidFill>
                   <a:srgbClr val="8CF4F2"/>
                 </a:solidFill>
@@ -13737,7 +12975,7 @@
               <a:t>      return Request.CreateErrorResponse(</a:t>
             </a:r>
             <a:br>
-              <a:rPr lang="en-US" sz="2000" noProof="1" smtClean="0">
+              <a:rPr lang="en-US" sz="2000" noProof="1">
                 <a:solidFill>
                   <a:srgbClr val="8CF4F2"/>
                 </a:solidFill>
@@ -13746,7 +12984,7 @@
               </a:rPr>
             </a:br>
             <a:r>
-              <a:rPr lang="en-US" sz="2000" noProof="1" smtClean="0">
+              <a:rPr lang="en-US" sz="2000" noProof="1">
                 <a:solidFill>
                   <a:srgbClr val="8CF4F2"/>
                 </a:solidFill>
@@ -13756,7 +12994,7 @@
               <a:t>         </a:t>
             </a:r>
             <a:r>
-              <a:rPr lang="en-US" sz="2000" noProof="1" smtClean="0">
+              <a:rPr lang="en-US" sz="2000" noProof="1">
                 <a:solidFill>
                   <a:schemeClr val="accent3">
                     <a:lumMod val="75000"/>
@@ -13768,7 +13006,7 @@
               <a:t>HttpStatusCode.NotFound</a:t>
             </a:r>
             <a:r>
-              <a:rPr lang="en-US" sz="2000" noProof="1" smtClean="0">
+              <a:rPr lang="en-US" sz="2000" noProof="1">
                 <a:solidFill>
                   <a:srgbClr val="8CF4F2"/>
                 </a:solidFill>
@@ -13800,20 +13038,10 @@
                 <a:latin typeface="Consolas" pitchFamily="49" charset="0"/>
                 <a:cs typeface="Consolas" pitchFamily="49" charset="0"/>
               </a:rPr>
-              <a:t> </a:t>
-            </a:r>
-            <a:r>
-              <a:rPr lang="en-US" sz="2000" noProof="1" smtClean="0">
-                <a:solidFill>
-                  <a:srgbClr val="8CF4F2"/>
-                </a:solidFill>
-                <a:latin typeface="Consolas" pitchFamily="49" charset="0"/>
-                <a:cs typeface="Consolas" pitchFamily="49" charset="0"/>
-              </a:rPr>
-              <a:t>  }</a:t>
+              <a:t>   }</a:t>
             </a:r>
             <a:br>
-              <a:rPr lang="en-US" sz="2000" noProof="1" smtClean="0">
+              <a:rPr lang="en-US" sz="2000" noProof="1">
                 <a:solidFill>
                   <a:srgbClr val="8CF4F2"/>
                 </a:solidFill>
@@ -13822,7 +13050,7 @@
               </a:rPr>
             </a:br>
             <a:r>
-              <a:rPr lang="en-US" sz="2000" noProof="1" smtClean="0">
+              <a:rPr lang="en-US" sz="2000" noProof="1">
                 <a:solidFill>
                   <a:srgbClr val="8CF4F2"/>
                 </a:solidFill>
@@ -13966,10 +13194,9 @@
           <a:lstStyle/>
           <a:p>
             <a:r>
-              <a:rPr lang="en-US" dirty="0" smtClean="0"/>
+              <a:rPr lang="en-US" dirty="0"/>
               <a:t>OData Query Syntax</a:t>
             </a:r>
-            <a:endParaRPr lang="en-US" dirty="0"/>
           </a:p>
         </p:txBody>
       </p:sp>
@@ -13989,7 +13216,7 @@
           <a:lstStyle/>
           <a:p>
             <a:r>
-              <a:rPr lang="en-US" dirty="0" smtClean="0">
+              <a:rPr lang="en-US" dirty="0">
                 <a:solidFill>
                   <a:schemeClr val="accent6">
                     <a:lumMod val="20000"/>
@@ -14000,21 +13227,21 @@
               <a:t>OData</a:t>
             </a:r>
             <a:r>
-              <a:rPr lang="en-US" dirty="0" smtClean="0"/>
+              <a:rPr lang="en-US" dirty="0"/>
               <a:t> (</a:t>
             </a:r>
             <a:r>
-              <a:rPr lang="en-US" dirty="0" smtClean="0">
+              <a:rPr lang="en-US" dirty="0">
                 <a:hlinkClick r:id="rId2"/>
               </a:rPr>
               <a:t>http://odata.org</a:t>
             </a:r>
             <a:r>
-              <a:rPr lang="en-US" dirty="0" smtClean="0"/>
+              <a:rPr lang="en-US" dirty="0"/>
               <a:t>) is a open specification written by </a:t>
             </a:r>
             <a:r>
-              <a:rPr lang="en-US" dirty="0" smtClean="0">
+              <a:rPr lang="en-US" dirty="0">
                 <a:solidFill>
                   <a:schemeClr val="accent6">
                     <a:lumMod val="20000"/>
@@ -14028,17 +13255,17 @@
           <a:p>
             <a:pPr lvl="1"/>
             <a:r>
-              <a:rPr lang="en-US" dirty="0" smtClean="0"/>
+              <a:rPr lang="en-US" dirty="0"/>
               <a:t>Provide a standard query syntax on resources</a:t>
             </a:r>
           </a:p>
           <a:p>
             <a:r>
-              <a:rPr lang="en-US" dirty="0" smtClean="0"/>
+              <a:rPr lang="en-US" dirty="0"/>
               <a:t>Implemented by </a:t>
             </a:r>
             <a:r>
-              <a:rPr lang="en-US" dirty="0" smtClean="0">
+              <a:rPr lang="en-US" dirty="0">
                 <a:solidFill>
                   <a:schemeClr val="accent6">
                     <a:lumMod val="20000"/>
@@ -14051,7 +13278,7 @@
           </a:p>
           <a:p>
             <a:r>
-              <a:rPr lang="en-US" dirty="0" smtClean="0">
+              <a:rPr lang="en-US" dirty="0">
                 <a:solidFill>
                   <a:schemeClr val="accent6">
                     <a:lumMod val="20000"/>
@@ -14062,18 +13289,18 @@
               <a:t>ASP.NET Web API </a:t>
             </a:r>
             <a:r>
-              <a:rPr lang="en-US" dirty="0" smtClean="0"/>
+              <a:rPr lang="en-US" dirty="0"/>
               <a:t>includes automatic support for this syntax</a:t>
             </a:r>
           </a:p>
           <a:p>
             <a:pPr lvl="1"/>
             <a:r>
-              <a:rPr lang="en-US" dirty="0" smtClean="0"/>
+              <a:rPr lang="en-US" dirty="0"/>
               <a:t>Return </a:t>
             </a:r>
             <a:r>
-              <a:rPr lang="en-US" dirty="0" err="1" smtClean="0">
+              <a:rPr lang="en-US" dirty="0" err="1">
                 <a:solidFill>
                   <a:schemeClr val="accent6">
                     <a:lumMod val="20000"/>
@@ -14084,7 +13311,7 @@
               <a:t>IQueryable</a:t>
             </a:r>
             <a:r>
-              <a:rPr lang="en-US" dirty="0" smtClean="0">
+              <a:rPr lang="en-US" dirty="0">
                 <a:solidFill>
                   <a:schemeClr val="accent6">
                     <a:lumMod val="20000"/>
@@ -14095,11 +13322,11 @@
               <a:t>&lt;T&gt;</a:t>
             </a:r>
             <a:r>
-              <a:rPr lang="en-US" dirty="0" smtClean="0"/>
+              <a:rPr lang="en-US" dirty="0"/>
               <a:t> instead of </a:t>
             </a:r>
             <a:r>
-              <a:rPr lang="en-US" dirty="0" err="1" smtClean="0">
+              <a:rPr lang="en-US" dirty="0" err="1">
                 <a:solidFill>
                   <a:schemeClr val="accent6">
                     <a:lumMod val="20000"/>
@@ -14110,7 +13337,7 @@
               <a:t>IEnumerable</a:t>
             </a:r>
             <a:r>
-              <a:rPr lang="en-US" dirty="0" smtClean="0">
+              <a:rPr lang="en-US" dirty="0">
                 <a:solidFill>
                   <a:schemeClr val="accent6">
                     <a:lumMod val="20000"/>
@@ -14162,13 +13389,6 @@
   <p:clrMapOvr>
     <a:masterClrMapping/>
   </p:clrMapOvr>
-  <p:timing>
-    <p:tnLst>
-      <p:par>
-        <p:cTn id="1" dur="indefinite" restart="never" nodeType="tmRoot"/>
-      </p:par>
-    </p:tnLst>
-  </p:timing>
 </p:sld>
 </file>
 
@@ -14227,11 +13447,11 @@
           <a:lstStyle/>
           <a:p>
             <a:r>
-              <a:rPr lang="en-US" dirty="0" smtClean="0"/>
+              <a:rPr lang="en-US" dirty="0"/>
               <a:t>To enable </a:t>
             </a:r>
             <a:r>
-              <a:rPr lang="en-US" dirty="0" smtClean="0">
+              <a:rPr lang="en-US" dirty="0">
                 <a:hlinkClick r:id="rId2"/>
               </a:rPr>
               <a:t>OData queries </a:t>
@@ -14263,17 +13483,17 @@
               <a:t>();</a:t>
             </a:r>
             <a:r>
-              <a:rPr lang="en-US" dirty="0" smtClean="0"/>
+              <a:rPr lang="en-US" dirty="0"/>
               <a:t>" line</a:t>
             </a:r>
           </a:p>
           <a:p>
             <a:r>
-              <a:rPr lang="en-US" dirty="0" smtClean="0"/>
+              <a:rPr lang="en-US" dirty="0"/>
               <a:t>Then we can make </a:t>
             </a:r>
             <a:r>
-              <a:rPr lang="en-US" dirty="0" smtClean="0">
+              <a:rPr lang="en-US" dirty="0">
                 <a:solidFill>
                   <a:schemeClr val="accent6">
                     <a:lumMod val="20000"/>
@@ -14284,12 +13504,8 @@
               <a:t>OData</a:t>
             </a:r>
             <a:r>
-              <a:rPr lang="en-US" dirty="0" smtClean="0"/>
-              <a:t> queries like</a:t>
-            </a:r>
-            <a:r>
-              <a:rPr lang="en-US" dirty="0"/>
-              <a:t>: "</a:t>
+              <a:rPr lang="en-US" dirty="0"/>
+              <a:t> queries like: "</a:t>
             </a:r>
             <a:r>
               <a:rPr lang="en-US" dirty="0">
@@ -14300,35 +13516,12 @@
                   </a:schemeClr>
                 </a:solidFill>
               </a:rPr>
-              <a:t>http://</a:t>
-            </a:r>
-            <a:r>
-              <a:rPr lang="en-US" dirty="0" smtClean="0">
-                <a:solidFill>
-                  <a:schemeClr val="accent5">
-                    <a:lumMod val="20000"/>
-                    <a:lumOff val="80000"/>
-                  </a:schemeClr>
-                </a:solidFill>
-              </a:rPr>
-              <a:t>localhost/Posts?$</a:t>
-            </a:r>
-            <a:r>
-              <a:rPr lang="en-US" dirty="0">
-                <a:solidFill>
-                  <a:schemeClr val="accent5">
-                    <a:lumMod val="20000"/>
-                    <a:lumOff val="80000"/>
-                  </a:schemeClr>
-                </a:solidFill>
-              </a:rPr>
-              <a:t>top=2&amp;$skip=2</a:t>
-            </a:r>
-            <a:r>
-              <a:rPr lang="en-US" dirty="0" smtClean="0"/>
+              <a:t>http://localhost/Posts?$top=2&amp;$skip=2</a:t>
+            </a:r>
+            <a:r>
+              <a:rPr lang="en-US" dirty="0"/>
               <a:t>"</a:t>
             </a:r>
-            <a:endParaRPr lang="en-US" dirty="0"/>
           </a:p>
         </p:txBody>
       </p:sp>
@@ -14386,8 +13579,20 @@
                 <a:tableStyleId>{D7AC3CCA-C797-4891-BE02-D94E43425B78}</a:tableStyleId>
               </a:tblPr>
               <a:tblGrid>
-                <a:gridCol w="1676400"/>
-                <a:gridCol w="5235600"/>
+                <a:gridCol w="1676400">
+                  <a:extLst>
+                    <a:ext uri="{9D8B030D-6E8A-4147-A177-3AD203B41FA5}">
+                      <a16:colId xmlns:a16="http://schemas.microsoft.com/office/drawing/2014/main" val="20000"/>
+                    </a:ext>
+                  </a:extLst>
+                </a:gridCol>
+                <a:gridCol w="5235600">
+                  <a:extLst>
+                    <a:ext uri="{9D8B030D-6E8A-4147-A177-3AD203B41FA5}">
+                      <a16:colId xmlns:a16="http://schemas.microsoft.com/office/drawing/2014/main" val="20001"/>
+                    </a:ext>
+                  </a:extLst>
+                </a:gridCol>
               </a:tblGrid>
               <a:tr h="415966">
                 <a:tc>
@@ -14434,6 +13639,11 @@
                   </a:txBody>
                   <a:tcPr marL="146307" marR="146307" marT="86063" marB="86063" anchor="ctr"/>
                 </a:tc>
+                <a:extLst>
+                  <a:ext uri="{0D108BD9-81ED-4DB2-BD59-A6C34878D82A}">
+                    <a16:rowId xmlns:a16="http://schemas.microsoft.com/office/drawing/2014/main" val="10000"/>
+                  </a:ext>
+                </a:extLst>
               </a:tr>
               <a:tr h="0">
                 <a:tc>
@@ -14468,6 +13678,11 @@
                   </a:txBody>
                   <a:tcPr marL="146307" marR="146307" marT="120488" marB="120488" anchor="ctr"/>
                 </a:tc>
+                <a:extLst>
+                  <a:ext uri="{0D108BD9-81ED-4DB2-BD59-A6C34878D82A}">
+                    <a16:rowId xmlns:a16="http://schemas.microsoft.com/office/drawing/2014/main" val="10001"/>
+                  </a:ext>
+                </a:extLst>
               </a:tr>
               <a:tr h="0">
                 <a:tc>
@@ -14511,6 +13726,11 @@
                   </a:txBody>
                   <a:tcPr marL="146307" marR="146307" marT="120488" marB="120488" anchor="ctr"/>
                 </a:tc>
+                <a:extLst>
+                  <a:ext uri="{0D108BD9-81ED-4DB2-BD59-A6C34878D82A}">
+                    <a16:rowId xmlns:a16="http://schemas.microsoft.com/office/drawing/2014/main" val="10002"/>
+                  </a:ext>
+                </a:extLst>
               </a:tr>
               <a:tr h="0">
                 <a:tc>
@@ -14545,6 +13765,11 @@
                   </a:txBody>
                   <a:tcPr marL="146307" marR="146307" marT="120488" marB="120488" anchor="ctr"/>
                 </a:tc>
+                <a:extLst>
+                  <a:ext uri="{0D108BD9-81ED-4DB2-BD59-A6C34878D82A}">
+                    <a16:rowId xmlns:a16="http://schemas.microsoft.com/office/drawing/2014/main" val="10003"/>
+                  </a:ext>
+                </a:extLst>
               </a:tr>
               <a:tr h="0">
                 <a:tc>
@@ -14579,6 +13804,11 @@
                   </a:txBody>
                   <a:tcPr marL="146307" marR="146307" marT="120488" marB="120488" anchor="ctr"/>
                 </a:tc>
+                <a:extLst>
+                  <a:ext uri="{0D108BD9-81ED-4DB2-BD59-A6C34878D82A}">
+                    <a16:rowId xmlns:a16="http://schemas.microsoft.com/office/drawing/2014/main" val="10004"/>
+                  </a:ext>
+                </a:extLst>
               </a:tr>
               <a:tr h="0">
                 <a:tc>
@@ -14613,6 +13843,11 @@
                   </a:txBody>
                   <a:tcPr marL="146307" marR="146307" marT="120488" marB="120488" anchor="ctr"/>
                 </a:tc>
+                <a:extLst>
+                  <a:ext uri="{0D108BD9-81ED-4DB2-BD59-A6C34878D82A}">
+                    <a16:rowId xmlns:a16="http://schemas.microsoft.com/office/drawing/2014/main" val="10005"/>
+                  </a:ext>
+                </a:extLst>
               </a:tr>
             </a:tbl>
           </a:graphicData>
@@ -14628,13 +13863,6 @@
   <p:clrMapOvr>
     <a:masterClrMapping/>
   </p:clrMapOvr>
-  <p:timing>
-    <p:tnLst>
-      <p:par>
-        <p:cTn id="1" dur="indefinite" restart="never" nodeType="tmRoot"/>
-      </p:par>
-    </p:tnLst>
-  </p:timing>
 </p:sld>
 </file>
 
@@ -14677,13 +13905,8 @@
           <a:p>
             <a:r>
               <a:rPr lang="en-US" dirty="0"/>
-              <a:t>Web API </a:t>
-            </a:r>
-            <a:r>
-              <a:rPr lang="en-US" dirty="0" smtClean="0"/>
-              <a:t>Clients</a:t>
-            </a:r>
-            <a:endParaRPr lang="en-US" dirty="0"/>
+              <a:t>Web API Clients</a:t>
+            </a:r>
           </a:p>
         </p:txBody>
       </p:sp>
@@ -14742,7 +13965,6 @@
               <a:srgbClr val="C0C0C0"/>
             </a:contourClr>
           </a:sp3d>
-          <a:extLst/>
         </p:spPr>
       </p:pic>
     </p:spTree>
@@ -14755,13 +13977,6 @@
   <p:clrMapOvr>
     <a:masterClrMapping/>
   </p:clrMapOvr>
-  <p:timing>
-    <p:tnLst>
-      <p:par>
-        <p:cTn id="1" dur="indefinite" restart="never" nodeType="tmRoot"/>
-      </p:par>
-    </p:tnLst>
-  </p:timing>
 </p:sld>
 </file>
 
@@ -14798,14 +14013,13 @@
           <a:lstStyle/>
           <a:p>
             <a:r>
-              <a:rPr lang="en-US" dirty="0" err="1" smtClean="0"/>
+              <a:rPr lang="en-US" dirty="0" err="1"/>
               <a:t>HttpClient</a:t>
             </a:r>
             <a:r>
-              <a:rPr lang="en-US" dirty="0" smtClean="0"/>
+              <a:rPr lang="en-US" dirty="0"/>
               <a:t> Model</a:t>
             </a:r>
-            <a:endParaRPr lang="en-US" dirty="0"/>
           </a:p>
         </p:txBody>
       </p:sp>
@@ -14874,10 +14088,17 @@
                   </a:schemeClr>
                 </a:solidFill>
               </a:rPr>
-              <a:t>.</a:t>
-            </a:r>
-            <a:r>
-              <a:rPr lang="en-US" dirty="0" smtClean="0">
+              <a:t>.NET</a:t>
+            </a:r>
+          </a:p>
+          <a:p>
+            <a:pPr lvl="1"/>
+            <a:r>
+              <a:rPr lang="en-US" dirty="0"/>
+              <a:t>Flexible and extensible </a:t>
+            </a:r>
+            <a:r>
+              <a:rPr lang="en-US" dirty="0">
                 <a:solidFill>
                   <a:schemeClr val="accent6">
                     <a:lumMod val="20000"/>
@@ -14885,18 +14106,11 @@
                   </a:schemeClr>
                 </a:solidFill>
               </a:rPr>
-              <a:t>NET</a:t>
-            </a:r>
-          </a:p>
-          <a:p>
-            <a:pPr lvl="1"/>
-            <a:r>
-              <a:rPr lang="en-US" dirty="0" smtClean="0"/>
-              <a:t>Flexible </a:t>
-            </a:r>
-            <a:r>
-              <a:rPr lang="en-US" dirty="0"/>
-              <a:t>and extensible </a:t>
+              <a:t>API</a:t>
+            </a:r>
+            <a:r>
+              <a:rPr lang="en-US" dirty="0"/>
+              <a:t> for accessing </a:t>
             </a:r>
             <a:r>
               <a:rPr lang="en-US" dirty="0">
@@ -14907,18 +14121,16 @@
                   </a:schemeClr>
                 </a:solidFill>
               </a:rPr>
-              <a:t>API</a:t>
-            </a:r>
-            <a:r>
-              <a:rPr lang="en-US" dirty="0"/>
-              <a:t> for </a:t>
-            </a:r>
-            <a:r>
-              <a:rPr lang="en-US" dirty="0" smtClean="0"/>
-              <a:t>accessing </a:t>
-            </a:r>
-            <a:r>
-              <a:rPr lang="en-US" dirty="0" smtClean="0">
+              <a:t>HTTP</a:t>
+            </a:r>
+          </a:p>
+          <a:p>
+            <a:r>
+              <a:rPr lang="en-US" dirty="0"/>
+              <a:t>Has the same programming model as the </a:t>
+            </a:r>
+            <a:r>
+              <a:rPr lang="en-US" dirty="0">
                 <a:solidFill>
                   <a:schemeClr val="accent6">
                     <a:lumMod val="20000"/>
@@ -14926,16 +14138,17 @@
                   </a:schemeClr>
                 </a:solidFill>
               </a:rPr>
-              <a:t>HTTP</a:t>
-            </a:r>
-          </a:p>
-          <a:p>
-            <a:r>
-              <a:rPr lang="en-US" dirty="0" smtClean="0"/>
-              <a:t>Has the same programming model as the </a:t>
-            </a:r>
-            <a:r>
-              <a:rPr lang="en-US" dirty="0" smtClean="0">
+              <a:t>ASP.NET Web API </a:t>
+            </a:r>
+            <a:r>
+              <a:rPr lang="en-US" dirty="0"/>
+              <a:t>server side</a:t>
+            </a:r>
+          </a:p>
+          <a:p>
+            <a:pPr lvl="1"/>
+            <a:r>
+              <a:rPr lang="en-US" dirty="0" err="1">
                 <a:solidFill>
                   <a:schemeClr val="accent6">
                     <a:lumMod val="20000"/>
@@ -14943,17 +14156,10 @@
                   </a:schemeClr>
                 </a:solidFill>
               </a:rPr>
-              <a:t>ASP.NET Web API </a:t>
-            </a:r>
-            <a:r>
-              <a:rPr lang="en-US" dirty="0" smtClean="0"/>
-              <a:t>server side</a:t>
-            </a:r>
-          </a:p>
-          <a:p>
-            <a:pPr lvl="1"/>
-            <a:r>
-              <a:rPr lang="en-US" dirty="0" err="1" smtClean="0">
+              <a:t>HttpRequestMessage</a:t>
+            </a:r>
+            <a:r>
+              <a:rPr lang="en-US" dirty="0">
                 <a:solidFill>
                   <a:schemeClr val="accent6">
                     <a:lumMod val="20000"/>
@@ -14961,10 +14167,14 @@
                   </a:schemeClr>
                 </a:solidFill>
               </a:rPr>
-              <a:t>HttpRequestMessage</a:t>
-            </a:r>
-            <a:r>
-              <a:rPr lang="en-US" dirty="0" smtClean="0">
+              <a:t> </a:t>
+            </a:r>
+            <a:r>
+              <a:rPr lang="en-US" dirty="0"/>
+              <a:t>/ </a:t>
+            </a:r>
+            <a:r>
+              <a:rPr lang="en-US" dirty="0" err="1">
                 <a:solidFill>
                   <a:schemeClr val="accent6">
                     <a:lumMod val="20000"/>
@@ -14972,24 +14182,9 @@
                   </a:schemeClr>
                 </a:solidFill>
               </a:rPr>
-              <a:t> </a:t>
-            </a:r>
-            <a:r>
-              <a:rPr lang="en-US" dirty="0" smtClean="0"/>
-              <a:t>/ </a:t>
-            </a:r>
-            <a:r>
-              <a:rPr lang="en-US" dirty="0" err="1" smtClean="0">
-                <a:solidFill>
-                  <a:schemeClr val="accent6">
-                    <a:lumMod val="20000"/>
-                    <a:lumOff val="80000"/>
-                  </a:schemeClr>
-                </a:solidFill>
-              </a:rPr>
               <a:t>HttpResponseMessage</a:t>
             </a:r>
-            <a:endParaRPr lang="en-US" dirty="0" smtClean="0">
+            <a:endParaRPr lang="en-US" dirty="0">
               <a:solidFill>
                 <a:schemeClr val="accent6">
                   <a:lumMod val="20000"/>
@@ -15000,18 +14195,18 @@
           </a:p>
           <a:p>
             <a:r>
-              <a:rPr lang="en-US" dirty="0" smtClean="0"/>
+              <a:rPr lang="en-US" dirty="0"/>
               <a:t>Uses Task pattern from .NET 4.0</a:t>
             </a:r>
           </a:p>
           <a:p>
             <a:pPr lvl="1"/>
             <a:r>
-              <a:rPr lang="en-US" dirty="0" smtClean="0"/>
+              <a:rPr lang="en-US" dirty="0"/>
               <a:t>Can use </a:t>
             </a:r>
             <a:r>
-              <a:rPr lang="en-US" dirty="0" err="1" smtClean="0">
+              <a:rPr lang="en-US" dirty="0" err="1">
                 <a:solidFill>
                   <a:schemeClr val="accent6">
                     <a:lumMod val="20000"/>
@@ -15022,7 +14217,7 @@
               <a:t>async</a:t>
             </a:r>
             <a:r>
-              <a:rPr lang="en-US" dirty="0" smtClean="0">
+              <a:rPr lang="en-US" dirty="0">
                 <a:solidFill>
                   <a:schemeClr val="accent6">
                     <a:lumMod val="20000"/>
@@ -15033,11 +14228,11 @@
               <a:t> </a:t>
             </a:r>
             <a:r>
-              <a:rPr lang="en-US" dirty="0" smtClean="0"/>
+              <a:rPr lang="en-US" dirty="0"/>
               <a:t>and </a:t>
             </a:r>
             <a:r>
-              <a:rPr lang="en-US" dirty="0" smtClean="0">
+              <a:rPr lang="en-US" dirty="0">
                 <a:solidFill>
                   <a:schemeClr val="accent6">
                     <a:lumMod val="20000"/>
@@ -15048,17 +14243,17 @@
               <a:t>await</a:t>
             </a:r>
             <a:r>
-              <a:rPr lang="en-US" dirty="0" smtClean="0"/>
+              <a:rPr lang="en-US" dirty="0"/>
               <a:t> keywords in .NET 4.5</a:t>
             </a:r>
           </a:p>
           <a:p>
             <a:r>
-              <a:rPr lang="en-US" dirty="0" smtClean="0"/>
+              <a:rPr lang="en-US" dirty="0"/>
               <a:t>Installs with </a:t>
             </a:r>
             <a:r>
-              <a:rPr lang="en-US" dirty="0" smtClean="0">
+              <a:rPr lang="en-US" dirty="0">
                 <a:solidFill>
                   <a:schemeClr val="accent6">
                     <a:lumMod val="20000"/>
@@ -15072,11 +14267,11 @@
           <a:p>
             <a:pPr lvl="1"/>
             <a:r>
-              <a:rPr lang="en-US" dirty="0" smtClean="0"/>
+              <a:rPr lang="en-US" dirty="0"/>
               <a:t>Can be retrieved via </a:t>
             </a:r>
             <a:r>
-              <a:rPr lang="en-US" dirty="0" err="1" smtClean="0"/>
+              <a:rPr lang="en-US" dirty="0" err="1"/>
               <a:t>NuGet</a:t>
             </a:r>
             <a:endParaRPr lang="en-US" dirty="0"/>
@@ -15122,13 +14317,6 @@
   <p:clrMapOvr>
     <a:masterClrMapping/>
   </p:clrMapOvr>
-  <p:timing>
-    <p:tnLst>
-      <p:par>
-        <p:cTn id="1" dur="indefinite" restart="never" nodeType="tmRoot"/>
-      </p:par>
-    </p:tnLst>
-  </p:timing>
 </p:sld>
 </file>
 
@@ -15165,14 +14353,13 @@
           <a:lstStyle/>
           <a:p>
             <a:r>
-              <a:rPr lang="en-US" dirty="0" err="1" smtClean="0"/>
+              <a:rPr lang="en-US" dirty="0" err="1"/>
               <a:t>HttpClient</a:t>
             </a:r>
             <a:r>
-              <a:rPr lang="en-US" dirty="0" smtClean="0"/>
+              <a:rPr lang="en-US" dirty="0"/>
               <a:t> Example</a:t>
             </a:r>
-            <a:endParaRPr lang="en-US" dirty="0"/>
           </a:p>
         </p:txBody>
       </p:sp>
@@ -15529,17 +14716,7 @@
                 <a:latin typeface="Consolas" pitchFamily="49" charset="0"/>
                 <a:cs typeface="Consolas" pitchFamily="49" charset="0"/>
               </a:rPr>
-              <a:t> = new HttpClient </a:t>
-            </a:r>
-            <a:r>
-              <a:rPr lang="en-US" sz="2000" noProof="1" smtClean="0">
-                <a:solidFill>
-                  <a:srgbClr val="8CF4F2"/>
-                </a:solidFill>
-                <a:latin typeface="Consolas" pitchFamily="49" charset="0"/>
-                <a:cs typeface="Consolas" pitchFamily="49" charset="0"/>
-              </a:rPr>
-              <a:t>{</a:t>
+              <a:t> = new HttpClient {</a:t>
             </a:r>
           </a:p>
           <a:p>
@@ -15563,35 +14740,8 @@
                 <a:latin typeface="Consolas" pitchFamily="49" charset="0"/>
                 <a:cs typeface="Consolas" pitchFamily="49" charset="0"/>
               </a:rPr>
-              <a:t> </a:t>
-            </a:r>
-            <a:r>
-              <a:rPr lang="en-US" sz="2000" noProof="1" smtClean="0">
-                <a:solidFill>
-                  <a:srgbClr val="8CF4F2"/>
-                </a:solidFill>
-                <a:latin typeface="Consolas" pitchFamily="49" charset="0"/>
-                <a:cs typeface="Consolas" pitchFamily="49" charset="0"/>
-              </a:rPr>
-              <a:t>   BaseAddress </a:t>
-            </a:r>
-            <a:r>
-              <a:rPr lang="en-US" sz="2000" noProof="1">
-                <a:solidFill>
-                  <a:srgbClr val="8CF4F2"/>
-                </a:solidFill>
-                <a:latin typeface="Consolas" pitchFamily="49" charset="0"/>
-                <a:cs typeface="Consolas" pitchFamily="49" charset="0"/>
-              </a:rPr>
-              <a:t>= new Uri("http://localhost:28670/") };</a:t>
-            </a:r>
-            <a:endParaRPr lang="en-US" sz="2000" noProof="1" smtClean="0">
-              <a:solidFill>
-                <a:srgbClr val="8CF4F2"/>
-              </a:solidFill>
-              <a:latin typeface="Consolas" pitchFamily="49" charset="0"/>
-              <a:cs typeface="Consolas" pitchFamily="49" charset="0"/>
-            </a:endParaRPr>
+              <a:t>    BaseAddress = new Uri("http://localhost:28670/") };</a:t>
+            </a:r>
           </a:p>
           <a:p>
             <a:pPr marL="0" indent="0">
@@ -15619,7 +14769,7 @@
               <a:t>client</a:t>
             </a:r>
             <a:r>
-              <a:rPr lang="en-US" sz="2000" noProof="1" smtClean="0">
+              <a:rPr lang="en-US" sz="2000" noProof="1">
                 <a:solidFill>
                   <a:srgbClr val="8CF4F2"/>
                 </a:solidFill>
@@ -15650,27 +14800,7 @@
                 <a:latin typeface="Consolas" pitchFamily="49" charset="0"/>
                 <a:cs typeface="Consolas" pitchFamily="49" charset="0"/>
               </a:rPr>
-              <a:t> </a:t>
-            </a:r>
-            <a:r>
-              <a:rPr lang="en-US" sz="2000" noProof="1" smtClean="0">
-                <a:solidFill>
-                  <a:srgbClr val="8CF4F2"/>
-                </a:solidFill>
-                <a:latin typeface="Consolas" pitchFamily="49" charset="0"/>
-                <a:cs typeface="Consolas" pitchFamily="49" charset="0"/>
-              </a:rPr>
-              <a:t>   MediaTypeWithQualityHeaderValue</a:t>
-            </a:r>
-            <a:r>
-              <a:rPr lang="en-US" sz="2000" noProof="1">
-                <a:solidFill>
-                  <a:srgbClr val="8CF4F2"/>
-                </a:solidFill>
-                <a:latin typeface="Consolas" pitchFamily="49" charset="0"/>
-                <a:cs typeface="Consolas" pitchFamily="49" charset="0"/>
-              </a:rPr>
-              <a:t>("application/json"));</a:t>
+              <a:t>    MediaTypeWithQualityHeaderValue("application/json"));</a:t>
             </a:r>
           </a:p>
           <a:p>
@@ -15687,7 +14817,7 @@
               <a:buNone/>
             </a:pPr>
             <a:r>
-              <a:rPr lang="en-US" sz="2000" u="sng" noProof="1" smtClean="0">
+              <a:rPr lang="en-US" sz="2000" u="sng" noProof="1">
                 <a:solidFill>
                   <a:srgbClr val="8CF4F2"/>
                 </a:solidFill>
@@ -15697,7 +14827,7 @@
               <a:t>HttpResponseMessage</a:t>
             </a:r>
             <a:r>
-              <a:rPr lang="en-US" sz="2000" noProof="1" smtClean="0">
+              <a:rPr lang="en-US" sz="2000" noProof="1">
                 <a:solidFill>
                   <a:srgbClr val="8CF4F2"/>
                 </a:solidFill>
@@ -15721,7 +14851,7 @@
               <a:buNone/>
             </a:pPr>
             <a:r>
-              <a:rPr lang="en-US" sz="2000" noProof="1" smtClean="0">
+              <a:rPr lang="en-US" sz="2000" noProof="1">
                 <a:solidFill>
                   <a:srgbClr val="8CF4F2"/>
                 </a:solidFill>
@@ -15731,7 +14861,7 @@
               <a:t>    </a:t>
             </a:r>
             <a:r>
-              <a:rPr lang="en-US" sz="2000" noProof="1" smtClean="0">
+              <a:rPr lang="en-US" sz="2000" noProof="1">
                 <a:solidFill>
                   <a:schemeClr val="tx2">
                     <a:lumMod val="75000"/>
@@ -15743,7 +14873,7 @@
               <a:t>client</a:t>
             </a:r>
             <a:r>
-              <a:rPr lang="en-US" sz="2000" noProof="1" smtClean="0">
+              <a:rPr lang="en-US" sz="2000" noProof="1">
                 <a:solidFill>
                   <a:srgbClr val="8CF4F2"/>
                 </a:solidFill>
@@ -15767,24 +14897,14 @@
               <a:buNone/>
             </a:pPr>
             <a:r>
-              <a:rPr lang="en-US" sz="2000" noProof="1" smtClean="0">
+              <a:rPr lang="en-US" sz="2000" noProof="1">
                 <a:solidFill>
                   <a:srgbClr val="8CF4F2"/>
                 </a:solidFill>
                 <a:latin typeface="Consolas" pitchFamily="49" charset="0"/>
                 <a:cs typeface="Consolas" pitchFamily="49" charset="0"/>
               </a:rPr>
-              <a:t>if </a:t>
-            </a:r>
-            <a:r>
-              <a:rPr lang="en-US" sz="2000" noProof="1">
-                <a:solidFill>
-                  <a:srgbClr val="8CF4F2"/>
-                </a:solidFill>
-                <a:latin typeface="Consolas" pitchFamily="49" charset="0"/>
-                <a:cs typeface="Consolas" pitchFamily="49" charset="0"/>
-              </a:rPr>
-              <a:t>(response.IsSuccessStatusCode)</a:t>
+              <a:t>if (response.IsSuccessStatusCode)</a:t>
             </a:r>
           </a:p>
           <a:p>
@@ -15801,7 +14921,7 @@
               <a:buNone/>
             </a:pPr>
             <a:r>
-              <a:rPr lang="en-US" sz="2000" noProof="1" smtClean="0">
+              <a:rPr lang="en-US" sz="2000" noProof="1">
                 <a:solidFill>
                   <a:srgbClr val="8CF4F2"/>
                 </a:solidFill>
@@ -15825,7 +14945,7 @@
               <a:buNone/>
             </a:pPr>
             <a:r>
-              <a:rPr lang="en-US" sz="2000" noProof="1" smtClean="0">
+              <a:rPr lang="en-US" sz="2000" noProof="1">
                 <a:solidFill>
                   <a:srgbClr val="8CF4F2"/>
                 </a:solidFill>
@@ -15856,17 +14976,7 @@
                 <a:latin typeface="Consolas" pitchFamily="49" charset="0"/>
                 <a:cs typeface="Consolas" pitchFamily="49" charset="0"/>
               </a:rPr>
-              <a:t> </a:t>
-            </a:r>
-            <a:r>
-              <a:rPr lang="en-US" sz="2000" noProof="1" smtClean="0">
-                <a:solidFill>
-                  <a:srgbClr val="8CF4F2"/>
-                </a:solidFill>
-                <a:latin typeface="Consolas" pitchFamily="49" charset="0"/>
-                <a:cs typeface="Consolas" pitchFamily="49" charset="0"/>
-              </a:rPr>
-              <a:t>       .ReadAsAsync&lt;IEnumerable&lt;Post&gt;&gt;().Result;</a:t>
+              <a:t>        .ReadAsAsync&lt;IEnumerable&lt;Post&gt;&gt;().Result;</a:t>
             </a:r>
           </a:p>
           <a:p>
@@ -15883,24 +14993,14 @@
               <a:buNone/>
             </a:pPr>
             <a:r>
-              <a:rPr lang="en-US" sz="2000" noProof="1" smtClean="0">
+              <a:rPr lang="en-US" sz="2000" noProof="1">
                 <a:solidFill>
                   <a:srgbClr val="8CF4F2"/>
                 </a:solidFill>
                 <a:latin typeface="Consolas" pitchFamily="49" charset="0"/>
                 <a:cs typeface="Consolas" pitchFamily="49" charset="0"/>
               </a:rPr>
-              <a:t>    foreach </a:t>
-            </a:r>
-            <a:r>
-              <a:rPr lang="en-US" sz="2000" noProof="1">
-                <a:solidFill>
-                  <a:srgbClr val="8CF4F2"/>
-                </a:solidFill>
-                <a:latin typeface="Consolas" pitchFamily="49" charset="0"/>
-                <a:cs typeface="Consolas" pitchFamily="49" charset="0"/>
-              </a:rPr>
-              <a:t>(var p in products)</a:t>
+              <a:t>    foreach (var p in products)</a:t>
             </a:r>
           </a:p>
           <a:p>
@@ -15917,7 +15017,7 @@
               <a:buNone/>
             </a:pPr>
             <a:r>
-              <a:rPr lang="en-US" sz="2000" noProof="1" smtClean="0">
+              <a:rPr lang="en-US" sz="2000" noProof="1">
                 <a:solidFill>
                   <a:srgbClr val="8CF4F2"/>
                 </a:solidFill>
@@ -15926,13 +15026,6 @@
               </a:rPr>
               <a:t>    {</a:t>
             </a:r>
-            <a:endParaRPr lang="en-US" sz="2000" noProof="1">
-              <a:solidFill>
-                <a:srgbClr val="8CF4F2"/>
-              </a:solidFill>
-              <a:latin typeface="Consolas" pitchFamily="49" charset="0"/>
-              <a:cs typeface="Consolas" pitchFamily="49" charset="0"/>
-            </a:endParaRPr>
           </a:p>
           <a:p>
             <a:pPr marL="0" indent="0">
@@ -15948,34 +15041,14 @@
               <a:buNone/>
             </a:pPr>
             <a:r>
-              <a:rPr lang="en-US" sz="2000" noProof="1" smtClean="0">
+              <a:rPr lang="en-US" sz="2000" noProof="1">
                 <a:solidFill>
                   <a:srgbClr val="8CF4F2"/>
                 </a:solidFill>
                 <a:latin typeface="Consolas" pitchFamily="49" charset="0"/>
                 <a:cs typeface="Consolas" pitchFamily="49" charset="0"/>
               </a:rPr>
-              <a:t>        Console.WriteLine</a:t>
-            </a:r>
-            <a:r>
-              <a:rPr lang="en-US" sz="2000" noProof="1">
-                <a:solidFill>
-                  <a:srgbClr val="8CF4F2"/>
-                </a:solidFill>
-                <a:latin typeface="Consolas" pitchFamily="49" charset="0"/>
-                <a:cs typeface="Consolas" pitchFamily="49" charset="0"/>
-              </a:rPr>
-              <a:t>("{0,4} {1,-20} {2</a:t>
-            </a:r>
-            <a:r>
-              <a:rPr lang="en-US" sz="2000" noProof="1" smtClean="0">
-                <a:solidFill>
-                  <a:srgbClr val="8CF4F2"/>
-                </a:solidFill>
-                <a:latin typeface="Consolas" pitchFamily="49" charset="0"/>
-                <a:cs typeface="Consolas" pitchFamily="49" charset="0"/>
-              </a:rPr>
-              <a:t>}",</a:t>
+              <a:t>        Console.WriteLine("{0,4} {1,-20} {2}",</a:t>
             </a:r>
           </a:p>
           <a:p>
@@ -15999,27 +15072,7 @@
                 <a:latin typeface="Consolas" pitchFamily="49" charset="0"/>
                 <a:cs typeface="Consolas" pitchFamily="49" charset="0"/>
               </a:rPr>
-              <a:t> </a:t>
-            </a:r>
-            <a:r>
-              <a:rPr lang="en-US" sz="2000" noProof="1" smtClean="0">
-                <a:solidFill>
-                  <a:srgbClr val="8CF4F2"/>
-                </a:solidFill>
-                <a:latin typeface="Consolas" pitchFamily="49" charset="0"/>
-                <a:cs typeface="Consolas" pitchFamily="49" charset="0"/>
-              </a:rPr>
-              <a:t>           p.Id</a:t>
-            </a:r>
-            <a:r>
-              <a:rPr lang="en-US" sz="2000" noProof="1">
-                <a:solidFill>
-                  <a:srgbClr val="8CF4F2"/>
-                </a:solidFill>
-                <a:latin typeface="Consolas" pitchFamily="49" charset="0"/>
-                <a:cs typeface="Consolas" pitchFamily="49" charset="0"/>
-              </a:rPr>
-              <a:t>, p.Title, p.CreatedOn);</a:t>
+              <a:t>            p.Id, p.Title, p.CreatedOn);</a:t>
             </a:r>
           </a:p>
           <a:p>
@@ -16036,7 +15089,7 @@
               <a:buNone/>
             </a:pPr>
             <a:r>
-              <a:rPr lang="en-US" sz="2000" noProof="1" smtClean="0">
+              <a:rPr lang="en-US" sz="2000" noProof="1">
                 <a:solidFill>
                   <a:srgbClr val="8CF4F2"/>
                 </a:solidFill>
@@ -16045,13 +15098,6 @@
               </a:rPr>
               <a:t>    }</a:t>
             </a:r>
-            <a:endParaRPr lang="en-US" sz="2000" noProof="1">
-              <a:solidFill>
-                <a:srgbClr val="8CF4F2"/>
-              </a:solidFill>
-              <a:latin typeface="Consolas" pitchFamily="49" charset="0"/>
-              <a:cs typeface="Consolas" pitchFamily="49" charset="0"/>
-            </a:endParaRPr>
           </a:p>
           <a:p>
             <a:pPr marL="0" indent="0">
@@ -16067,7 +15113,7 @@
               <a:buNone/>
             </a:pPr>
             <a:r>
-              <a:rPr lang="en-US" sz="2000" noProof="1" smtClean="0">
+              <a:rPr lang="en-US" sz="2000" noProof="1">
                 <a:solidFill>
                   <a:srgbClr val="8CF4F2"/>
                 </a:solidFill>
@@ -16076,13 +15122,6 @@
               </a:rPr>
               <a:t>}</a:t>
             </a:r>
-            <a:endParaRPr lang="en-US" sz="2000" noProof="1">
-              <a:solidFill>
-                <a:srgbClr val="8CF4F2"/>
-              </a:solidFill>
-              <a:latin typeface="Consolas" pitchFamily="49" charset="0"/>
-              <a:cs typeface="Consolas" pitchFamily="49" charset="0"/>
-            </a:endParaRPr>
           </a:p>
           <a:p>
             <a:pPr marL="0" indent="0">
@@ -16098,7 +15137,7 @@
               <a:buNone/>
             </a:pPr>
             <a:r>
-              <a:rPr lang="en-US" sz="2000" noProof="1" smtClean="0">
+              <a:rPr lang="en-US" sz="2000" noProof="1">
                 <a:solidFill>
                   <a:srgbClr val="8CF4F2"/>
                 </a:solidFill>
@@ -16107,13 +15146,6 @@
               </a:rPr>
               <a:t>else</a:t>
             </a:r>
-            <a:endParaRPr lang="en-US" sz="2000" noProof="1">
-              <a:solidFill>
-                <a:srgbClr val="8CF4F2"/>
-              </a:solidFill>
-              <a:latin typeface="Consolas" pitchFamily="49" charset="0"/>
-              <a:cs typeface="Consolas" pitchFamily="49" charset="0"/>
-            </a:endParaRPr>
           </a:p>
           <a:p>
             <a:pPr marL="0" indent="0">
@@ -16129,34 +15161,14 @@
               <a:buNone/>
             </a:pPr>
             <a:r>
-              <a:rPr lang="en-US" sz="2000" noProof="1" smtClean="0">
+              <a:rPr lang="en-US" sz="2000" noProof="1">
                 <a:solidFill>
                   <a:srgbClr val="8CF4F2"/>
                 </a:solidFill>
                 <a:latin typeface="Consolas" pitchFamily="49" charset="0"/>
                 <a:cs typeface="Consolas" pitchFamily="49" charset="0"/>
               </a:rPr>
-              <a:t>    Console.WriteLine</a:t>
-            </a:r>
-            <a:r>
-              <a:rPr lang="en-US" sz="2000" noProof="1">
-                <a:solidFill>
-                  <a:srgbClr val="8CF4F2"/>
-                </a:solidFill>
-                <a:latin typeface="Consolas" pitchFamily="49" charset="0"/>
-                <a:cs typeface="Consolas" pitchFamily="49" charset="0"/>
-              </a:rPr>
-              <a:t>("{0} ({1</a:t>
-            </a:r>
-            <a:r>
-              <a:rPr lang="en-US" sz="2000" noProof="1" smtClean="0">
-                <a:solidFill>
-                  <a:srgbClr val="8CF4F2"/>
-                </a:solidFill>
-                <a:latin typeface="Consolas" pitchFamily="49" charset="0"/>
-                <a:cs typeface="Consolas" pitchFamily="49" charset="0"/>
-              </a:rPr>
-              <a:t>})",</a:t>
+              <a:t>    Console.WriteLine("{0} ({1})",</a:t>
             </a:r>
           </a:p>
           <a:p>
@@ -16180,45 +15192,8 @@
                 <a:latin typeface="Consolas" pitchFamily="49" charset="0"/>
                 <a:cs typeface="Consolas" pitchFamily="49" charset="0"/>
               </a:rPr>
-              <a:t> </a:t>
-            </a:r>
-            <a:r>
-              <a:rPr lang="en-US" sz="2000" noProof="1" smtClean="0">
-                <a:solidFill>
-                  <a:srgbClr val="8CF4F2"/>
-                </a:solidFill>
-                <a:latin typeface="Consolas" pitchFamily="49" charset="0"/>
-                <a:cs typeface="Consolas" pitchFamily="49" charset="0"/>
-              </a:rPr>
-              <a:t>       (</a:t>
-            </a:r>
-            <a:r>
-              <a:rPr lang="en-US" sz="2000" noProof="1">
-                <a:solidFill>
-                  <a:srgbClr val="8CF4F2"/>
-                </a:solidFill>
-                <a:latin typeface="Consolas" pitchFamily="49" charset="0"/>
-                <a:cs typeface="Consolas" pitchFamily="49" charset="0"/>
-              </a:rPr>
-              <a:t>int)response.StatusCode, response.ReasonPhrase</a:t>
-            </a:r>
-            <a:r>
-              <a:rPr lang="en-US" sz="2000" noProof="1" smtClean="0">
-                <a:solidFill>
-                  <a:srgbClr val="8CF4F2"/>
-                </a:solidFill>
-                <a:latin typeface="Consolas" pitchFamily="49" charset="0"/>
-                <a:cs typeface="Consolas" pitchFamily="49" charset="0"/>
-              </a:rPr>
-              <a:t>);</a:t>
-            </a:r>
-            <a:endParaRPr lang="en-US" sz="2000" noProof="1">
-              <a:solidFill>
-                <a:srgbClr val="8CF4F2"/>
-              </a:solidFill>
-              <a:latin typeface="Consolas" pitchFamily="49" charset="0"/>
-              <a:cs typeface="Consolas" pitchFamily="49" charset="0"/>
-            </a:endParaRPr>
+              <a:t>        (int)response.StatusCode, response.ReasonPhrase);</a:t>
+            </a:r>
           </a:p>
         </p:txBody>
       </p:sp>
@@ -16359,10 +15334,9 @@
           <a:lstStyle/>
           <a:p>
             <a:r>
-              <a:rPr lang="en-US" dirty="0" smtClean="0"/>
+              <a:rPr lang="en-US" dirty="0"/>
               <a:t>Demo: Consume Web API from Console Application</a:t>
             </a:r>
-            <a:endParaRPr lang="en-US" dirty="0"/>
           </a:p>
         </p:txBody>
       </p:sp>
@@ -16413,13 +15387,6 @@
   <p:clrMapOvr>
     <a:masterClrMapping/>
   </p:clrMapOvr>
-  <p:timing>
-    <p:tnLst>
-      <p:par>
-        <p:cTn id="1" dur="indefinite" restart="never" nodeType="tmRoot"/>
-      </p:par>
-    </p:tnLst>
-  </p:timing>
 </p:sld>
 </file>
 
@@ -16456,10 +15423,9 @@
           <a:lstStyle/>
           <a:p>
             <a:r>
-              <a:rPr lang="en-US" dirty="0" smtClean="0"/>
+              <a:rPr lang="en-US" dirty="0"/>
               <a:t>Consuming Web API from JS</a:t>
             </a:r>
-            <a:endParaRPr lang="en-US" dirty="0"/>
           </a:p>
         </p:txBody>
       </p:sp>
@@ -16484,25 +15450,24 @@
           <a:lstStyle/>
           <a:p>
             <a:r>
-              <a:rPr lang="en-US" dirty="0" smtClean="0"/>
+              <a:rPr lang="en-US" dirty="0"/>
               <a:t>Web APIs can be consumed using JavaScript via HTTP AJAX request</a:t>
             </a:r>
           </a:p>
           <a:p>
             <a:pPr lvl="1"/>
             <a:r>
-              <a:rPr lang="en-US" dirty="0" smtClean="0"/>
+              <a:rPr lang="en-US" dirty="0"/>
               <a:t>Example with </a:t>
             </a:r>
             <a:r>
-              <a:rPr lang="en-US" dirty="0" err="1" smtClean="0"/>
+              <a:rPr lang="en-US" dirty="0" err="1"/>
               <a:t>jQuery</a:t>
             </a:r>
             <a:r>
-              <a:rPr lang="en-US" dirty="0" smtClean="0"/>
+              <a:rPr lang="en-US" dirty="0"/>
               <a:t>:</a:t>
             </a:r>
-            <a:endParaRPr lang="en-US" dirty="0"/>
           </a:p>
         </p:txBody>
       </p:sp>
@@ -16808,37 +15773,7 @@
                 <a:latin typeface="Consolas" pitchFamily="49" charset="0"/>
                 <a:cs typeface="Consolas" pitchFamily="49" charset="0"/>
               </a:rPr>
-              <a:t>&lt;ol id</a:t>
-            </a:r>
-            <a:r>
-              <a:rPr lang="en-US" sz="2000" noProof="1" smtClean="0">
-                <a:solidFill>
-                  <a:srgbClr val="8CF4F2"/>
-                </a:solidFill>
-                <a:latin typeface="Consolas" pitchFamily="49" charset="0"/>
-                <a:cs typeface="Consolas" pitchFamily="49" charset="0"/>
-              </a:rPr>
-              <a:t>="posts"&gt;&lt;/</a:t>
-            </a:r>
-            <a:r>
-              <a:rPr lang="en-US" sz="2000" noProof="1">
-                <a:solidFill>
-                  <a:srgbClr val="8CF4F2"/>
-                </a:solidFill>
-                <a:latin typeface="Consolas" pitchFamily="49" charset="0"/>
-                <a:cs typeface="Consolas" pitchFamily="49" charset="0"/>
-              </a:rPr>
-              <a:t>ol</a:t>
-            </a:r>
-            <a:r>
-              <a:rPr lang="en-US" sz="2000" noProof="1" smtClean="0">
-                <a:solidFill>
-                  <a:srgbClr val="8CF4F2"/>
-                </a:solidFill>
-                <a:latin typeface="Consolas" pitchFamily="49" charset="0"/>
-                <a:cs typeface="Consolas" pitchFamily="49" charset="0"/>
-              </a:rPr>
-              <a:t>&gt;</a:t>
+              <a:t>&lt;ol id="posts"&gt;&lt;/ol&gt;</a:t>
             </a:r>
           </a:p>
           <a:p>
@@ -16855,24 +15790,14 @@
               <a:buNone/>
             </a:pPr>
             <a:r>
-              <a:rPr lang="en-US" sz="2000" noProof="1" smtClean="0">
+              <a:rPr lang="en-US" sz="2000" noProof="1">
                 <a:solidFill>
                   <a:srgbClr val="8CF4F2"/>
                 </a:solidFill>
                 <a:latin typeface="Consolas" pitchFamily="49" charset="0"/>
                 <a:cs typeface="Consolas" pitchFamily="49" charset="0"/>
               </a:rPr>
-              <a:t>&lt;</a:t>
-            </a:r>
-            <a:r>
-              <a:rPr lang="en-US" sz="2000" noProof="1">
-                <a:solidFill>
-                  <a:srgbClr val="8CF4F2"/>
-                </a:solidFill>
-                <a:latin typeface="Consolas" pitchFamily="49" charset="0"/>
-                <a:cs typeface="Consolas" pitchFamily="49" charset="0"/>
-              </a:rPr>
-              <a:t>script&gt;</a:t>
+              <a:t>&lt;script&gt;</a:t>
             </a:r>
           </a:p>
           <a:p>
@@ -16889,24 +15814,14 @@
               <a:buNone/>
             </a:pPr>
             <a:r>
-              <a:rPr lang="en-US" sz="2000" noProof="1" smtClean="0">
+              <a:rPr lang="en-US" sz="2000" noProof="1">
                 <a:solidFill>
                   <a:srgbClr val="8CF4F2"/>
                 </a:solidFill>
                 <a:latin typeface="Consolas" pitchFamily="49" charset="0"/>
                 <a:cs typeface="Consolas" pitchFamily="49" charset="0"/>
               </a:rPr>
-              <a:t>   $.</a:t>
-            </a:r>
-            <a:r>
-              <a:rPr lang="en-US" sz="2000" noProof="1">
-                <a:solidFill>
-                  <a:srgbClr val="8CF4F2"/>
-                </a:solidFill>
-                <a:latin typeface="Consolas" pitchFamily="49" charset="0"/>
-                <a:cs typeface="Consolas" pitchFamily="49" charset="0"/>
-              </a:rPr>
-              <a:t>ajax({</a:t>
+              <a:t>   $.ajax({</a:t>
             </a:r>
           </a:p>
           <a:p>
@@ -16930,45 +15845,8 @@
                 <a:latin typeface="Consolas" pitchFamily="49" charset="0"/>
                 <a:cs typeface="Consolas" pitchFamily="49" charset="0"/>
               </a:rPr>
-              <a:t>   </a:t>
-            </a:r>
-            <a:r>
-              <a:rPr lang="en-US" sz="2000" noProof="1" smtClean="0">
-                <a:solidFill>
-                  <a:srgbClr val="8CF4F2"/>
-                </a:solidFill>
-                <a:latin typeface="Consolas" pitchFamily="49" charset="0"/>
-                <a:cs typeface="Consolas" pitchFamily="49" charset="0"/>
-              </a:rPr>
-              <a:t>   url</a:t>
-            </a:r>
-            <a:r>
-              <a:rPr lang="en-US" sz="2000" noProof="1">
-                <a:solidFill>
-                  <a:srgbClr val="8CF4F2"/>
-                </a:solidFill>
-                <a:latin typeface="Consolas" pitchFamily="49" charset="0"/>
-                <a:cs typeface="Consolas" pitchFamily="49" charset="0"/>
-              </a:rPr>
-              <a:t>: '/</a:t>
-            </a:r>
-            <a:r>
-              <a:rPr lang="en-US" sz="2000" noProof="1" smtClean="0">
-                <a:solidFill>
-                  <a:srgbClr val="8CF4F2"/>
-                </a:solidFill>
-                <a:latin typeface="Consolas" pitchFamily="49" charset="0"/>
-                <a:cs typeface="Consolas" pitchFamily="49" charset="0"/>
-              </a:rPr>
-              <a:t>api/posts',</a:t>
-            </a:r>
-            <a:endParaRPr lang="en-US" sz="2000" noProof="1">
-              <a:solidFill>
-                <a:srgbClr val="8CF4F2"/>
-              </a:solidFill>
-              <a:latin typeface="Consolas" pitchFamily="49" charset="0"/>
-              <a:cs typeface="Consolas" pitchFamily="49" charset="0"/>
-            </a:endParaRPr>
+              <a:t>      url: '/api/posts',</a:t>
+            </a:r>
           </a:p>
           <a:p>
             <a:pPr marL="0" indent="0">
@@ -16984,44 +15862,14 @@
               <a:buNone/>
             </a:pPr>
             <a:r>
-              <a:rPr lang="en-US" sz="2000" noProof="1" smtClean="0">
+              <a:rPr lang="en-US" sz="2000" noProof="1">
                 <a:solidFill>
                   <a:srgbClr val="8CF4F2"/>
                 </a:solidFill>
                 <a:latin typeface="Consolas" pitchFamily="49" charset="0"/>
                 <a:cs typeface="Consolas" pitchFamily="49" charset="0"/>
               </a:rPr>
-              <a:t>      success</a:t>
-            </a:r>
-            <a:r>
-              <a:rPr lang="en-US" sz="2000" noProof="1">
-                <a:solidFill>
-                  <a:srgbClr val="8CF4F2"/>
-                </a:solidFill>
-                <a:latin typeface="Consolas" pitchFamily="49" charset="0"/>
-                <a:cs typeface="Consolas" pitchFamily="49" charset="0"/>
-              </a:rPr>
-              <a:t>: function </a:t>
-            </a:r>
-            <a:r>
-              <a:rPr lang="en-US" sz="2000" noProof="1" smtClean="0">
-                <a:solidFill>
-                  <a:srgbClr val="8CF4F2"/>
-                </a:solidFill>
-                <a:latin typeface="Consolas" pitchFamily="49" charset="0"/>
-                <a:cs typeface="Consolas" pitchFamily="49" charset="0"/>
-              </a:rPr>
-              <a:t>(posts) </a:t>
-            </a:r>
-            <a:r>
-              <a:rPr lang="en-US" sz="2000" noProof="1">
-                <a:solidFill>
-                  <a:srgbClr val="8CF4F2"/>
-                </a:solidFill>
-                <a:latin typeface="Consolas" pitchFamily="49" charset="0"/>
-                <a:cs typeface="Consolas" pitchFamily="49" charset="0"/>
-              </a:rPr>
-              <a:t>{</a:t>
+              <a:t>      success: function (posts) {</a:t>
             </a:r>
           </a:p>
           <a:p>
@@ -17038,42 +15886,15 @@
               <a:buNone/>
             </a:pPr>
             <a:r>
-              <a:rPr lang="en-US" sz="2000" noProof="1" smtClean="0">
+              <a:rPr lang="en-US" sz="2000" noProof="1">
                 <a:solidFill>
                   <a:srgbClr val="8CF4F2"/>
                 </a:solidFill>
                 <a:latin typeface="Consolas" pitchFamily="49" charset="0"/>
                 <a:cs typeface="Consolas" pitchFamily="49" charset="0"/>
               </a:rPr>
-              <a:t>         var </a:t>
-            </a:r>
-            <a:r>
-              <a:rPr lang="en-US" sz="2000" noProof="1">
-                <a:solidFill>
-                  <a:srgbClr val="8CF4F2"/>
-                </a:solidFill>
-                <a:latin typeface="Consolas" pitchFamily="49" charset="0"/>
-                <a:cs typeface="Consolas" pitchFamily="49" charset="0"/>
-              </a:rPr>
-              <a:t>list = </a:t>
-            </a:r>
-            <a:r>
-              <a:rPr lang="en-US" sz="2000" noProof="1" smtClean="0">
-                <a:solidFill>
-                  <a:srgbClr val="8CF4F2"/>
-                </a:solidFill>
-                <a:latin typeface="Consolas" pitchFamily="49" charset="0"/>
-                <a:cs typeface="Consolas" pitchFamily="49" charset="0"/>
-              </a:rPr>
-              <a:t>$('#posts');</a:t>
-            </a:r>
-            <a:endParaRPr lang="en-US" sz="2000" noProof="1">
-              <a:solidFill>
-                <a:srgbClr val="8CF4F2"/>
-              </a:solidFill>
-              <a:latin typeface="Consolas" pitchFamily="49" charset="0"/>
-              <a:cs typeface="Consolas" pitchFamily="49" charset="0"/>
-            </a:endParaRPr>
+              <a:t>         var list = $('#posts');</a:t>
+            </a:r>
           </a:p>
           <a:p>
             <a:pPr marL="0" indent="0">
@@ -17089,44 +15910,14 @@
               <a:buNone/>
             </a:pPr>
             <a:r>
-              <a:rPr lang="en-US" sz="2000" noProof="1" smtClean="0">
+              <a:rPr lang="en-US" sz="2000" noProof="1">
                 <a:solidFill>
                   <a:srgbClr val="8CF4F2"/>
                 </a:solidFill>
                 <a:latin typeface="Consolas" pitchFamily="49" charset="0"/>
                 <a:cs typeface="Consolas" pitchFamily="49" charset="0"/>
               </a:rPr>
-              <a:t>         for </a:t>
-            </a:r>
-            <a:r>
-              <a:rPr lang="en-US" sz="2000" noProof="1">
-                <a:solidFill>
-                  <a:srgbClr val="8CF4F2"/>
-                </a:solidFill>
-                <a:latin typeface="Consolas" pitchFamily="49" charset="0"/>
-                <a:cs typeface="Consolas" pitchFamily="49" charset="0"/>
-              </a:rPr>
-              <a:t>(var i = 0; i &lt; </a:t>
-            </a:r>
-            <a:r>
-              <a:rPr lang="en-US" sz="2000" noProof="1" smtClean="0">
-                <a:solidFill>
-                  <a:srgbClr val="8CF4F2"/>
-                </a:solidFill>
-                <a:latin typeface="Consolas" pitchFamily="49" charset="0"/>
-                <a:cs typeface="Consolas" pitchFamily="49" charset="0"/>
-              </a:rPr>
-              <a:t>posts.length</a:t>
-            </a:r>
-            <a:r>
-              <a:rPr lang="en-US" sz="2000" noProof="1">
-                <a:solidFill>
-                  <a:srgbClr val="8CF4F2"/>
-                </a:solidFill>
-                <a:latin typeface="Consolas" pitchFamily="49" charset="0"/>
-                <a:cs typeface="Consolas" pitchFamily="49" charset="0"/>
-              </a:rPr>
-              <a:t>; i++) {</a:t>
+              <a:t>         for (var i = 0; i &lt; posts.length; i++) {</a:t>
             </a:r>
           </a:p>
           <a:p>
@@ -17143,24 +15934,14 @@
               <a:buNone/>
             </a:pPr>
             <a:r>
-              <a:rPr lang="en-US" sz="2000" noProof="1" smtClean="0">
+              <a:rPr lang="en-US" sz="2000" noProof="1">
                 <a:solidFill>
                   <a:srgbClr val="8CF4F2"/>
                 </a:solidFill>
                 <a:latin typeface="Consolas" pitchFamily="49" charset="0"/>
                 <a:cs typeface="Consolas" pitchFamily="49" charset="0"/>
               </a:rPr>
-              <a:t>            var post = posts[i</a:t>
-            </a:r>
-            <a:r>
-              <a:rPr lang="en-US" sz="2000" noProof="1">
-                <a:solidFill>
-                  <a:srgbClr val="8CF4F2"/>
-                </a:solidFill>
-                <a:latin typeface="Consolas" pitchFamily="49" charset="0"/>
-                <a:cs typeface="Consolas" pitchFamily="49" charset="0"/>
-              </a:rPr>
-              <a:t>];</a:t>
+              <a:t>            var post = posts[i];</a:t>
             </a:r>
           </a:p>
           <a:p>
@@ -17177,44 +15958,14 @@
               <a:buNone/>
             </a:pPr>
             <a:r>
-              <a:rPr lang="en-US" sz="2000" noProof="1" smtClean="0">
+              <a:rPr lang="en-US" sz="2000" noProof="1">
                 <a:solidFill>
                   <a:srgbClr val="8CF4F2"/>
                 </a:solidFill>
                 <a:latin typeface="Consolas" pitchFamily="49" charset="0"/>
                 <a:cs typeface="Consolas" pitchFamily="49" charset="0"/>
               </a:rPr>
-              <a:t>            list.append</a:t>
-            </a:r>
-            <a:r>
-              <a:rPr lang="en-US" sz="2000" noProof="1">
-                <a:solidFill>
-                  <a:srgbClr val="8CF4F2"/>
-                </a:solidFill>
-                <a:latin typeface="Consolas" pitchFamily="49" charset="0"/>
-                <a:cs typeface="Consolas" pitchFamily="49" charset="0"/>
-              </a:rPr>
-              <a:t>('&lt;li&gt;' + </a:t>
-            </a:r>
-            <a:r>
-              <a:rPr lang="en-US" sz="2000" noProof="1" smtClean="0">
-                <a:solidFill>
-                  <a:srgbClr val="8CF4F2"/>
-                </a:solidFill>
-                <a:latin typeface="Consolas" pitchFamily="49" charset="0"/>
-                <a:cs typeface="Consolas" pitchFamily="49" charset="0"/>
-              </a:rPr>
-              <a:t>post.title </a:t>
-            </a:r>
-            <a:r>
-              <a:rPr lang="en-US" sz="2000" noProof="1">
-                <a:solidFill>
-                  <a:srgbClr val="8CF4F2"/>
-                </a:solidFill>
-                <a:latin typeface="Consolas" pitchFamily="49" charset="0"/>
-                <a:cs typeface="Consolas" pitchFamily="49" charset="0"/>
-              </a:rPr>
-              <a:t>+ '&lt;/li&gt;');</a:t>
+              <a:t>            list.append('&lt;li&gt;' + post.title + '&lt;/li&gt;');</a:t>
             </a:r>
           </a:p>
           <a:p>
@@ -17231,7 +15982,7 @@
               <a:buNone/>
             </a:pPr>
             <a:r>
-              <a:rPr lang="en-US" sz="2000" noProof="1" smtClean="0">
+              <a:rPr lang="en-US" sz="2000" noProof="1">
                 <a:solidFill>
                   <a:srgbClr val="8CF4F2"/>
                 </a:solidFill>
@@ -17240,13 +15991,6 @@
               </a:rPr>
               <a:t>         }</a:t>
             </a:r>
-            <a:endParaRPr lang="en-US" sz="2000" noProof="1">
-              <a:solidFill>
-                <a:srgbClr val="8CF4F2"/>
-              </a:solidFill>
-              <a:latin typeface="Consolas" pitchFamily="49" charset="0"/>
-              <a:cs typeface="Consolas" pitchFamily="49" charset="0"/>
-            </a:endParaRPr>
           </a:p>
           <a:p>
             <a:pPr marL="0" indent="0">
@@ -17262,7 +16006,7 @@
               <a:buNone/>
             </a:pPr>
             <a:r>
-              <a:rPr lang="en-US" sz="2000" noProof="1" smtClean="0">
+              <a:rPr lang="en-US" sz="2000" noProof="1">
                 <a:solidFill>
                   <a:srgbClr val="8CF4F2"/>
                 </a:solidFill>
@@ -17271,13 +16015,6 @@
               </a:rPr>
               <a:t>      }</a:t>
             </a:r>
-            <a:endParaRPr lang="en-US" sz="2000" noProof="1">
-              <a:solidFill>
-                <a:srgbClr val="8CF4F2"/>
-              </a:solidFill>
-              <a:latin typeface="Consolas" pitchFamily="49" charset="0"/>
-              <a:cs typeface="Consolas" pitchFamily="49" charset="0"/>
-            </a:endParaRPr>
           </a:p>
           <a:p>
             <a:pPr marL="0" indent="0">
@@ -17293,7 +16030,7 @@
               <a:buNone/>
             </a:pPr>
             <a:r>
-              <a:rPr lang="en-US" sz="2000" noProof="1" smtClean="0">
+              <a:rPr lang="en-US" sz="2000" noProof="1">
                 <a:solidFill>
                   <a:srgbClr val="8CF4F2"/>
                 </a:solidFill>
@@ -17302,13 +16039,6 @@
               </a:rPr>
               <a:t>   });</a:t>
             </a:r>
-            <a:endParaRPr lang="en-US" sz="2000" noProof="1">
-              <a:solidFill>
-                <a:srgbClr val="8CF4F2"/>
-              </a:solidFill>
-              <a:latin typeface="Consolas" pitchFamily="49" charset="0"/>
-              <a:cs typeface="Consolas" pitchFamily="49" charset="0"/>
-            </a:endParaRPr>
           </a:p>
           <a:p>
             <a:pPr marL="0" indent="0">
@@ -17324,32 +16054,15 @@
               <a:buNone/>
             </a:pPr>
             <a:r>
-              <a:rPr lang="en-US" sz="2000" noProof="1" smtClean="0">
+              <a:rPr lang="en-US" sz="2000" noProof="1">
                 <a:solidFill>
                   <a:srgbClr val="8CF4F2"/>
                 </a:solidFill>
                 <a:latin typeface="Consolas" pitchFamily="49" charset="0"/>
                 <a:cs typeface="Consolas" pitchFamily="49" charset="0"/>
               </a:rPr>
-              <a:t>&lt;/</a:t>
-            </a:r>
-            <a:r>
-              <a:rPr lang="en-US" sz="2000" noProof="1">
-                <a:solidFill>
-                  <a:srgbClr val="8CF4F2"/>
-                </a:solidFill>
-                <a:latin typeface="Consolas" pitchFamily="49" charset="0"/>
-                <a:cs typeface="Consolas" pitchFamily="49" charset="0"/>
-              </a:rPr>
-              <a:t>script&gt;</a:t>
-            </a:r>
-            <a:endParaRPr lang="en-US" sz="2000" noProof="1" smtClean="0">
-              <a:solidFill>
-                <a:srgbClr val="8CF4F2"/>
-              </a:solidFill>
-              <a:latin typeface="Consolas" pitchFamily="49" charset="0"/>
-              <a:cs typeface="Consolas" pitchFamily="49" charset="0"/>
-            </a:endParaRPr>
+              <a:t>&lt;/script&gt;</a:t>
+            </a:r>
           </a:p>
         </p:txBody>
       </p:sp>
@@ -17560,7 +16273,7 @@
               <a:buSzPct val="70000"/>
             </a:pPr>
             <a:r>
-              <a:rPr lang="en-US" sz="2200" b="1" noProof="1" smtClean="0">
+              <a:rPr lang="en-US" sz="2200" b="1" noProof="1">
                 <a:solidFill>
                   <a:srgbClr val="F7FFE7"/>
                 </a:solidFill>
@@ -17797,7 +16510,7 @@
           <a:lstStyle/>
           <a:p>
             <a:r>
-              <a:rPr lang="en-US" dirty="0" smtClean="0">
+              <a:rPr lang="en-US" dirty="0">
                 <a:hlinkClick r:id="rId2"/>
               </a:rPr>
               <a:t>http://academy.telerik.com</a:t>
@@ -17816,13 +16529,6 @@
   <p:clrMapOvr>
     <a:masterClrMapping/>
   </p:clrMapOvr>
-  <p:timing>
-    <p:tnLst>
-      <p:par>
-        <p:cTn id="1" dur="indefinite" restart="never" nodeType="tmRoot"/>
-      </p:par>
-    </p:tnLst>
-  </p:timing>
 </p:sld>
 </file>
 
@@ -17859,10 +16565,9 @@
           <a:lstStyle/>
           <a:p>
             <a:r>
-              <a:rPr lang="en-US" dirty="0" smtClean="0"/>
+              <a:rPr lang="en-US" dirty="0"/>
               <a:t>Homework</a:t>
             </a:r>
-            <a:endParaRPr lang="en-US" dirty="0"/>
           </a:p>
         </p:txBody>
       </p:sp>
@@ -17898,28 +16603,20 @@
             </a:pPr>
             <a:r>
               <a:rPr lang="en-US" dirty="0"/>
-              <a:t>Using ASP.NET Web API </a:t>
-            </a:r>
-            <a:r>
-              <a:rPr lang="en-US" dirty="0" smtClean="0"/>
-              <a:t>create REST services for the Student System demo from Code First presentation in the Databases course.</a:t>
+              <a:t>Using ASP.NET Web API create REST services for the Student System demo from Code First presentation in the Databases course.</a:t>
             </a:r>
             <a:br>
-              <a:rPr lang="en-US" dirty="0" smtClean="0"/>
+              <a:rPr lang="en-US" dirty="0"/>
             </a:br>
             <a:r>
-              <a:rPr lang="en-US" dirty="0" smtClean="0"/>
+              <a:rPr lang="en-US" dirty="0"/>
               <a:t>Use high-quality code, use Repository pattern and create services for all available models.</a:t>
             </a:r>
-            <a:r>
-              <a:rPr lang="en-US" dirty="0"/>
-              <a:t/>
-            </a:r>
             <a:br>
               <a:rPr lang="en-US" dirty="0"/>
             </a:br>
             <a:r>
-              <a:rPr lang="en-US" dirty="0" smtClean="0"/>
+              <a:rPr lang="en-US" dirty="0"/>
               <a:t>Do not use scaffolding.</a:t>
             </a:r>
           </a:p>
@@ -17964,13 +16661,6 @@
   <p:clrMapOvr>
     <a:masterClrMapping/>
   </p:clrMapOvr>
-  <p:timing>
-    <p:tnLst>
-      <p:par>
-        <p:cTn id="1" dur="indefinite" restart="never" nodeType="tmRoot"/>
-      </p:par>
-    </p:tnLst>
-  </p:timing>
 </p:sld>
 </file>
 
@@ -18012,10 +16702,9 @@
           <a:lstStyle/>
           <a:p>
             <a:r>
-              <a:rPr lang="en-US" dirty="0" smtClean="0"/>
+              <a:rPr lang="en-US" dirty="0"/>
               <a:t>What is ASP.NET Web API?</a:t>
             </a:r>
-            <a:endParaRPr lang="en-US" dirty="0"/>
           </a:p>
         </p:txBody>
       </p:sp>
@@ -18061,7 +16750,6 @@
           <a:effectLst>
             <a:reflection blurRad="12700" stA="38000" endPos="28000" dist="5000" dir="5400000" sy="-100000" algn="bl" rotWithShape="0"/>
           </a:effectLst>
-          <a:extLst/>
         </p:spPr>
       </p:pic>
     </p:spTree>
@@ -18074,13 +16762,6 @@
   <p:clrMapOvr>
     <a:masterClrMapping/>
   </p:clrMapOvr>
-  <p:timing>
-    <p:tnLst>
-      <p:par>
-        <p:cTn id="1" dur="indefinite" restart="never" nodeType="tmRoot"/>
-      </p:par>
-    </p:tnLst>
-  </p:timing>
 </p:sld>
 </file>
 
@@ -18117,10 +16798,9 @@
           <a:lstStyle/>
           <a:p>
             <a:r>
-              <a:rPr lang="en-US" dirty="0" smtClean="0"/>
+              <a:rPr lang="en-US" dirty="0"/>
               <a:t>Homework</a:t>
             </a:r>
-            <a:endParaRPr lang="en-US" dirty="0"/>
           </a:p>
         </p:txBody>
       </p:sp>
@@ -18156,23 +16836,7 @@
             </a:pPr>
             <a:r>
               <a:rPr lang="en-US" dirty="0"/>
-              <a:t>Using ASP.NET Web API and Entity Framework (database first or code first) create </a:t>
-            </a:r>
-            <a:r>
-              <a:rPr lang="en-US" dirty="0" smtClean="0"/>
-              <a:t>a database </a:t>
-            </a:r>
-            <a:r>
-              <a:rPr lang="en-US" dirty="0"/>
-              <a:t>and web services with full CRUD (create, read, </a:t>
-            </a:r>
-            <a:r>
-              <a:rPr lang="en-US" dirty="0" smtClean="0"/>
-              <a:t>update, delete) </a:t>
-            </a:r>
-            <a:r>
-              <a:rPr lang="en-US" dirty="0"/>
-              <a:t>operations for hierarchy of following classes:</a:t>
+              <a:t>Using ASP.NET Web API and Entity Framework (database first or code first) create a database and web services with full CRUD (create, read, update, delete) operations for hierarchy of following classes:</a:t>
             </a:r>
           </a:p>
           <a:p>
@@ -18185,15 +16849,15 @@
               </a:spcAft>
             </a:pPr>
             <a:r>
-              <a:rPr lang="en-US" dirty="0" smtClean="0"/>
+              <a:rPr lang="en-US" dirty="0"/>
               <a:t>Artists (Name, Country, </a:t>
             </a:r>
             <a:r>
-              <a:rPr lang="en-US" dirty="0" err="1" smtClean="0"/>
+              <a:rPr lang="en-US" dirty="0" err="1"/>
               <a:t>DateOfBirth</a:t>
             </a:r>
             <a:r>
-              <a:rPr lang="en-US" dirty="0" smtClean="0"/>
+              <a:rPr lang="en-US" dirty="0"/>
               <a:t>, etc.)</a:t>
             </a:r>
           </a:p>
@@ -18207,7 +16871,7 @@
               </a:spcAft>
             </a:pPr>
             <a:r>
-              <a:rPr lang="en-US" dirty="0" smtClean="0"/>
+              <a:rPr lang="en-US" dirty="0"/>
               <a:t>Albums (Title, Year, Producer, etc.)</a:t>
             </a:r>
           </a:p>
@@ -18221,10 +16885,9 @@
               </a:spcAft>
             </a:pPr>
             <a:r>
-              <a:rPr lang="en-US" dirty="0" smtClean="0"/>
+              <a:rPr lang="en-US" dirty="0"/>
               <a:t>Songs (Title, Year, Genre, etc.)</a:t>
             </a:r>
-            <a:endParaRPr lang="en-US" dirty="0"/>
           </a:p>
           <a:p>
             <a:pPr marL="1080000" lvl="1" indent="-514350">
@@ -18236,7 +16899,7 @@
               </a:spcAft>
             </a:pPr>
             <a:r>
-              <a:rPr lang="en-US" dirty="0" smtClean="0"/>
+              <a:rPr lang="en-US" dirty="0"/>
               <a:t>Every album has a list of artists</a:t>
             </a:r>
           </a:p>
@@ -18251,13 +16914,8 @@
             </a:pPr>
             <a:r>
               <a:rPr lang="en-US" dirty="0"/>
-              <a:t>Every </a:t>
-            </a:r>
-            <a:r>
-              <a:rPr lang="en-US" dirty="0" smtClean="0"/>
-              <a:t>song has artist</a:t>
-            </a:r>
-            <a:endParaRPr lang="en-US" dirty="0"/>
+              <a:t>Every song has artist</a:t>
+            </a:r>
           </a:p>
           <a:p>
             <a:pPr marL="1080000" lvl="1" indent="-514350">
@@ -18269,10 +16927,9 @@
               </a:spcAft>
             </a:pPr>
             <a:r>
-              <a:rPr lang="en-US" dirty="0" smtClean="0"/>
+              <a:rPr lang="en-US" dirty="0"/>
               <a:t>Every album has list of songs</a:t>
             </a:r>
-            <a:endParaRPr lang="en-US" dirty="0"/>
           </a:p>
         </p:txBody>
       </p:sp>
@@ -18315,13 +16972,6 @@
   <p:clrMapOvr>
     <a:masterClrMapping/>
   </p:clrMapOvr>
-  <p:timing>
-    <p:tnLst>
-      <p:par>
-        <p:cTn id="1" dur="indefinite" restart="never" nodeType="tmRoot"/>
-      </p:par>
-    </p:tnLst>
-  </p:timing>
 </p:sld>
 </file>
 
@@ -18358,10 +17008,9 @@
           <a:lstStyle/>
           <a:p>
             <a:r>
-              <a:rPr lang="en-US" dirty="0" smtClean="0"/>
+              <a:rPr lang="en-US" dirty="0"/>
               <a:t>Homework (2)</a:t>
             </a:r>
-            <a:endParaRPr lang="en-US" dirty="0"/>
           </a:p>
         </p:txBody>
       </p:sp>
@@ -18399,11 +17048,7 @@
             </a:r>
             <a:r>
               <a:rPr lang="en-US" dirty="0"/>
-              <a:t> class (with both JSON and XML</a:t>
-            </a:r>
-            <a:r>
-              <a:rPr lang="en-US" dirty="0" smtClean="0"/>
-              <a:t>)</a:t>
+              <a:t> class (with both JSON and XML)</a:t>
             </a:r>
           </a:p>
           <a:p>
@@ -18412,40 +17057,39 @@
               <a:buAutoNum type="arabicPeriod" startAt="3"/>
             </a:pPr>
             <a:r>
-              <a:rPr lang="en-US" dirty="0" smtClean="0"/>
+              <a:rPr lang="en-US" dirty="0"/>
               <a:t>* Create JavaScript-based single page application and consume the service to display user interface for:</a:t>
             </a:r>
           </a:p>
           <a:p>
             <a:pPr marL="1080000" lvl="1" indent="-514350"/>
             <a:r>
-              <a:rPr lang="en-US" dirty="0" smtClean="0"/>
+              <a:rPr lang="en-US" dirty="0"/>
               <a:t>Creating, updating and deleting artists, songs and albums (with cascade deleting)</a:t>
             </a:r>
           </a:p>
           <a:p>
             <a:pPr marL="1080000" lvl="1" indent="-514350"/>
             <a:r>
-              <a:rPr lang="en-US" dirty="0" smtClean="0"/>
+              <a:rPr lang="en-US" dirty="0"/>
               <a:t>Show </a:t>
             </a:r>
             <a:r>
-              <a:rPr lang="en-US" dirty="0" err="1" smtClean="0"/>
+              <a:rPr lang="en-US" dirty="0" err="1"/>
               <a:t>pageable</a:t>
             </a:r>
             <a:r>
-              <a:rPr lang="en-US" dirty="0" smtClean="0"/>
+              <a:rPr lang="en-US" dirty="0"/>
               <a:t>, sortable and filterable artists, songs</a:t>
             </a:r>
             <a:r>
-              <a:rPr lang="bg-BG" dirty="0" smtClean="0"/>
+              <a:rPr lang="bg-BG" dirty="0"/>
               <a:t> </a:t>
             </a:r>
             <a:r>
-              <a:rPr lang="en-US" dirty="0" smtClean="0"/>
+              <a:rPr lang="en-US" dirty="0"/>
               <a:t>and albums using OData</a:t>
             </a:r>
-            <a:endParaRPr lang="en-US" dirty="0"/>
           </a:p>
         </p:txBody>
       </p:sp>
@@ -18488,13 +17132,6 @@
   <p:clrMapOvr>
     <a:masterClrMapping/>
   </p:clrMapOvr>
-  <p:timing>
-    <p:tnLst>
-      <p:par>
-        <p:cTn id="1" dur="indefinite" restart="never" nodeType="tmRoot"/>
-      </p:par>
-    </p:tnLst>
-  </p:timing>
 </p:sld>
 </file>
 
@@ -18531,10 +17168,9 @@
           <a:lstStyle/>
           <a:p>
             <a:r>
-              <a:rPr lang="en-US" sz="3600" dirty="0" smtClean="0"/>
+              <a:rPr lang="en-US" sz="3600" dirty="0"/>
               <a:t>Free Trainings @ Telerik Academy</a:t>
             </a:r>
-            <a:endParaRPr lang="en-US" sz="3600" dirty="0"/>
           </a:p>
         </p:txBody>
       </p:sp>
@@ -18559,7 +17195,7 @@
           <a:lstStyle/>
           <a:p>
             <a:r>
-              <a:rPr lang="en-US" dirty="0" smtClean="0"/>
+              <a:rPr lang="en-US" dirty="0"/>
               <a:t>C# Programming @ Telerik Academy</a:t>
             </a:r>
           </a:p>
@@ -18605,7 +17241,7 @@
               </a:tabLst>
             </a:pPr>
             <a:r>
-              <a:rPr lang="en-US" dirty="0" smtClean="0"/>
+              <a:rPr lang="en-US" dirty="0"/>
               <a:t>Telerik Software Academy</a:t>
             </a:r>
           </a:p>
@@ -18625,12 +17261,12 @@
               </a:tabLst>
             </a:pPr>
             <a:r>
-              <a:rPr lang="en-US" noProof="1" smtClean="0">
+              <a:rPr lang="en-US" noProof="1">
                 <a:hlinkClick r:id="rId3" tooltip="Telerik Software Academy - Free Programming Courses"/>
               </a:rPr>
               <a:t>academy.telerik.com</a:t>
             </a:r>
-            <a:endParaRPr lang="en-US" noProof="1" smtClean="0"/>
+            <a:endParaRPr lang="en-US" noProof="1"/>
           </a:p>
           <a:p>
             <a:pPr marL="282575" lvl="1" indent="-282575">
@@ -18651,7 +17287,7 @@
               </a:tabLst>
             </a:pPr>
             <a:r>
-              <a:rPr lang="en-US" dirty="0" smtClean="0"/>
+              <a:rPr lang="en-US" dirty="0"/>
               <a:t>Telerik Academy @ Facebook</a:t>
             </a:r>
           </a:p>
@@ -18671,12 +17307,12 @@
               </a:tabLst>
             </a:pPr>
             <a:r>
-              <a:rPr lang="en-US" noProof="1" smtClean="0">
+              <a:rPr lang="en-US" noProof="1">
                 <a:hlinkClick r:id="rId4" tooltip="Telerik Softyware Academy @ Facebook"/>
               </a:rPr>
               <a:t>facebook.com/TelerikAcademy</a:t>
             </a:r>
-            <a:endParaRPr lang="en-US" noProof="1" smtClean="0"/>
+            <a:endParaRPr lang="en-US" noProof="1"/>
           </a:p>
           <a:p>
             <a:pPr marL="282575" lvl="1" indent="-282575">
@@ -18697,7 +17333,7 @@
               </a:tabLst>
             </a:pPr>
             <a:r>
-              <a:rPr lang="en-US" dirty="0" smtClean="0"/>
+              <a:rPr lang="en-US" dirty="0"/>
               <a:t>Telerik Software Academy Forums</a:t>
             </a:r>
           </a:p>
@@ -18717,7 +17353,7 @@
               </a:tabLst>
             </a:pPr>
             <a:r>
-              <a:rPr lang="en-US" noProof="1" smtClean="0">
+              <a:rPr lang="en-US" noProof="1">
                 <a:hlinkClick r:id="rId5" tooltip="Telerik Software Academy Forums - Community for Programmers"/>
               </a:rPr>
               <a:t>forums.academy.telerik.com</a:t>
@@ -18977,13 +17613,6 @@
   <p:clrMapOvr>
     <a:masterClrMapping/>
   </p:clrMapOvr>
-  <p:timing>
-    <p:tnLst>
-      <p:par>
-        <p:cTn id="1" dur="indefinite" restart="never" nodeType="tmRoot"/>
-      </p:par>
-    </p:tnLst>
-  </p:timing>
 </p:sld>
 </file>
 
@@ -19020,10 +17649,9 @@
           <a:lstStyle/>
           <a:p>
             <a:r>
-              <a:rPr lang="en-US" dirty="0" smtClean="0"/>
+              <a:rPr lang="en-US" dirty="0"/>
               <a:t>ASP.NET Web API</a:t>
             </a:r>
-            <a:endParaRPr lang="en-US" dirty="0"/>
           </a:p>
         </p:txBody>
       </p:sp>
@@ -19043,12 +17671,8 @@
           <a:lstStyle/>
           <a:p>
             <a:r>
-              <a:rPr lang="en-US" dirty="0" smtClean="0"/>
-              <a:t>Framework </a:t>
-            </a:r>
-            <a:r>
-              <a:rPr lang="en-US" dirty="0"/>
-              <a:t>that makes it easy to build </a:t>
+              <a:rPr lang="en-US" dirty="0"/>
+              <a:t>Framework that makes it easy to build </a:t>
             </a:r>
             <a:r>
               <a:rPr lang="en-US" dirty="0">
@@ -19063,29 +17687,13 @@
             </a:r>
             <a:r>
               <a:rPr lang="en-US" dirty="0"/>
-              <a:t> services </a:t>
-            </a:r>
-            <a:r>
-              <a:rPr lang="en-US" dirty="0" smtClean="0"/>
-              <a:t>for </a:t>
-            </a:r>
-            <a:r>
-              <a:rPr lang="en-US" dirty="0"/>
-              <a:t>browsers and mobile </a:t>
-            </a:r>
-            <a:r>
-              <a:rPr lang="en-US" dirty="0" smtClean="0"/>
-              <a:t>devices</a:t>
-            </a:r>
-          </a:p>
-          <a:p>
-            <a:r>
-              <a:rPr lang="en-US" dirty="0" smtClean="0"/>
-              <a:t>Platform </a:t>
-            </a:r>
-            <a:r>
-              <a:rPr lang="en-US" dirty="0"/>
-              <a:t>for building </a:t>
+              <a:t> services for browsers and mobile devices</a:t>
+            </a:r>
+          </a:p>
+          <a:p>
+            <a:r>
+              <a:rPr lang="en-US" dirty="0"/>
+              <a:t>Platform for building </a:t>
             </a:r>
             <a:r>
               <a:rPr lang="en-US" dirty="0" err="1">
@@ -19125,11 +17733,11 @@
               <a:t>.NET </a:t>
             </a:r>
             <a:r>
-              <a:rPr lang="en-US" dirty="0" smtClean="0"/>
+              <a:rPr lang="en-US" dirty="0"/>
               <a:t>Framework using </a:t>
             </a:r>
             <a:r>
-              <a:rPr lang="en-US" dirty="0" smtClean="0">
+              <a:rPr lang="en-US" dirty="0">
                 <a:solidFill>
                   <a:schemeClr val="accent6">
                     <a:lumMod val="20000"/>
@@ -19140,12 +17748,12 @@
               <a:t>ASP.NET</a:t>
             </a:r>
             <a:r>
-              <a:rPr lang="en-US" dirty="0" smtClean="0"/>
+              <a:rPr lang="en-US" dirty="0"/>
               <a:t> stack</a:t>
             </a:r>
           </a:p>
           <a:p>
-            <a:endParaRPr lang="en-US" dirty="0" smtClean="0"/>
+            <a:endParaRPr lang="en-US" dirty="0"/>
           </a:p>
         </p:txBody>
       </p:sp>
@@ -19225,13 +17833,6 @@
   <p:clrMapOvr>
     <a:masterClrMapping/>
   </p:clrMapOvr>
-  <p:timing>
-    <p:tnLst>
-      <p:par>
-        <p:cTn id="1" dur="indefinite" restart="never" nodeType="tmRoot"/>
-      </p:par>
-    </p:tnLst>
-  </p:timing>
 </p:sld>
 </file>
 
@@ -19268,10 +17869,9 @@
           <a:lstStyle/>
           <a:p>
             <a:r>
-              <a:rPr lang="en-US" dirty="0" smtClean="0"/>
+              <a:rPr lang="en-US" dirty="0"/>
               <a:t>ASP.NET Web API Role</a:t>
             </a:r>
-            <a:endParaRPr lang="en-US" dirty="0"/>
           </a:p>
         </p:txBody>
       </p:sp>
@@ -19339,10 +17939,9 @@
           <a:p>
             <a:pPr algn="ctr"/>
             <a:r>
-              <a:rPr lang="en-US" dirty="0" smtClean="0"/>
+              <a:rPr lang="en-US" dirty="0"/>
               <a:t>Data storage</a:t>
             </a:r>
-            <a:endParaRPr lang="en-US" dirty="0"/>
           </a:p>
         </p:txBody>
       </p:sp>
@@ -19381,10 +17980,9 @@
           <a:p>
             <a:pPr algn="ctr"/>
             <a:r>
-              <a:rPr lang="en-US" dirty="0" smtClean="0"/>
+              <a:rPr lang="en-US" dirty="0"/>
               <a:t>Data Layer (EF)</a:t>
             </a:r>
-            <a:endParaRPr lang="en-US" dirty="0"/>
           </a:p>
         </p:txBody>
       </p:sp>
@@ -19423,10 +18021,9 @@
           <a:p>
             <a:pPr algn="ctr"/>
             <a:r>
-              <a:rPr lang="en-US" dirty="0" smtClean="0"/>
+              <a:rPr lang="en-US" dirty="0"/>
               <a:t>ASP.NET Web API</a:t>
             </a:r>
-            <a:endParaRPr lang="en-US" dirty="0"/>
           </a:p>
         </p:txBody>
       </p:sp>
@@ -19467,14 +18064,13 @@
           <a:p>
             <a:pPr algn="ctr"/>
             <a:r>
-              <a:rPr lang="en-US" b="1" dirty="0" smtClean="0"/>
+              <a:rPr lang="en-US" b="1" dirty="0"/>
               <a:t>HTTP</a:t>
             </a:r>
             <a:r>
-              <a:rPr lang="en-US" dirty="0" smtClean="0"/>
+              <a:rPr lang="en-US" dirty="0"/>
               <a:t> PUT, POST, DELETE</a:t>
             </a:r>
-            <a:endParaRPr lang="en-US" dirty="0"/>
           </a:p>
         </p:txBody>
       </p:sp>
@@ -19513,10 +18109,9 @@
           <a:p>
             <a:pPr algn="ctr"/>
             <a:r>
-              <a:rPr lang="en-US" dirty="0" smtClean="0"/>
+              <a:rPr lang="en-US" dirty="0"/>
               <a:t>JSON</a:t>
             </a:r>
-            <a:endParaRPr lang="en-US" dirty="0"/>
           </a:p>
         </p:txBody>
       </p:sp>
@@ -19557,14 +18152,13 @@
           <a:p>
             <a:pPr algn="ctr"/>
             <a:r>
-              <a:rPr lang="en-US" b="1" dirty="0" smtClean="0"/>
+              <a:rPr lang="en-US" b="1" dirty="0"/>
               <a:t>HTTP</a:t>
             </a:r>
             <a:r>
-              <a:rPr lang="en-US" dirty="0" smtClean="0"/>
+              <a:rPr lang="en-US" dirty="0"/>
               <a:t> GET</a:t>
             </a:r>
-            <a:endParaRPr lang="en-US" dirty="0"/>
           </a:p>
         </p:txBody>
       </p:sp>
@@ -19669,10 +18263,9 @@
           <a:p>
             <a:pPr algn="ctr"/>
             <a:r>
-              <a:rPr lang="en-US" dirty="0" smtClean="0"/>
+              <a:rPr lang="en-US" dirty="0"/>
               <a:t>JSON</a:t>
             </a:r>
-            <a:endParaRPr lang="en-US" dirty="0"/>
           </a:p>
         </p:txBody>
       </p:sp>
@@ -20591,10 +19184,9 @@
           <a:lstStyle/>
           <a:p>
             <a:r>
-              <a:rPr lang="en-US" dirty="0" smtClean="0"/>
+              <a:rPr lang="en-US" dirty="0"/>
               <a:t>Web API Features</a:t>
             </a:r>
-            <a:endParaRPr lang="en-US" dirty="0"/>
           </a:p>
         </p:txBody>
       </p:sp>
@@ -20635,22 +19227,14 @@
             </a:r>
             <a:r>
               <a:rPr lang="en-US" dirty="0"/>
-              <a:t> programming </a:t>
-            </a:r>
-            <a:r>
-              <a:rPr lang="en-US" dirty="0" smtClean="0"/>
-              <a:t>model</a:t>
+              <a:t> programming model</a:t>
             </a:r>
           </a:p>
           <a:p>
             <a:pPr lvl="1"/>
             <a:r>
-              <a:rPr lang="en-US" dirty="0" smtClean="0"/>
-              <a:t>Access to strongly </a:t>
-            </a:r>
-            <a:r>
-              <a:rPr lang="en-US" dirty="0"/>
-              <a:t>typed </a:t>
+              <a:rPr lang="en-US" dirty="0"/>
+              <a:t>Access to strongly typed </a:t>
             </a:r>
             <a:r>
               <a:rPr lang="en-US" dirty="0">
@@ -20665,11 +19249,7 @@
             </a:r>
             <a:r>
               <a:rPr lang="en-US" dirty="0"/>
-              <a:t> object </a:t>
-            </a:r>
-            <a:r>
-              <a:rPr lang="en-US" dirty="0" smtClean="0"/>
-              <a:t>model</a:t>
+              <a:t> object model</a:t>
             </a:r>
           </a:p>
           <a:p>
@@ -20698,55 +19278,27 @@
             </a:r>
             <a:r>
               <a:rPr lang="en-US" dirty="0"/>
-              <a:t>– same programming </a:t>
-            </a:r>
-            <a:r>
-              <a:rPr lang="en-US" dirty="0" smtClean="0"/>
-              <a:t>model</a:t>
-            </a:r>
-          </a:p>
-          <a:p>
-            <a:r>
-              <a:rPr lang="en-US" dirty="0"/>
-              <a:t>Content </a:t>
-            </a:r>
-            <a:r>
-              <a:rPr lang="en-US" dirty="0" smtClean="0"/>
-              <a:t>negotiation</a:t>
+              <a:t>– same programming model</a:t>
+            </a:r>
+          </a:p>
+          <a:p>
+            <a:r>
+              <a:rPr lang="en-US" dirty="0"/>
+              <a:t>Content negotiation</a:t>
             </a:r>
           </a:p>
           <a:p>
             <a:pPr lvl="1"/>
             <a:r>
-              <a:rPr lang="en-US" dirty="0" smtClean="0"/>
-              <a:t>Client </a:t>
-            </a:r>
-            <a:r>
-              <a:rPr lang="en-US" dirty="0"/>
-              <a:t>and server </a:t>
-            </a:r>
-            <a:r>
-              <a:rPr lang="en-US" dirty="0" smtClean="0"/>
-              <a:t>work </a:t>
-            </a:r>
-            <a:r>
-              <a:rPr lang="en-US" dirty="0"/>
-              <a:t>together to determine the right format for </a:t>
-            </a:r>
-            <a:r>
-              <a:rPr lang="en-US" dirty="0" smtClean="0"/>
-              <a:t>data</a:t>
+              <a:rPr lang="en-US" dirty="0"/>
+              <a:t>Client and server work together to determine the right format for data</a:t>
             </a:r>
           </a:p>
           <a:p>
             <a:pPr lvl="1"/>
             <a:r>
-              <a:rPr lang="en-US" dirty="0" smtClean="0"/>
-              <a:t>Provide </a:t>
-            </a:r>
-            <a:r>
-              <a:rPr lang="en-US" dirty="0"/>
-              <a:t>default support for </a:t>
+              <a:rPr lang="en-US" dirty="0"/>
+              <a:t>Provide default support for </a:t>
             </a:r>
             <a:r>
               <a:rPr lang="en-US" dirty="0">
@@ -20776,20 +19328,15 @@
             </a:r>
             <a:r>
               <a:rPr lang="en-US" dirty="0"/>
-              <a:t> and Form URL-encoded </a:t>
-            </a:r>
-            <a:r>
-              <a:rPr lang="en-US" dirty="0" smtClean="0"/>
-              <a:t>formats</a:t>
+              <a:t> and Form URL-encoded formats</a:t>
             </a:r>
           </a:p>
           <a:p>
             <a:pPr lvl="1"/>
             <a:r>
-              <a:rPr lang="en-US" dirty="0" smtClean="0"/>
+              <a:rPr lang="en-US" dirty="0"/>
               <a:t>We can add own formats and change content negotiation strategy</a:t>
             </a:r>
-            <a:endParaRPr lang="en-US" dirty="0"/>
           </a:p>
         </p:txBody>
       </p:sp>
@@ -20832,13 +19379,6 @@
   <p:clrMapOvr>
     <a:masterClrMapping/>
   </p:clrMapOvr>
-  <p:timing>
-    <p:tnLst>
-      <p:par>
-        <p:cTn id="1" dur="indefinite" restart="never" nodeType="tmRoot"/>
-      </p:par>
-    </p:tnLst>
-  </p:timing>
 </p:sld>
 </file>
 
@@ -20875,10 +19415,9 @@
           <a:lstStyle/>
           <a:p>
             <a:r>
-              <a:rPr lang="en-US" dirty="0" smtClean="0"/>
+              <a:rPr lang="en-US" dirty="0"/>
               <a:t>Web API Features (2)</a:t>
             </a:r>
-            <a:endParaRPr lang="en-US" dirty="0"/>
           </a:p>
         </p:txBody>
       </p:sp>
@@ -20904,29 +19443,21 @@
           <a:p>
             <a:r>
               <a:rPr lang="en-US" dirty="0"/>
-              <a:t>Query </a:t>
-            </a:r>
-            <a:r>
-              <a:rPr lang="en-US" dirty="0" smtClean="0"/>
-              <a:t>composition</a:t>
+              <a:t>Query composition</a:t>
             </a:r>
           </a:p>
           <a:p>
             <a:pPr lvl="1"/>
             <a:r>
-              <a:rPr lang="en-US" dirty="0" smtClean="0"/>
+              <a:rPr lang="en-US" dirty="0"/>
               <a:t>Support automatic paging and sorting</a:t>
             </a:r>
           </a:p>
           <a:p>
             <a:pPr lvl="1"/>
             <a:r>
-              <a:rPr lang="en-US" dirty="0" smtClean="0"/>
-              <a:t>Support </a:t>
-            </a:r>
-            <a:r>
-              <a:rPr lang="en-US" dirty="0"/>
-              <a:t>querying via the </a:t>
+              <a:rPr lang="en-US" dirty="0"/>
+              <a:t>Support querying via the </a:t>
             </a:r>
             <a:r>
               <a:rPr lang="en-US" dirty="0">
@@ -20956,11 +19487,7 @@
             </a:r>
             <a:r>
               <a:rPr lang="en-US" dirty="0"/>
-              <a:t>conventions </a:t>
-            </a:r>
-            <a:r>
-              <a:rPr lang="en-US" dirty="0" smtClean="0"/>
-              <a:t>when we return </a:t>
+              <a:t>conventions when we return </a:t>
             </a:r>
             <a:r>
               <a:rPr lang="en-US" dirty="0" err="1">
@@ -20988,21 +19515,17 @@
           <a:p>
             <a:r>
               <a:rPr lang="en-US" dirty="0"/>
-              <a:t>Model binding and </a:t>
-            </a:r>
-            <a:r>
-              <a:rPr lang="en-US" dirty="0" smtClean="0"/>
-              <a:t>validation</a:t>
+              <a:t>Model binding and validation</a:t>
             </a:r>
           </a:p>
           <a:p>
             <a:pPr lvl="1"/>
             <a:r>
-              <a:rPr lang="en-US" dirty="0" smtClean="0"/>
+              <a:rPr lang="en-US" dirty="0"/>
               <a:t>Combine </a:t>
             </a:r>
             <a:r>
-              <a:rPr lang="en-US" dirty="0" smtClean="0">
+              <a:rPr lang="en-US" dirty="0">
                 <a:solidFill>
                   <a:schemeClr val="accent6">
                     <a:lumMod val="20000"/>
@@ -21013,11 +19536,11 @@
               <a:t>HTTP</a:t>
             </a:r>
             <a:r>
-              <a:rPr lang="en-US" dirty="0" smtClean="0"/>
+              <a:rPr lang="en-US" dirty="0"/>
               <a:t> data in </a:t>
             </a:r>
             <a:r>
-              <a:rPr lang="en-US" dirty="0" smtClean="0">
+              <a:rPr lang="en-US" dirty="0">
                 <a:solidFill>
                   <a:schemeClr val="accent6">
                     <a:lumMod val="20000"/>
@@ -21028,33 +19551,25 @@
               <a:t>POCO</a:t>
             </a:r>
             <a:r>
-              <a:rPr lang="en-US" dirty="0" smtClean="0"/>
+              <a:rPr lang="en-US" dirty="0"/>
               <a:t> models</a:t>
             </a:r>
           </a:p>
           <a:p>
             <a:pPr lvl="1"/>
             <a:r>
-              <a:rPr lang="en-US" dirty="0" smtClean="0"/>
+              <a:rPr lang="en-US" dirty="0"/>
               <a:t>Data validation via attributes</a:t>
             </a:r>
           </a:p>
           <a:p>
             <a:pPr lvl="1"/>
             <a:r>
-              <a:rPr lang="en-US" dirty="0" smtClean="0"/>
-              <a:t>Supports </a:t>
-            </a:r>
-            <a:r>
-              <a:rPr lang="en-US" dirty="0"/>
-              <a:t>the same model binding and validation infrastructure </a:t>
-            </a:r>
-            <a:r>
-              <a:rPr lang="en-US" dirty="0" smtClean="0"/>
-              <a:t>as </a:t>
-            </a:r>
-            <a:r>
-              <a:rPr lang="en-US" dirty="0" smtClean="0">
+              <a:rPr lang="en-US" dirty="0"/>
+              <a:t>Supports the same model binding and validation infrastructure as </a:t>
+            </a:r>
+            <a:r>
+              <a:rPr lang="en-US" dirty="0">
                 <a:solidFill>
                   <a:schemeClr val="accent6">
                     <a:lumMod val="20000"/>
@@ -21062,18 +19577,7 @@
                   </a:schemeClr>
                 </a:solidFill>
               </a:rPr>
-              <a:t>ASP.NET </a:t>
-            </a:r>
-            <a:r>
-              <a:rPr lang="en-US" dirty="0">
-                <a:solidFill>
-                  <a:schemeClr val="accent6">
-                    <a:lumMod val="20000"/>
-                    <a:lumOff val="80000"/>
-                  </a:schemeClr>
-                </a:solidFill>
-              </a:rPr>
-              <a:t>MVC </a:t>
+              <a:t>ASP.NET MVC </a:t>
             </a:r>
           </a:p>
         </p:txBody>
@@ -21117,13 +19621,6 @@
   <p:clrMapOvr>
     <a:masterClrMapping/>
   </p:clrMapOvr>
-  <p:timing>
-    <p:tnLst>
-      <p:par>
-        <p:cTn id="1" dur="indefinite" restart="never" nodeType="tmRoot"/>
-      </p:par>
-    </p:tnLst>
-  </p:timing>
 </p:sld>
 </file>
 
@@ -21160,10 +19657,9 @@
           <a:lstStyle/>
           <a:p>
             <a:r>
-              <a:rPr lang="en-US" dirty="0" smtClean="0"/>
+              <a:rPr lang="en-US" dirty="0"/>
               <a:t>Web API Features (3)</a:t>
             </a:r>
-            <a:endParaRPr lang="en-US" dirty="0"/>
           </a:p>
         </p:txBody>
       </p:sp>
@@ -21188,7 +19684,7 @@
           <a:lstStyle/>
           <a:p>
             <a:r>
-              <a:rPr lang="en-US" dirty="0" smtClean="0">
+              <a:rPr lang="en-US" dirty="0">
                 <a:solidFill>
                   <a:schemeClr val="accent6">
                     <a:lumMod val="20000"/>
@@ -21199,11 +19695,11 @@
               <a:t>Routes</a:t>
             </a:r>
             <a:r>
-              <a:rPr lang="en-US" dirty="0" smtClean="0"/>
+              <a:rPr lang="en-US" dirty="0"/>
               <a:t> (mapping between </a:t>
             </a:r>
             <a:r>
-              <a:rPr lang="en-US" dirty="0" smtClean="0">
+              <a:rPr lang="en-US" dirty="0">
                 <a:solidFill>
                   <a:schemeClr val="accent6">
                     <a:lumMod val="20000"/>
@@ -21214,19 +19710,15 @@
               <a:t>URIs</a:t>
             </a:r>
             <a:r>
-              <a:rPr lang="en-US" dirty="0" smtClean="0"/>
+              <a:rPr lang="en-US" dirty="0"/>
               <a:t> and code)</a:t>
             </a:r>
           </a:p>
           <a:p>
             <a:pPr lvl="1"/>
             <a:r>
-              <a:rPr lang="en-US" dirty="0" smtClean="0"/>
-              <a:t>Full </a:t>
-            </a:r>
-            <a:r>
-              <a:rPr lang="en-US" dirty="0"/>
-              <a:t>set of routing capabilities supported within </a:t>
+              <a:rPr lang="en-US" dirty="0"/>
+              <a:t>Full set of routing capabilities supported within </a:t>
             </a:r>
             <a:r>
               <a:rPr lang="en-US" dirty="0">
@@ -21237,10 +19729,12 @@
                   </a:schemeClr>
                 </a:solidFill>
               </a:rPr>
-              <a:t>ASP.NET (</a:t>
-            </a:r>
-            <a:r>
-              <a:rPr lang="en-US" dirty="0" smtClean="0">
+              <a:t>ASP.NET (MVC)</a:t>
+            </a:r>
+          </a:p>
+          <a:p>
+            <a:r>
+              <a:rPr lang="en-US" dirty="0">
                 <a:solidFill>
                   <a:schemeClr val="accent6">
                     <a:lumMod val="20000"/>
@@ -21248,12 +19742,17 @@
                   </a:schemeClr>
                 </a:solidFill>
               </a:rPr>
-              <a:t>MVC)</a:t>
-            </a:r>
-          </a:p>
-          <a:p>
-            <a:r>
-              <a:rPr lang="en-US" dirty="0" smtClean="0">
+              <a:t>Filters</a:t>
+            </a:r>
+          </a:p>
+          <a:p>
+            <a:pPr lvl="1"/>
+            <a:r>
+              <a:rPr lang="en-US" dirty="0"/>
+              <a:t>Easily decorates </a:t>
+            </a:r>
+            <a:r>
+              <a:rPr lang="en-US" dirty="0">
                 <a:solidFill>
                   <a:schemeClr val="accent6">
                     <a:lumMod val="20000"/>
@@ -21261,17 +19760,16 @@
                   </a:schemeClr>
                 </a:solidFill>
               </a:rPr>
-              <a:t>Filters</a:t>
-            </a:r>
-          </a:p>
-          <a:p>
-            <a:pPr lvl="1"/>
-            <a:r>
-              <a:rPr lang="en-US" dirty="0" smtClean="0"/>
-              <a:t>Easily decorates </a:t>
-            </a:r>
-            <a:r>
-              <a:rPr lang="en-US" dirty="0" smtClean="0">
+              <a:t>Web API </a:t>
+            </a:r>
+            <a:r>
+              <a:rPr lang="en-US" dirty="0"/>
+              <a:t>with additional validation (authorization, CORS, etc.)</a:t>
+            </a:r>
+          </a:p>
+          <a:p>
+            <a:r>
+              <a:rPr lang="en-US" dirty="0">
                 <a:solidFill>
                   <a:schemeClr val="accent6">
                     <a:lumMod val="20000"/>
@@ -21279,16 +19777,12 @@
                   </a:schemeClr>
                 </a:solidFill>
               </a:rPr>
-              <a:t>Web API </a:t>
-            </a:r>
-            <a:r>
-              <a:rPr lang="en-US" dirty="0" smtClean="0"/>
-              <a:t>with additional validation (authorization, CORS, etc.)</a:t>
-            </a:r>
-          </a:p>
-          <a:p>
-            <a:r>
-              <a:rPr lang="en-US" dirty="0" smtClean="0">
+              <a:t>Testability</a:t>
+            </a:r>
+          </a:p>
+          <a:p>
+            <a:r>
+              <a:rPr lang="en-US" dirty="0" err="1">
                 <a:solidFill>
                   <a:schemeClr val="accent6">
                     <a:lumMod val="20000"/>
@@ -21296,12 +19790,10 @@
                   </a:schemeClr>
                 </a:solidFill>
               </a:rPr>
-              <a:t>Testability</a:t>
-            </a:r>
-          </a:p>
-          <a:p>
-            <a:r>
-              <a:rPr lang="en-US" dirty="0" err="1">
+              <a:t>IoC</a:t>
+            </a:r>
+            <a:r>
+              <a:rPr lang="en-US" dirty="0">
                 <a:solidFill>
                   <a:schemeClr val="accent6">
                     <a:lumMod val="20000"/>
@@ -21309,7 +19801,17 @@
                   </a:schemeClr>
                 </a:solidFill>
               </a:rPr>
-              <a:t>IoC</a:t>
+              <a:t> </a:t>
+            </a:r>
+            <a:r>
+              <a:rPr lang="en-US" dirty="0"/>
+              <a:t>and dependency injection support</a:t>
+            </a:r>
+          </a:p>
+          <a:p>
+            <a:r>
+              <a:rPr lang="en-US" dirty="0"/>
+              <a:t>Flexible hosting (</a:t>
             </a:r>
             <a:r>
               <a:rPr lang="en-US" dirty="0">
@@ -21320,28 +19822,14 @@
                   </a:schemeClr>
                 </a:solidFill>
               </a:rPr>
-              <a:t> </a:t>
-            </a:r>
-            <a:r>
-              <a:rPr lang="en-US" dirty="0"/>
-              <a:t>and dependency injection </a:t>
-            </a:r>
-            <a:r>
-              <a:rPr lang="en-US" dirty="0" smtClean="0"/>
-              <a:t>support</a:t>
-            </a:r>
-          </a:p>
-          <a:p>
-            <a:r>
-              <a:rPr lang="en-US" dirty="0"/>
-              <a:t>Flexible </a:t>
-            </a:r>
-            <a:r>
-              <a:rPr lang="en-US" dirty="0" smtClean="0"/>
-              <a:t>hosting (</a:t>
-            </a:r>
-            <a:r>
-              <a:rPr lang="en-US" dirty="0" smtClean="0">
+              <a:t>IIS</a:t>
+            </a:r>
+            <a:r>
+              <a:rPr lang="en-US" dirty="0"/>
+              <a:t>, </a:t>
+            </a:r>
+            <a:r>
+              <a:rPr lang="en-US" dirty="0">
                 <a:solidFill>
                   <a:schemeClr val="accent6">
                     <a:lumMod val="20000"/>
@@ -21349,14 +19837,14 @@
                   </a:schemeClr>
                 </a:solidFill>
               </a:rPr>
-              <a:t>IIS</a:t>
-            </a:r>
-            <a:r>
-              <a:rPr lang="en-US" dirty="0" smtClean="0"/>
+              <a:t>Azure</a:t>
+            </a:r>
+            <a:r>
+              <a:rPr lang="en-US" dirty="0"/>
               <a:t>, </a:t>
             </a:r>
             <a:r>
-              <a:rPr lang="en-US" dirty="0" smtClean="0">
+              <a:rPr lang="en-US" dirty="0">
                 <a:solidFill>
                   <a:schemeClr val="accent6">
                     <a:lumMod val="20000"/>
@@ -21364,28 +19852,12 @@
                   </a:schemeClr>
                 </a:solidFill>
               </a:rPr>
-              <a:t>Azure</a:t>
-            </a:r>
-            <a:r>
-              <a:rPr lang="en-US" dirty="0" smtClean="0"/>
-              <a:t>, </a:t>
-            </a:r>
-            <a:r>
-              <a:rPr lang="en-US" dirty="0" smtClean="0">
-                <a:solidFill>
-                  <a:schemeClr val="accent6">
-                    <a:lumMod val="20000"/>
-                    <a:lumOff val="80000"/>
-                  </a:schemeClr>
-                </a:solidFill>
-              </a:rPr>
               <a:t>self-hosting</a:t>
             </a:r>
             <a:r>
-              <a:rPr lang="en-US" dirty="0" smtClean="0"/>
+              <a:rPr lang="en-US" dirty="0"/>
               <a:t>)</a:t>
             </a:r>
-            <a:endParaRPr lang="en-US" dirty="0"/>
           </a:p>
         </p:txBody>
       </p:sp>
@@ -21428,13 +19900,6 @@
   <p:clrMapOvr>
     <a:masterClrMapping/>
   </p:clrMapOvr>
-  <p:timing>
-    <p:tnLst>
-      <p:par>
-        <p:cTn id="1" dur="indefinite" restart="never" nodeType="tmRoot"/>
-      </p:par>
-    </p:tnLst>
-  </p:timing>
 </p:sld>
 </file>
 
@@ -21472,13 +19937,8 @@
           <a:p>
             <a:r>
               <a:rPr lang="en-US" dirty="0"/>
-              <a:t>Web API Features </a:t>
-            </a:r>
-            <a:r>
-              <a:rPr lang="en-US" dirty="0" smtClean="0"/>
-              <a:t>(4)</a:t>
-            </a:r>
-            <a:endParaRPr lang="en-US" dirty="0"/>
+              <a:t>Web API Features (4)</a:t>
+            </a:r>
           </a:p>
         </p:txBody>
       </p:sp>
@@ -21498,30 +19958,29 @@
           <a:lstStyle/>
           <a:p>
             <a:r>
-              <a:rPr lang="en-US" dirty="0" smtClean="0"/>
+              <a:rPr lang="en-US" dirty="0"/>
               <a:t>Visual Studio IDE (+templates and scaffolding)</a:t>
             </a:r>
           </a:p>
           <a:p>
             <a:r>
-              <a:rPr lang="en-US" dirty="0" smtClean="0"/>
+              <a:rPr lang="en-US" dirty="0"/>
               <a:t>Reuse of C# knowledge (+task-based </a:t>
             </a:r>
             <a:r>
-              <a:rPr lang="en-US" dirty="0" err="1" smtClean="0"/>
+              <a:rPr lang="en-US" dirty="0" err="1"/>
               <a:t>async</a:t>
             </a:r>
             <a:r>
-              <a:rPr lang="en-US" dirty="0" smtClean="0"/>
+              <a:rPr lang="en-US" dirty="0"/>
               <a:t>)</a:t>
             </a:r>
           </a:p>
           <a:p>
             <a:r>
-              <a:rPr lang="en-US" dirty="0" smtClean="0"/>
+              <a:rPr lang="en-US" dirty="0"/>
               <a:t>Custom help pages, tracing, etc.</a:t>
             </a:r>
-            <a:endParaRPr lang="en-US" dirty="0"/>
           </a:p>
         </p:txBody>
       </p:sp>
@@ -21614,13 +20073,6 @@
   <p:clrMapOvr>
     <a:masterClrMapping/>
   </p:clrMapOvr>
-  <p:timing>
-    <p:tnLst>
-      <p:par>
-        <p:cTn id="1" dur="indefinite" restart="never" nodeType="tmRoot"/>
-      </p:par>
-    </p:tnLst>
-  </p:timing>
 </p:sld>
 </file>
 
